--- a/Random forest code and result slides/Random forest  presentation slides and results.pptx
+++ b/Random forest code and result slides/Random forest  presentation slides and results.pptx
@@ -5,17 +5,18 @@
     <p:sldMasterId id="2147483648" r:id="rId1"/>
   </p:sldMasterIdLst>
   <p:notesMasterIdLst>
-    <p:notesMasterId r:id="rId10"/>
+    <p:notesMasterId r:id="rId11"/>
   </p:notesMasterIdLst>
   <p:sldIdLst>
     <p:sldId id="260" r:id="rId2"/>
     <p:sldId id="259" r:id="rId3"/>
-    <p:sldId id="258" r:id="rId4"/>
-    <p:sldId id="261" r:id="rId5"/>
-    <p:sldId id="262" r:id="rId6"/>
-    <p:sldId id="263" r:id="rId7"/>
-    <p:sldId id="264" r:id="rId8"/>
-    <p:sldId id="265" r:id="rId9"/>
+    <p:sldId id="266" r:id="rId4"/>
+    <p:sldId id="258" r:id="rId5"/>
+    <p:sldId id="261" r:id="rId6"/>
+    <p:sldId id="262" r:id="rId7"/>
+    <p:sldId id="263" r:id="rId8"/>
+    <p:sldId id="264" r:id="rId9"/>
+    <p:sldId id="265" r:id="rId10"/>
   </p:sldIdLst>
   <p:sldSz cx="12192000" cy="6858000"/>
   <p:notesSz cx="6858000" cy="9144000"/>
@@ -125,13 +126,60 @@
 <file path=ppt/revisionInfo.xml><?xml version="1.0" encoding="utf-8"?>
 <p1510:revInfo xmlns:a="http://schemas.openxmlformats.org/drawingml/2006/main" xmlns:r="http://schemas.openxmlformats.org/officeDocument/2006/relationships" xmlns:p1510="http://schemas.microsoft.com/office/powerpoint/2015/10/main">
   <p1510:revLst>
-    <p1510:client id="{52855764-3F8C-415E-A34C-84EE33ED3389}" v="99" dt="2022-05-13T08:24:55.083"/>
+    <p1510:client id="{B203C5AB-9EC4-41FA-9561-CCC90BC70909}" v="1" dt="2022-05-15T10:03:16.637"/>
   </p1510:revLst>
 </p1510:revInfo>
 </file>
 
 <file path=ppt/changesInfos/changesInfo1.xml><?xml version="1.0" encoding="utf-8"?>
 <pc:chgInfo xmlns:a="http://schemas.openxmlformats.org/drawingml/2006/main" xmlns:r="http://schemas.openxmlformats.org/officeDocument/2006/relationships" xmlns:ac="http://schemas.microsoft.com/office/drawing/2013/main/command" xmlns:pc="http://schemas.microsoft.com/office/powerpoint/2013/main/command">
+  <pc:docChgLst>
+    <pc:chgData name="Hui Li" userId="ec3be2d1-c9fc-4ef5-8c05-8d8ca9dfaab4" providerId="ADAL" clId="{B203C5AB-9EC4-41FA-9561-CCC90BC70909}"/>
+    <pc:docChg chg="custSel addSld modSld">
+      <pc:chgData name="Hui Li" userId="ec3be2d1-c9fc-4ef5-8c05-8d8ca9dfaab4" providerId="ADAL" clId="{B203C5AB-9EC4-41FA-9561-CCC90BC70909}" dt="2022-05-15T10:03:30.038" v="212" actId="255"/>
+      <pc:docMkLst>
+        <pc:docMk/>
+      </pc:docMkLst>
+      <pc:sldChg chg="modNotesTx">
+        <pc:chgData name="Hui Li" userId="ec3be2d1-c9fc-4ef5-8c05-8d8ca9dfaab4" providerId="ADAL" clId="{B203C5AB-9EC4-41FA-9561-CCC90BC70909}" dt="2022-05-15T09:50:38.212" v="0" actId="6549"/>
+        <pc:sldMkLst>
+          <pc:docMk/>
+          <pc:sldMk cId="1216946136" sldId="259"/>
+        </pc:sldMkLst>
+      </pc:sldChg>
+      <pc:sldChg chg="addSp delSp modSp new mod">
+        <pc:chgData name="Hui Li" userId="ec3be2d1-c9fc-4ef5-8c05-8d8ca9dfaab4" providerId="ADAL" clId="{B203C5AB-9EC4-41FA-9561-CCC90BC70909}" dt="2022-05-15T10:03:30.038" v="212" actId="255"/>
+        <pc:sldMkLst>
+          <pc:docMk/>
+          <pc:sldMk cId="3832634048" sldId="266"/>
+        </pc:sldMkLst>
+        <pc:spChg chg="add del mod">
+          <ac:chgData name="Hui Li" userId="ec3be2d1-c9fc-4ef5-8c05-8d8ca9dfaab4" providerId="ADAL" clId="{B203C5AB-9EC4-41FA-9561-CCC90BC70909}" dt="2022-05-15T09:55:39.362" v="49" actId="478"/>
+          <ac:spMkLst>
+            <pc:docMk/>
+            <pc:sldMk cId="3832634048" sldId="266"/>
+            <ac:spMk id="3" creationId="{DA19CF38-3A3A-0DF2-74A8-93A8E1566949}"/>
+          </ac:spMkLst>
+        </pc:spChg>
+        <pc:spChg chg="add mod">
+          <ac:chgData name="Hui Li" userId="ec3be2d1-c9fc-4ef5-8c05-8d8ca9dfaab4" providerId="ADAL" clId="{B203C5AB-9EC4-41FA-9561-CCC90BC70909}" dt="2022-05-15T10:01:46.770" v="201" actId="20577"/>
+          <ac:spMkLst>
+            <pc:docMk/>
+            <pc:sldMk cId="3832634048" sldId="266"/>
+            <ac:spMk id="5" creationId="{3326DA0F-9080-4916-1B24-5DDCF348B478}"/>
+          </ac:spMkLst>
+        </pc:spChg>
+        <pc:spChg chg="add mod">
+          <ac:chgData name="Hui Li" userId="ec3be2d1-c9fc-4ef5-8c05-8d8ca9dfaab4" providerId="ADAL" clId="{B203C5AB-9EC4-41FA-9561-CCC90BC70909}" dt="2022-05-15T10:03:30.038" v="212" actId="255"/>
+          <ac:spMkLst>
+            <pc:docMk/>
+            <pc:sldMk cId="3832634048" sldId="266"/>
+            <ac:spMk id="6" creationId="{4E8F03FE-3F10-E150-F30E-3AE42A050119}"/>
+          </ac:spMkLst>
+        </pc:spChg>
+      </pc:sldChg>
+    </pc:docChg>
+  </pc:docChgLst>
   <pc:docChgLst>
     <pc:chgData name="Hui Li" userId="ec3be2d1-c9fc-4ef5-8c05-8d8ca9dfaab4" providerId="ADAL" clId="{52855764-3F8C-415E-A34C-84EE33ED3389}"/>
     <pc:docChg chg="undo custSel addSld delSld modSld sldOrd">
@@ -1679,7 +1727,7 @@
           <a:p>
             <a:fld id="{12DD2E4D-7FC5-441C-A7D7-F20F14AAA1B7}" type="datetimeFigureOut">
               <a:rPr lang="en-AU" smtClean="0"/>
-              <a:t>13/05/2022</a:t>
+              <a:t>15/05/2022</a:t>
             </a:fld>
             <a:endParaRPr lang="en-AU"/>
           </a:p>
@@ -2107,7 +2155,7 @@
           <a:p>
             <a:r>
               <a:rPr lang="en-AU" dirty="0"/>
-              <a:t>In all the variables, only the number of diagnoses has p value less than 0.05, suggesting number of diagnosis is the key factor affecting whether the readmission of patients.</a:t>
+              <a:t>In all the variables, only the number of diagnoses has p value less than 0.05, suggesting number of diagnosis is the key factor affecting the readmission of patients.</a:t>
             </a:r>
           </a:p>
         </p:txBody>
@@ -2213,7 +2261,7 @@
           <a:p>
             <a:fld id="{7AFBF99F-B851-4A8F-8F4D-F3B0275C9B6F}" type="slidenum">
               <a:rPr lang="en-AU" smtClean="0"/>
-              <a:t>6</a:t>
+              <a:t>7</a:t>
             </a:fld>
             <a:endParaRPr lang="en-AU"/>
           </a:p>
@@ -2381,7 +2429,7 @@
           <a:p>
             <a:fld id="{ABA23B9A-771B-4B5F-9129-E92718FEFCBC}" type="datetimeFigureOut">
               <a:rPr lang="en-AU" smtClean="0"/>
-              <a:t>13/05/2022</a:t>
+              <a:t>15/05/2022</a:t>
             </a:fld>
             <a:endParaRPr lang="en-AU"/>
           </a:p>
@@ -2581,7 +2629,7 @@
           <a:p>
             <a:fld id="{ABA23B9A-771B-4B5F-9129-E92718FEFCBC}" type="datetimeFigureOut">
               <a:rPr lang="en-AU" smtClean="0"/>
-              <a:t>13/05/2022</a:t>
+              <a:t>15/05/2022</a:t>
             </a:fld>
             <a:endParaRPr lang="en-AU"/>
           </a:p>
@@ -2791,7 +2839,7 @@
           <a:p>
             <a:fld id="{ABA23B9A-771B-4B5F-9129-E92718FEFCBC}" type="datetimeFigureOut">
               <a:rPr lang="en-AU" smtClean="0"/>
-              <a:t>13/05/2022</a:t>
+              <a:t>15/05/2022</a:t>
             </a:fld>
             <a:endParaRPr lang="en-AU"/>
           </a:p>
@@ -2991,7 +3039,7 @@
           <a:p>
             <a:fld id="{ABA23B9A-771B-4B5F-9129-E92718FEFCBC}" type="datetimeFigureOut">
               <a:rPr lang="en-AU" smtClean="0"/>
-              <a:t>13/05/2022</a:t>
+              <a:t>15/05/2022</a:t>
             </a:fld>
             <a:endParaRPr lang="en-AU"/>
           </a:p>
@@ -3267,7 +3315,7 @@
           <a:p>
             <a:fld id="{ABA23B9A-771B-4B5F-9129-E92718FEFCBC}" type="datetimeFigureOut">
               <a:rPr lang="en-AU" smtClean="0"/>
-              <a:t>13/05/2022</a:t>
+              <a:t>15/05/2022</a:t>
             </a:fld>
             <a:endParaRPr lang="en-AU"/>
           </a:p>
@@ -3535,7 +3583,7 @@
           <a:p>
             <a:fld id="{ABA23B9A-771B-4B5F-9129-E92718FEFCBC}" type="datetimeFigureOut">
               <a:rPr lang="en-AU" smtClean="0"/>
-              <a:t>13/05/2022</a:t>
+              <a:t>15/05/2022</a:t>
             </a:fld>
             <a:endParaRPr lang="en-AU"/>
           </a:p>
@@ -3950,7 +3998,7 @@
           <a:p>
             <a:fld id="{ABA23B9A-771B-4B5F-9129-E92718FEFCBC}" type="datetimeFigureOut">
               <a:rPr lang="en-AU" smtClean="0"/>
-              <a:t>13/05/2022</a:t>
+              <a:t>15/05/2022</a:t>
             </a:fld>
             <a:endParaRPr lang="en-AU"/>
           </a:p>
@@ -4092,7 +4140,7 @@
           <a:p>
             <a:fld id="{ABA23B9A-771B-4B5F-9129-E92718FEFCBC}" type="datetimeFigureOut">
               <a:rPr lang="en-AU" smtClean="0"/>
-              <a:t>13/05/2022</a:t>
+              <a:t>15/05/2022</a:t>
             </a:fld>
             <a:endParaRPr lang="en-AU"/>
           </a:p>
@@ -4205,7 +4253,7 @@
           <a:p>
             <a:fld id="{ABA23B9A-771B-4B5F-9129-E92718FEFCBC}" type="datetimeFigureOut">
               <a:rPr lang="en-AU" smtClean="0"/>
-              <a:t>13/05/2022</a:t>
+              <a:t>15/05/2022</a:t>
             </a:fld>
             <a:endParaRPr lang="en-AU"/>
           </a:p>
@@ -4518,7 +4566,7 @@
           <a:p>
             <a:fld id="{ABA23B9A-771B-4B5F-9129-E92718FEFCBC}" type="datetimeFigureOut">
               <a:rPr lang="en-AU" smtClean="0"/>
-              <a:t>13/05/2022</a:t>
+              <a:t>15/05/2022</a:t>
             </a:fld>
             <a:endParaRPr lang="en-AU"/>
           </a:p>
@@ -4807,7 +4855,7 @@
           <a:p>
             <a:fld id="{ABA23B9A-771B-4B5F-9129-E92718FEFCBC}" type="datetimeFigureOut">
               <a:rPr lang="en-AU" smtClean="0"/>
-              <a:t>13/05/2022</a:t>
+              <a:t>15/05/2022</a:t>
             </a:fld>
             <a:endParaRPr lang="en-AU"/>
           </a:p>
@@ -5050,7 +5098,7 @@
           <a:p>
             <a:fld id="{ABA23B9A-771B-4B5F-9129-E92718FEFCBC}" type="datetimeFigureOut">
               <a:rPr lang="en-AU" smtClean="0"/>
-              <a:t>13/05/2022</a:t>
+              <a:t>15/05/2022</a:t>
             </a:fld>
             <a:endParaRPr lang="en-AU"/>
           </a:p>
@@ -6906,6 +6954,222 @@
           <a:chExt cx="0" cy="0"/>
         </a:xfrm>
       </p:grpSpPr>
+      <p:sp>
+        <p:nvSpPr>
+          <p:cNvPr id="5" name="TextBox 4">
+            <a:extLst>
+              <a:ext uri="{FF2B5EF4-FFF2-40B4-BE49-F238E27FC236}">
+                <a16:creationId xmlns:a16="http://schemas.microsoft.com/office/drawing/2014/main" id="{3326DA0F-9080-4916-1B24-5DDCF348B478}"/>
+              </a:ext>
+            </a:extLst>
+          </p:cNvPr>
+          <p:cNvSpPr txBox="1"/>
+          <p:nvPr/>
+        </p:nvSpPr>
+        <p:spPr>
+          <a:xfrm>
+            <a:off x="1277006" y="1372389"/>
+            <a:ext cx="9469821" cy="3416320"/>
+          </a:xfrm>
+          <a:prstGeom prst="rect">
+            <a:avLst/>
+          </a:prstGeom>
+          <a:noFill/>
+        </p:spPr>
+        <p:txBody>
+          <a:bodyPr wrap="square">
+            <a:spAutoFit/>
+          </a:bodyPr>
+          <a:lstStyle/>
+          <a:p>
+            <a:pPr marL="285750" indent="-285750">
+              <a:buFont typeface="Arial" panose="020B0604020202020204" pitchFamily="34" charset="0"/>
+              <a:buChar char="•"/>
+            </a:pPr>
+            <a:r>
+              <a:rPr lang="en-US" b="0" i="0" dirty="0">
+                <a:effectLst/>
+                <a:latin typeface="Arial" panose="020B0604020202020204" pitchFamily="34" charset="0"/>
+              </a:rPr>
+              <a:t>Hospitalized diabetes patients have a higher risk of hospital readmission.</a:t>
+            </a:r>
+          </a:p>
+          <a:p>
+            <a:pPr marL="285750" indent="-285750">
+              <a:buFont typeface="Arial" panose="020B0604020202020204" pitchFamily="34" charset="0"/>
+              <a:buChar char="•"/>
+            </a:pPr>
+            <a:endParaRPr lang="en-US" dirty="0">
+              <a:latin typeface="Arial" panose="020B0604020202020204" pitchFamily="34" charset="0"/>
+            </a:endParaRPr>
+          </a:p>
+          <a:p>
+            <a:pPr marL="285750" indent="-285750">
+              <a:buFont typeface="Arial" panose="020B0604020202020204" pitchFamily="34" charset="0"/>
+              <a:buChar char="•"/>
+            </a:pPr>
+            <a:r>
+              <a:rPr lang="en-US" b="0" i="0" dirty="0">
+                <a:effectLst/>
+                <a:latin typeface="Arial" panose="020B0604020202020204" pitchFamily="34" charset="0"/>
+              </a:rPr>
+              <a:t>This generates significant burden to the patients and the health care system.</a:t>
+            </a:r>
+          </a:p>
+          <a:p>
+            <a:pPr marL="285750" indent="-285750">
+              <a:buFont typeface="Arial" panose="020B0604020202020204" pitchFamily="34" charset="0"/>
+              <a:buChar char="•"/>
+            </a:pPr>
+            <a:endParaRPr lang="en-US" dirty="0">
+              <a:latin typeface="Arial" panose="020B0604020202020204" pitchFamily="34" charset="0"/>
+            </a:endParaRPr>
+          </a:p>
+          <a:p>
+            <a:pPr marL="285750" indent="-285750">
+              <a:buFont typeface="Arial" panose="020B0604020202020204" pitchFamily="34" charset="0"/>
+              <a:buChar char="•"/>
+            </a:pPr>
+            <a:r>
+              <a:rPr lang="en-US" b="0" i="0" dirty="0">
+                <a:effectLst/>
+                <a:latin typeface="Arial" panose="020B0604020202020204" pitchFamily="34" charset="0"/>
+              </a:rPr>
+              <a:t>In this study, we will use classification algorithms to:</a:t>
+            </a:r>
+          </a:p>
+          <a:p>
+            <a:pPr marL="285750" indent="-285750">
+              <a:buFont typeface="Arial" panose="020B0604020202020204" pitchFamily="34" charset="0"/>
+              <a:buChar char="•"/>
+            </a:pPr>
+            <a:endParaRPr lang="en-US" b="0" i="0" dirty="0">
+              <a:effectLst/>
+              <a:latin typeface="Arial" panose="020B0604020202020204" pitchFamily="34" charset="0"/>
+            </a:endParaRPr>
+          </a:p>
+          <a:p>
+            <a:pPr marL="800100" lvl="1" indent="-342900">
+              <a:buAutoNum type="arabicParenR"/>
+            </a:pPr>
+            <a:r>
+              <a:rPr lang="en-US" b="0" i="0" dirty="0">
+                <a:effectLst/>
+                <a:latin typeface="Arial" panose="020B0604020202020204" pitchFamily="34" charset="0"/>
+              </a:rPr>
+              <a:t>predict whether the diabetes patients will be readmitted to hospital within 30 days or after 30 days, or will not be readmitted.</a:t>
+            </a:r>
+          </a:p>
+          <a:p>
+            <a:pPr marL="800100" lvl="1" indent="-342900">
+              <a:buAutoNum type="arabicParenR"/>
+            </a:pPr>
+            <a:endParaRPr lang="en-US" b="0" i="0" dirty="0">
+              <a:effectLst/>
+              <a:latin typeface="Arial" panose="020B0604020202020204" pitchFamily="34" charset="0"/>
+            </a:endParaRPr>
+          </a:p>
+          <a:p>
+            <a:pPr marL="800100" lvl="1" indent="-342900">
+              <a:buAutoNum type="arabicParenR" startAt="2"/>
+            </a:pPr>
+            <a:r>
+              <a:rPr lang="en-US" b="0" i="0" dirty="0">
+                <a:effectLst/>
+                <a:latin typeface="Arial" panose="020B0604020202020204" pitchFamily="34" charset="0"/>
+              </a:rPr>
+              <a:t>identify the potential factors affecting the readmission of diabetes patients.</a:t>
+            </a:r>
+          </a:p>
+          <a:p>
+            <a:pPr marL="800100" lvl="1" indent="-342900">
+              <a:buAutoNum type="arabicParenR" startAt="2"/>
+            </a:pPr>
+            <a:endParaRPr lang="en-US" b="0" i="0" dirty="0">
+              <a:effectLst/>
+              <a:latin typeface="Arial" panose="020B0604020202020204" pitchFamily="34" charset="0"/>
+            </a:endParaRPr>
+          </a:p>
+          <a:p>
+            <a:pPr marL="285750" lvl="1" indent="-285750">
+              <a:buFont typeface="Arial" panose="020B0604020202020204" pitchFamily="34" charset="0"/>
+              <a:buChar char="•"/>
+            </a:pPr>
+            <a:r>
+              <a:rPr lang="en-US" dirty="0">
+                <a:latin typeface="Arial" panose="020B0604020202020204" pitchFamily="34" charset="0"/>
+              </a:rPr>
+              <a:t>The results will reduce the readmission of diabetes patients and health burden.</a:t>
+            </a:r>
+            <a:endParaRPr lang="en-AU" dirty="0"/>
+          </a:p>
+        </p:txBody>
+      </p:sp>
+      <p:sp>
+        <p:nvSpPr>
+          <p:cNvPr id="6" name="TextBox 5">
+            <a:extLst>
+              <a:ext uri="{FF2B5EF4-FFF2-40B4-BE49-F238E27FC236}">
+                <a16:creationId xmlns:a16="http://schemas.microsoft.com/office/drawing/2014/main" id="{4E8F03FE-3F10-E150-F30E-3AE42A050119}"/>
+              </a:ext>
+            </a:extLst>
+          </p:cNvPr>
+          <p:cNvSpPr txBox="1"/>
+          <p:nvPr/>
+        </p:nvSpPr>
+        <p:spPr>
+          <a:xfrm>
+            <a:off x="5018952" y="546538"/>
+            <a:ext cx="1085618" cy="400110"/>
+          </a:xfrm>
+          <a:prstGeom prst="rect">
+            <a:avLst/>
+          </a:prstGeom>
+          <a:noFill/>
+        </p:spPr>
+        <p:txBody>
+          <a:bodyPr wrap="none" rtlCol="0">
+            <a:spAutoFit/>
+          </a:bodyPr>
+          <a:lstStyle/>
+          <a:p>
+            <a:r>
+              <a:rPr lang="en-AU" sz="2000" b="1" dirty="0"/>
+              <a:t>Problem</a:t>
+            </a:r>
+          </a:p>
+        </p:txBody>
+      </p:sp>
+    </p:spTree>
+    <p:extLst>
+      <p:ext uri="{BB962C8B-B14F-4D97-AF65-F5344CB8AC3E}">
+        <p14:creationId xmlns:p14="http://schemas.microsoft.com/office/powerpoint/2010/main" val="3832634048"/>
+      </p:ext>
+    </p:extLst>
+  </p:cSld>
+  <p:clrMapOvr>
+    <a:masterClrMapping/>
+  </p:clrMapOvr>
+</p:sld>
+</file>
+
+<file path=ppt/slides/slide4.xml><?xml version="1.0" encoding="utf-8"?>
+<p:sld xmlns:a="http://schemas.openxmlformats.org/drawingml/2006/main" xmlns:r="http://schemas.openxmlformats.org/officeDocument/2006/relationships" xmlns:p="http://schemas.openxmlformats.org/presentationml/2006/main">
+  <p:cSld>
+    <p:spTree>
+      <p:nvGrpSpPr>
+        <p:cNvPr id="1" name=""/>
+        <p:cNvGrpSpPr/>
+        <p:nvPr/>
+      </p:nvGrpSpPr>
+      <p:grpSpPr>
+        <a:xfrm>
+          <a:off x="0" y="0"/>
+          <a:ext cx="0" cy="0"/>
+          <a:chOff x="0" y="0"/>
+          <a:chExt cx="0" cy="0"/>
+        </a:xfrm>
+      </p:grpSpPr>
       <p:grpSp>
         <p:nvGrpSpPr>
           <p:cNvPr id="33" name="Group 32">
@@ -7333,7 +7597,7 @@
 </p:sld>
 </file>
 
-<file path=ppt/slides/slide4.xml><?xml version="1.0" encoding="utf-8"?>
+<file path=ppt/slides/slide5.xml><?xml version="1.0" encoding="utf-8"?>
 <p:sld xmlns:a="http://schemas.openxmlformats.org/drawingml/2006/main" xmlns:r="http://schemas.openxmlformats.org/officeDocument/2006/relationships" xmlns:p="http://schemas.openxmlformats.org/presentationml/2006/main">
   <p:cSld>
     <p:spTree>
@@ -7881,7 +8145,7 @@
 </p:sld>
 </file>
 
-<file path=ppt/slides/slide5.xml><?xml version="1.0" encoding="utf-8"?>
+<file path=ppt/slides/slide6.xml><?xml version="1.0" encoding="utf-8"?>
 <p:sld xmlns:a="http://schemas.openxmlformats.org/drawingml/2006/main" xmlns:r="http://schemas.openxmlformats.org/officeDocument/2006/relationships" xmlns:p="http://schemas.openxmlformats.org/presentationml/2006/main">
   <p:cSld>
     <p:spTree>
@@ -8311,7 +8575,7 @@
 </p:sld>
 </file>
 
-<file path=ppt/slides/slide6.xml><?xml version="1.0" encoding="utf-8"?>
+<file path=ppt/slides/slide7.xml><?xml version="1.0" encoding="utf-8"?>
 <p:sld xmlns:a="http://schemas.openxmlformats.org/drawingml/2006/main" xmlns:r="http://schemas.openxmlformats.org/officeDocument/2006/relationships" xmlns:p="http://schemas.openxmlformats.org/presentationml/2006/main">
   <p:cSld>
     <p:spTree>
@@ -8847,7 +9111,7 @@
 </p:sld>
 </file>
 
-<file path=ppt/slides/slide7.xml><?xml version="1.0" encoding="utf-8"?>
+<file path=ppt/slides/slide8.xml><?xml version="1.0" encoding="utf-8"?>
 <p:sld xmlns:a="http://schemas.openxmlformats.org/drawingml/2006/main" xmlns:r="http://schemas.openxmlformats.org/officeDocument/2006/relationships" xmlns:p="http://schemas.openxmlformats.org/presentationml/2006/main">
   <p:cSld>
     <p:spTree>
@@ -8947,7 +9211,7 @@
 </p:sld>
 </file>
 
-<file path=ppt/slides/slide8.xml><?xml version="1.0" encoding="utf-8"?>
+<file path=ppt/slides/slide9.xml><?xml version="1.0" encoding="utf-8"?>
 <p:sld xmlns:a="http://schemas.openxmlformats.org/drawingml/2006/main" xmlns:r="http://schemas.openxmlformats.org/officeDocument/2006/relationships" xmlns:p="http://schemas.openxmlformats.org/presentationml/2006/main">
   <p:cSld>
     <p:spTree>

--- a/Random forest code and result slides/Random forest  presentation slides and results.pptx
+++ b/Random forest code and result slides/Random forest  presentation slides and results.pptx
@@ -5,18 +5,21 @@
     <p:sldMasterId id="2147483648" r:id="rId1"/>
   </p:sldMasterIdLst>
   <p:notesMasterIdLst>
-    <p:notesMasterId r:id="rId11"/>
+    <p:notesMasterId r:id="rId14"/>
   </p:notesMasterIdLst>
   <p:sldIdLst>
     <p:sldId id="260" r:id="rId2"/>
-    <p:sldId id="259" r:id="rId3"/>
-    <p:sldId id="266" r:id="rId4"/>
-    <p:sldId id="258" r:id="rId5"/>
-    <p:sldId id="261" r:id="rId6"/>
-    <p:sldId id="262" r:id="rId7"/>
-    <p:sldId id="263" r:id="rId8"/>
-    <p:sldId id="264" r:id="rId9"/>
-    <p:sldId id="265" r:id="rId10"/>
+    <p:sldId id="267" r:id="rId3"/>
+    <p:sldId id="268" r:id="rId4"/>
+    <p:sldId id="259" r:id="rId5"/>
+    <p:sldId id="269" r:id="rId6"/>
+    <p:sldId id="266" r:id="rId7"/>
+    <p:sldId id="258" r:id="rId8"/>
+    <p:sldId id="261" r:id="rId9"/>
+    <p:sldId id="262" r:id="rId10"/>
+    <p:sldId id="263" r:id="rId11"/>
+    <p:sldId id="264" r:id="rId12"/>
+    <p:sldId id="265" r:id="rId13"/>
   </p:sldIdLst>
   <p:sldSz cx="12192000" cy="6858000"/>
   <p:notesSz cx="6858000" cy="9144000"/>
@@ -126,7 +129,7 @@
 <file path=ppt/revisionInfo.xml><?xml version="1.0" encoding="utf-8"?>
 <p1510:revInfo xmlns:a="http://schemas.openxmlformats.org/drawingml/2006/main" xmlns:r="http://schemas.openxmlformats.org/officeDocument/2006/relationships" xmlns:p1510="http://schemas.microsoft.com/office/powerpoint/2015/10/main">
   <p1510:revLst>
-    <p1510:client id="{B203C5AB-9EC4-41FA-9561-CCC90BC70909}" v="1" dt="2022-05-15T10:03:16.637"/>
+    <p1510:client id="{B203C5AB-9EC4-41FA-9561-CCC90BC70909}" v="40" dt="2022-05-16T13:33:48.215"/>
   </p1510:revLst>
 </p1510:revInfo>
 </file>
@@ -135,17 +138,48 @@
 <pc:chgInfo xmlns:a="http://schemas.openxmlformats.org/drawingml/2006/main" xmlns:r="http://schemas.openxmlformats.org/officeDocument/2006/relationships" xmlns:ac="http://schemas.microsoft.com/office/drawing/2013/main/command" xmlns:pc="http://schemas.microsoft.com/office/powerpoint/2013/main/command">
   <pc:docChgLst>
     <pc:chgData name="Hui Li" userId="ec3be2d1-c9fc-4ef5-8c05-8d8ca9dfaab4" providerId="ADAL" clId="{B203C5AB-9EC4-41FA-9561-CCC90BC70909}"/>
-    <pc:docChg chg="custSel addSld modSld">
-      <pc:chgData name="Hui Li" userId="ec3be2d1-c9fc-4ef5-8c05-8d8ca9dfaab4" providerId="ADAL" clId="{B203C5AB-9EC4-41FA-9561-CCC90BC70909}" dt="2022-05-15T10:03:30.038" v="212" actId="255"/>
+    <pc:docChg chg="undo custSel addSld modSld sldOrd">
+      <pc:chgData name="Hui Li" userId="ec3be2d1-c9fc-4ef5-8c05-8d8ca9dfaab4" providerId="ADAL" clId="{B203C5AB-9EC4-41FA-9561-CCC90BC70909}" dt="2022-05-16T13:40:52.850" v="1454" actId="207"/>
       <pc:docMkLst>
         <pc:docMk/>
       </pc:docMkLst>
-      <pc:sldChg chg="modNotesTx">
-        <pc:chgData name="Hui Li" userId="ec3be2d1-c9fc-4ef5-8c05-8d8ca9dfaab4" providerId="ADAL" clId="{B203C5AB-9EC4-41FA-9561-CCC90BC70909}" dt="2022-05-15T09:50:38.212" v="0" actId="6549"/>
+      <pc:sldChg chg="addSp delSp modSp mod modNotesTx">
+        <pc:chgData name="Hui Li" userId="ec3be2d1-c9fc-4ef5-8c05-8d8ca9dfaab4" providerId="ADAL" clId="{B203C5AB-9EC4-41FA-9561-CCC90BC70909}" dt="2022-05-16T13:31:05.558" v="1411" actId="20577"/>
         <pc:sldMkLst>
           <pc:docMk/>
           <pc:sldMk cId="1216946136" sldId="259"/>
         </pc:sldMkLst>
+        <pc:spChg chg="del">
+          <ac:chgData name="Hui Li" userId="ec3be2d1-c9fc-4ef5-8c05-8d8ca9dfaab4" providerId="ADAL" clId="{B203C5AB-9EC4-41FA-9561-CCC90BC70909}" dt="2022-05-16T13:30:49.595" v="1401" actId="478"/>
+          <ac:spMkLst>
+            <pc:docMk/>
+            <pc:sldMk cId="1216946136" sldId="259"/>
+            <ac:spMk id="4" creationId="{EC571309-5A20-9E94-E7C3-4C368CEA459B}"/>
+          </ac:spMkLst>
+        </pc:spChg>
+        <pc:spChg chg="add mod ord">
+          <ac:chgData name="Hui Li" userId="ec3be2d1-c9fc-4ef5-8c05-8d8ca9dfaab4" providerId="ADAL" clId="{B203C5AB-9EC4-41FA-9561-CCC90BC70909}" dt="2022-05-16T13:31:05.558" v="1411" actId="20577"/>
+          <ac:spMkLst>
+            <pc:docMk/>
+            <pc:sldMk cId="1216946136" sldId="259"/>
+            <ac:spMk id="7" creationId="{E108BD75-7BEF-1296-5DFB-53AAD505365A}"/>
+          </ac:spMkLst>
+        </pc:spChg>
+      </pc:sldChg>
+      <pc:sldChg chg="modSp mod">
+        <pc:chgData name="Hui Li" userId="ec3be2d1-c9fc-4ef5-8c05-8d8ca9dfaab4" providerId="ADAL" clId="{B203C5AB-9EC4-41FA-9561-CCC90BC70909}" dt="2022-05-16T13:31:12.612" v="1414" actId="20577"/>
+        <pc:sldMkLst>
+          <pc:docMk/>
+          <pc:sldMk cId="3957866282" sldId="260"/>
+        </pc:sldMkLst>
+        <pc:spChg chg="mod">
+          <ac:chgData name="Hui Li" userId="ec3be2d1-c9fc-4ef5-8c05-8d8ca9dfaab4" providerId="ADAL" clId="{B203C5AB-9EC4-41FA-9561-CCC90BC70909}" dt="2022-05-16T13:31:12.612" v="1414" actId="20577"/>
+          <ac:spMkLst>
+            <pc:docMk/>
+            <pc:sldMk cId="3957866282" sldId="260"/>
+            <ac:spMk id="36" creationId="{E59D05E9-7492-89E6-E05B-723AE3F5BF6F}"/>
+          </ac:spMkLst>
+        </pc:spChg>
       </pc:sldChg>
       <pc:sldChg chg="addSp delSp modSp new mod">
         <pc:chgData name="Hui Li" userId="ec3be2d1-c9fc-4ef5-8c05-8d8ca9dfaab4" providerId="ADAL" clId="{B203C5AB-9EC4-41FA-9561-CCC90BC70909}" dt="2022-05-15T10:03:30.038" v="212" actId="255"/>
@@ -177,6 +211,371 @@
             <ac:spMk id="6" creationId="{4E8F03FE-3F10-E150-F30E-3AE42A050119}"/>
           </ac:spMkLst>
         </pc:spChg>
+      </pc:sldChg>
+      <pc:sldChg chg="addSp delSp modSp new mod modNotesTx">
+        <pc:chgData name="Hui Li" userId="ec3be2d1-c9fc-4ef5-8c05-8d8ca9dfaab4" providerId="ADAL" clId="{B203C5AB-9EC4-41FA-9561-CCC90BC70909}" dt="2022-05-16T13:40:52.850" v="1454" actId="207"/>
+        <pc:sldMkLst>
+          <pc:docMk/>
+          <pc:sldMk cId="14695166" sldId="267"/>
+        </pc:sldMkLst>
+        <pc:spChg chg="add del mod">
+          <ac:chgData name="Hui Li" userId="ec3be2d1-c9fc-4ef5-8c05-8d8ca9dfaab4" providerId="ADAL" clId="{B203C5AB-9EC4-41FA-9561-CCC90BC70909}" dt="2022-05-16T12:14:28.200" v="215" actId="478"/>
+          <ac:spMkLst>
+            <pc:docMk/>
+            <pc:sldMk cId="14695166" sldId="267"/>
+            <ac:spMk id="2" creationId="{C83C277B-FB4E-0B1A-0B62-89DF8A5E5F77}"/>
+          </ac:spMkLst>
+        </pc:spChg>
+        <pc:spChg chg="add mod">
+          <ac:chgData name="Hui Li" userId="ec3be2d1-c9fc-4ef5-8c05-8d8ca9dfaab4" providerId="ADAL" clId="{B203C5AB-9EC4-41FA-9561-CCC90BC70909}" dt="2022-05-16T12:52:30.142" v="873" actId="1036"/>
+          <ac:spMkLst>
+            <pc:docMk/>
+            <pc:sldMk cId="14695166" sldId="267"/>
+            <ac:spMk id="3" creationId="{9B426173-E83A-3615-0E3E-75AC9D32DAE4}"/>
+          </ac:spMkLst>
+        </pc:spChg>
+        <pc:spChg chg="del mod topLvl">
+          <ac:chgData name="Hui Li" userId="ec3be2d1-c9fc-4ef5-8c05-8d8ca9dfaab4" providerId="ADAL" clId="{B203C5AB-9EC4-41FA-9561-CCC90BC70909}" dt="2022-05-16T12:36:55.637" v="588" actId="478"/>
+          <ac:spMkLst>
+            <pc:docMk/>
+            <pc:sldMk cId="14695166" sldId="267"/>
+            <ac:spMk id="5" creationId="{C3C3A679-15E4-DF95-4091-C093A95A4810}"/>
+          </ac:spMkLst>
+        </pc:spChg>
+        <pc:spChg chg="mod topLvl">
+          <ac:chgData name="Hui Li" userId="ec3be2d1-c9fc-4ef5-8c05-8d8ca9dfaab4" providerId="ADAL" clId="{B203C5AB-9EC4-41FA-9561-CCC90BC70909}" dt="2022-05-16T12:36:17.292" v="565" actId="113"/>
+          <ac:spMkLst>
+            <pc:docMk/>
+            <pc:sldMk cId="14695166" sldId="267"/>
+            <ac:spMk id="6" creationId="{F2E5A41C-DAAC-83DA-2AC7-A8FB1BF2BE02}"/>
+          </ac:spMkLst>
+        </pc:spChg>
+        <pc:spChg chg="del mod topLvl">
+          <ac:chgData name="Hui Li" userId="ec3be2d1-c9fc-4ef5-8c05-8d8ca9dfaab4" providerId="ADAL" clId="{B203C5AB-9EC4-41FA-9561-CCC90BC70909}" dt="2022-05-16T12:34:28.446" v="551" actId="478"/>
+          <ac:spMkLst>
+            <pc:docMk/>
+            <pc:sldMk cId="14695166" sldId="267"/>
+            <ac:spMk id="7" creationId="{E69C57C0-17E4-6C7D-5370-C7382EE090B3}"/>
+          </ac:spMkLst>
+        </pc:spChg>
+        <pc:spChg chg="mod topLvl">
+          <ac:chgData name="Hui Li" userId="ec3be2d1-c9fc-4ef5-8c05-8d8ca9dfaab4" providerId="ADAL" clId="{B203C5AB-9EC4-41FA-9561-CCC90BC70909}" dt="2022-05-16T12:42:43.655" v="629" actId="692"/>
+          <ac:spMkLst>
+            <pc:docMk/>
+            <pc:sldMk cId="14695166" sldId="267"/>
+            <ac:spMk id="8" creationId="{38CDDA74-F25E-E6BF-91F1-1211E118A4AD}"/>
+          </ac:spMkLst>
+        </pc:spChg>
+        <pc:spChg chg="mod topLvl">
+          <ac:chgData name="Hui Li" userId="ec3be2d1-c9fc-4ef5-8c05-8d8ca9dfaab4" providerId="ADAL" clId="{B203C5AB-9EC4-41FA-9561-CCC90BC70909}" dt="2022-05-16T12:52:46.511" v="874" actId="164"/>
+          <ac:spMkLst>
+            <pc:docMk/>
+            <pc:sldMk cId="14695166" sldId="267"/>
+            <ac:spMk id="9" creationId="{59E5FF7F-DD04-A646-57D8-4AA6F7AF7E89}"/>
+          </ac:spMkLst>
+        </pc:spChg>
+        <pc:spChg chg="mod topLvl">
+          <ac:chgData name="Hui Li" userId="ec3be2d1-c9fc-4ef5-8c05-8d8ca9dfaab4" providerId="ADAL" clId="{B203C5AB-9EC4-41FA-9561-CCC90BC70909}" dt="2022-05-16T12:52:46.511" v="874" actId="164"/>
+          <ac:spMkLst>
+            <pc:docMk/>
+            <pc:sldMk cId="14695166" sldId="267"/>
+            <ac:spMk id="10" creationId="{1CCBF19F-5DEC-FB5C-5E24-F31C8E3C600B}"/>
+          </ac:spMkLst>
+        </pc:spChg>
+        <pc:spChg chg="mod topLvl">
+          <ac:chgData name="Hui Li" userId="ec3be2d1-c9fc-4ef5-8c05-8d8ca9dfaab4" providerId="ADAL" clId="{B203C5AB-9EC4-41FA-9561-CCC90BC70909}" dt="2022-05-16T12:52:46.511" v="874" actId="164"/>
+          <ac:spMkLst>
+            <pc:docMk/>
+            <pc:sldMk cId="14695166" sldId="267"/>
+            <ac:spMk id="11" creationId="{C8BB56F5-AF75-2323-451C-0380D980F8E0}"/>
+          </ac:spMkLst>
+        </pc:spChg>
+        <pc:spChg chg="mod topLvl">
+          <ac:chgData name="Hui Li" userId="ec3be2d1-c9fc-4ef5-8c05-8d8ca9dfaab4" providerId="ADAL" clId="{B203C5AB-9EC4-41FA-9561-CCC90BC70909}" dt="2022-05-16T12:52:46.511" v="874" actId="164"/>
+          <ac:spMkLst>
+            <pc:docMk/>
+            <pc:sldMk cId="14695166" sldId="267"/>
+            <ac:spMk id="12" creationId="{0DD18ACF-69EF-5A7A-9343-6CF2645603C6}"/>
+          </ac:spMkLst>
+        </pc:spChg>
+        <pc:spChg chg="mod topLvl">
+          <ac:chgData name="Hui Li" userId="ec3be2d1-c9fc-4ef5-8c05-8d8ca9dfaab4" providerId="ADAL" clId="{B203C5AB-9EC4-41FA-9561-CCC90BC70909}" dt="2022-05-16T12:52:46.511" v="874" actId="164"/>
+          <ac:spMkLst>
+            <pc:docMk/>
+            <pc:sldMk cId="14695166" sldId="267"/>
+            <ac:spMk id="13" creationId="{68AD5158-DFEF-E6BD-D211-1407DD0F659D}"/>
+          </ac:spMkLst>
+        </pc:spChg>
+        <pc:spChg chg="mod topLvl">
+          <ac:chgData name="Hui Li" userId="ec3be2d1-c9fc-4ef5-8c05-8d8ca9dfaab4" providerId="ADAL" clId="{B203C5AB-9EC4-41FA-9561-CCC90BC70909}" dt="2022-05-16T12:52:46.511" v="874" actId="164"/>
+          <ac:spMkLst>
+            <pc:docMk/>
+            <pc:sldMk cId="14695166" sldId="267"/>
+            <ac:spMk id="14" creationId="{2668E2F3-7235-3570-C852-582E3E4EE181}"/>
+          </ac:spMkLst>
+        </pc:spChg>
+        <pc:spChg chg="mod topLvl">
+          <ac:chgData name="Hui Li" userId="ec3be2d1-c9fc-4ef5-8c05-8d8ca9dfaab4" providerId="ADAL" clId="{B203C5AB-9EC4-41FA-9561-CCC90BC70909}" dt="2022-05-16T12:52:46.511" v="874" actId="164"/>
+          <ac:spMkLst>
+            <pc:docMk/>
+            <pc:sldMk cId="14695166" sldId="267"/>
+            <ac:spMk id="17" creationId="{D12AF88E-B144-7576-9B58-C465C624D6C7}"/>
+          </ac:spMkLst>
+        </pc:spChg>
+        <pc:spChg chg="mod">
+          <ac:chgData name="Hui Li" userId="ec3be2d1-c9fc-4ef5-8c05-8d8ca9dfaab4" providerId="ADAL" clId="{B203C5AB-9EC4-41FA-9561-CCC90BC70909}" dt="2022-05-16T12:14:24.233" v="214"/>
+          <ac:spMkLst>
+            <pc:docMk/>
+            <pc:sldMk cId="14695166" sldId="267"/>
+            <ac:spMk id="21" creationId="{3EE401F2-1D88-774F-1E9A-BD609AFBC4EB}"/>
+          </ac:spMkLst>
+        </pc:spChg>
+        <pc:spChg chg="mod">
+          <ac:chgData name="Hui Li" userId="ec3be2d1-c9fc-4ef5-8c05-8d8ca9dfaab4" providerId="ADAL" clId="{B203C5AB-9EC4-41FA-9561-CCC90BC70909}" dt="2022-05-16T12:58:11.627" v="960" actId="115"/>
+          <ac:spMkLst>
+            <pc:docMk/>
+            <pc:sldMk cId="14695166" sldId="267"/>
+            <ac:spMk id="22" creationId="{B2F89080-AAF1-8EF7-A7AC-5B7EFA47D5C8}"/>
+          </ac:spMkLst>
+        </pc:spChg>
+        <pc:spChg chg="add mod">
+          <ac:chgData name="Hui Li" userId="ec3be2d1-c9fc-4ef5-8c05-8d8ca9dfaab4" providerId="ADAL" clId="{B203C5AB-9EC4-41FA-9561-CCC90BC70909}" dt="2022-05-16T12:52:30.142" v="873" actId="1036"/>
+          <ac:spMkLst>
+            <pc:docMk/>
+            <pc:sldMk cId="14695166" sldId="267"/>
+            <ac:spMk id="23" creationId="{0C077182-3211-963B-96F4-40E580A7C3B5}"/>
+          </ac:spMkLst>
+        </pc:spChg>
+        <pc:spChg chg="mod">
+          <ac:chgData name="Hui Li" userId="ec3be2d1-c9fc-4ef5-8c05-8d8ca9dfaab4" providerId="ADAL" clId="{B203C5AB-9EC4-41FA-9561-CCC90BC70909}" dt="2022-05-16T12:14:24.233" v="214"/>
+          <ac:spMkLst>
+            <pc:docMk/>
+            <pc:sldMk cId="14695166" sldId="267"/>
+            <ac:spMk id="26" creationId="{40064167-EAA1-E32E-5C39-6CCBF02DAF52}"/>
+          </ac:spMkLst>
+        </pc:spChg>
+        <pc:spChg chg="mod">
+          <ac:chgData name="Hui Li" userId="ec3be2d1-c9fc-4ef5-8c05-8d8ca9dfaab4" providerId="ADAL" clId="{B203C5AB-9EC4-41FA-9561-CCC90BC70909}" dt="2022-05-16T12:39:07.823" v="619" actId="113"/>
+          <ac:spMkLst>
+            <pc:docMk/>
+            <pc:sldMk cId="14695166" sldId="267"/>
+            <ac:spMk id="27" creationId="{4F3EFB42-6713-E7F6-9441-8BD675893D8F}"/>
+          </ac:spMkLst>
+        </pc:spChg>
+        <pc:spChg chg="add mod ord">
+          <ac:chgData name="Hui Li" userId="ec3be2d1-c9fc-4ef5-8c05-8d8ca9dfaab4" providerId="ADAL" clId="{B203C5AB-9EC4-41FA-9561-CCC90BC70909}" dt="2022-05-16T13:40:52.850" v="1454" actId="207"/>
+          <ac:spMkLst>
+            <pc:docMk/>
+            <pc:sldMk cId="14695166" sldId="267"/>
+            <ac:spMk id="29" creationId="{0E11DDFA-1AE9-D65B-3D45-93414938758E}"/>
+          </ac:spMkLst>
+        </pc:spChg>
+        <pc:spChg chg="add mod">
+          <ac:chgData name="Hui Li" userId="ec3be2d1-c9fc-4ef5-8c05-8d8ca9dfaab4" providerId="ADAL" clId="{B203C5AB-9EC4-41FA-9561-CCC90BC70909}" dt="2022-05-16T12:52:46.511" v="874" actId="164"/>
+          <ac:spMkLst>
+            <pc:docMk/>
+            <pc:sldMk cId="14695166" sldId="267"/>
+            <ac:spMk id="36" creationId="{BE633901-7F8A-1490-9BFA-D0D0D7D9EE52}"/>
+          </ac:spMkLst>
+        </pc:spChg>
+        <pc:spChg chg="add mod">
+          <ac:chgData name="Hui Li" userId="ec3be2d1-c9fc-4ef5-8c05-8d8ca9dfaab4" providerId="ADAL" clId="{B203C5AB-9EC4-41FA-9561-CCC90BC70909}" dt="2022-05-16T13:00:52.443" v="1018" actId="1076"/>
+          <ac:spMkLst>
+            <pc:docMk/>
+            <pc:sldMk cId="14695166" sldId="267"/>
+            <ac:spMk id="38" creationId="{399FAACA-7714-757B-AFA0-D8E51C35E565}"/>
+          </ac:spMkLst>
+        </pc:spChg>
+        <pc:spChg chg="add del mod">
+          <ac:chgData name="Hui Li" userId="ec3be2d1-c9fc-4ef5-8c05-8d8ca9dfaab4" providerId="ADAL" clId="{B203C5AB-9EC4-41FA-9561-CCC90BC70909}" dt="2022-05-16T13:34:44.965" v="1449" actId="478"/>
+          <ac:spMkLst>
+            <pc:docMk/>
+            <pc:sldMk cId="14695166" sldId="267"/>
+            <ac:spMk id="39" creationId="{430570A3-9155-EEC8-FBF6-7396D534EDC9}"/>
+          </ac:spMkLst>
+        </pc:spChg>
+        <pc:grpChg chg="add del mod">
+          <ac:chgData name="Hui Li" userId="ec3be2d1-c9fc-4ef5-8c05-8d8ca9dfaab4" providerId="ADAL" clId="{B203C5AB-9EC4-41FA-9561-CCC90BC70909}" dt="2022-05-16T12:31:18.785" v="486" actId="165"/>
+          <ac:grpSpMkLst>
+            <pc:docMk/>
+            <pc:sldMk cId="14695166" sldId="267"/>
+            <ac:grpSpMk id="4" creationId="{81E2072B-1011-6E8A-D617-0F51BEBC3B74}"/>
+          </ac:grpSpMkLst>
+        </pc:grpChg>
+        <pc:grpChg chg="add mod">
+          <ac:chgData name="Hui Li" userId="ec3be2d1-c9fc-4ef5-8c05-8d8ca9dfaab4" providerId="ADAL" clId="{B203C5AB-9EC4-41FA-9561-CCC90BC70909}" dt="2022-05-16T12:52:30.142" v="873" actId="1036"/>
+          <ac:grpSpMkLst>
+            <pc:docMk/>
+            <pc:sldMk cId="14695166" sldId="267"/>
+            <ac:grpSpMk id="20" creationId="{15BDB75F-6A88-A386-0C5F-4DF37BA81A74}"/>
+          </ac:grpSpMkLst>
+        </pc:grpChg>
+        <pc:grpChg chg="add mod">
+          <ac:chgData name="Hui Li" userId="ec3be2d1-c9fc-4ef5-8c05-8d8ca9dfaab4" providerId="ADAL" clId="{B203C5AB-9EC4-41FA-9561-CCC90BC70909}" dt="2022-05-16T12:52:30.142" v="873" actId="1036"/>
+          <ac:grpSpMkLst>
+            <pc:docMk/>
+            <pc:sldMk cId="14695166" sldId="267"/>
+            <ac:grpSpMk id="25" creationId="{F1B21CEE-1093-FDEC-6A79-0BF378041B55}"/>
+          </ac:grpSpMkLst>
+        </pc:grpChg>
+        <pc:grpChg chg="add mod">
+          <ac:chgData name="Hui Li" userId="ec3be2d1-c9fc-4ef5-8c05-8d8ca9dfaab4" providerId="ADAL" clId="{B203C5AB-9EC4-41FA-9561-CCC90BC70909}" dt="2022-05-16T12:34:18.562" v="549" actId="164"/>
+          <ac:grpSpMkLst>
+            <pc:docMk/>
+            <pc:sldMk cId="14695166" sldId="267"/>
+            <ac:grpSpMk id="34" creationId="{45FD6B45-15F6-2149-D02A-1315B64AAED2}"/>
+          </ac:grpSpMkLst>
+        </pc:grpChg>
+        <pc:grpChg chg="add mod">
+          <ac:chgData name="Hui Li" userId="ec3be2d1-c9fc-4ef5-8c05-8d8ca9dfaab4" providerId="ADAL" clId="{B203C5AB-9EC4-41FA-9561-CCC90BC70909}" dt="2022-05-16T12:52:46.511" v="874" actId="164"/>
+          <ac:grpSpMkLst>
+            <pc:docMk/>
+            <pc:sldMk cId="14695166" sldId="267"/>
+            <ac:grpSpMk id="35" creationId="{EA763EEC-13B9-7723-EEEE-44A91C5EABAE}"/>
+          </ac:grpSpMkLst>
+        </pc:grpChg>
+        <pc:grpChg chg="add mod">
+          <ac:chgData name="Hui Li" userId="ec3be2d1-c9fc-4ef5-8c05-8d8ca9dfaab4" providerId="ADAL" clId="{B203C5AB-9EC4-41FA-9561-CCC90BC70909}" dt="2022-05-16T12:52:53.586" v="882" actId="1038"/>
+          <ac:grpSpMkLst>
+            <pc:docMk/>
+            <pc:sldMk cId="14695166" sldId="267"/>
+            <ac:grpSpMk id="37" creationId="{D6277C5F-010D-98B3-18BD-E00731838CFF}"/>
+          </ac:grpSpMkLst>
+        </pc:grpChg>
+        <pc:graphicFrameChg chg="add del mod modGraphic">
+          <ac:chgData name="Hui Li" userId="ec3be2d1-c9fc-4ef5-8c05-8d8ca9dfaab4" providerId="ADAL" clId="{B203C5AB-9EC4-41FA-9561-CCC90BC70909}" dt="2022-05-16T12:33:34.489" v="535" actId="21"/>
+          <ac:graphicFrameMkLst>
+            <pc:docMk/>
+            <pc:sldMk cId="14695166" sldId="267"/>
+            <ac:graphicFrameMk id="28" creationId="{37BCA85E-EEA0-982A-F86C-3B06BB1819C2}"/>
+          </ac:graphicFrameMkLst>
+        </pc:graphicFrameChg>
+        <pc:graphicFrameChg chg="add del mod">
+          <ac:chgData name="Hui Li" userId="ec3be2d1-c9fc-4ef5-8c05-8d8ca9dfaab4" providerId="ADAL" clId="{B203C5AB-9EC4-41FA-9561-CCC90BC70909}" dt="2022-05-16T12:32:37.254" v="516" actId="478"/>
+          <ac:graphicFrameMkLst>
+            <pc:docMk/>
+            <pc:sldMk cId="14695166" sldId="267"/>
+            <ac:graphicFrameMk id="30" creationId="{535F7B65-9A38-A74F-42FD-1C42165D0DCB}"/>
+          </ac:graphicFrameMkLst>
+        </pc:graphicFrameChg>
+        <pc:picChg chg="add del mod">
+          <ac:chgData name="Hui Li" userId="ec3be2d1-c9fc-4ef5-8c05-8d8ca9dfaab4" providerId="ADAL" clId="{B203C5AB-9EC4-41FA-9561-CCC90BC70909}" dt="2022-05-16T12:32:45.327" v="519" actId="478"/>
+          <ac:picMkLst>
+            <pc:docMk/>
+            <pc:sldMk cId="14695166" sldId="267"/>
+            <ac:picMk id="31" creationId="{938A9AE1-6414-5F4C-005A-694637C01C8A}"/>
+          </ac:picMkLst>
+        </pc:picChg>
+        <pc:picChg chg="del mod">
+          <ac:chgData name="Hui Li" userId="ec3be2d1-c9fc-4ef5-8c05-8d8ca9dfaab4" providerId="ADAL" clId="{B203C5AB-9EC4-41FA-9561-CCC90BC70909}" dt="2022-05-16T12:33:00.151" v="522" actId="478"/>
+          <ac:picMkLst>
+            <pc:docMk/>
+            <pc:sldMk cId="14695166" sldId="267"/>
+            <ac:picMk id="32" creationId="{F14C1544-D1F8-1673-2A9A-BB43BEC4C9B2}"/>
+          </ac:picMkLst>
+        </pc:picChg>
+        <pc:picChg chg="add mod">
+          <ac:chgData name="Hui Li" userId="ec3be2d1-c9fc-4ef5-8c05-8d8ca9dfaab4" providerId="ADAL" clId="{B203C5AB-9EC4-41FA-9561-CCC90BC70909}" dt="2022-05-16T12:33:27.638" v="533" actId="164"/>
+          <ac:picMkLst>
+            <pc:docMk/>
+            <pc:sldMk cId="14695166" sldId="267"/>
+            <ac:picMk id="33" creationId="{1D05EA4B-E197-4E16-B979-0AC270892BD8}"/>
+          </ac:picMkLst>
+        </pc:picChg>
+        <pc:cxnChg chg="mod topLvl">
+          <ac:chgData name="Hui Li" userId="ec3be2d1-c9fc-4ef5-8c05-8d8ca9dfaab4" providerId="ADAL" clId="{B203C5AB-9EC4-41FA-9561-CCC90BC70909}" dt="2022-05-16T12:52:46.511" v="874" actId="164"/>
+          <ac:cxnSpMkLst>
+            <pc:docMk/>
+            <pc:sldMk cId="14695166" sldId="267"/>
+            <ac:cxnSpMk id="15" creationId="{15F3FBD2-4CF7-1C92-5AC1-879F0F3435E7}"/>
+          </ac:cxnSpMkLst>
+        </pc:cxnChg>
+        <pc:cxnChg chg="mod topLvl">
+          <ac:chgData name="Hui Li" userId="ec3be2d1-c9fc-4ef5-8c05-8d8ca9dfaab4" providerId="ADAL" clId="{B203C5AB-9EC4-41FA-9561-CCC90BC70909}" dt="2022-05-16T12:52:46.511" v="874" actId="164"/>
+          <ac:cxnSpMkLst>
+            <pc:docMk/>
+            <pc:sldMk cId="14695166" sldId="267"/>
+            <ac:cxnSpMk id="16" creationId="{DFAAA73B-D186-AFC0-943E-399DA37D3922}"/>
+          </ac:cxnSpMkLst>
+        </pc:cxnChg>
+        <pc:cxnChg chg="add mod">
+          <ac:chgData name="Hui Li" userId="ec3be2d1-c9fc-4ef5-8c05-8d8ca9dfaab4" providerId="ADAL" clId="{B203C5AB-9EC4-41FA-9561-CCC90BC70909}" dt="2022-05-16T12:52:30.142" v="873" actId="1036"/>
+          <ac:cxnSpMkLst>
+            <pc:docMk/>
+            <pc:sldMk cId="14695166" sldId="267"/>
+            <ac:cxnSpMk id="18" creationId="{70519783-1D83-8DA1-17D2-67836E8698C4}"/>
+          </ac:cxnSpMkLst>
+        </pc:cxnChg>
+        <pc:cxnChg chg="add mod">
+          <ac:chgData name="Hui Li" userId="ec3be2d1-c9fc-4ef5-8c05-8d8ca9dfaab4" providerId="ADAL" clId="{B203C5AB-9EC4-41FA-9561-CCC90BC70909}" dt="2022-05-16T12:52:30.142" v="873" actId="1036"/>
+          <ac:cxnSpMkLst>
+            <pc:docMk/>
+            <pc:sldMk cId="14695166" sldId="267"/>
+            <ac:cxnSpMk id="19" creationId="{C4E8DA4F-6E82-5EA4-C3EC-DF49256636D9}"/>
+          </ac:cxnSpMkLst>
+        </pc:cxnChg>
+        <pc:cxnChg chg="add mod">
+          <ac:chgData name="Hui Li" userId="ec3be2d1-c9fc-4ef5-8c05-8d8ca9dfaab4" providerId="ADAL" clId="{B203C5AB-9EC4-41FA-9561-CCC90BC70909}" dt="2022-05-16T12:52:30.142" v="873" actId="1036"/>
+          <ac:cxnSpMkLst>
+            <pc:docMk/>
+            <pc:sldMk cId="14695166" sldId="267"/>
+            <ac:cxnSpMk id="24" creationId="{CCE34427-62A9-EE4D-B6B0-FC684F942A92}"/>
+          </ac:cxnSpMkLst>
+        </pc:cxnChg>
+      </pc:sldChg>
+      <pc:sldChg chg="addSp modSp new mod ord">
+        <pc:chgData name="Hui Li" userId="ec3be2d1-c9fc-4ef5-8c05-8d8ca9dfaab4" providerId="ADAL" clId="{B203C5AB-9EC4-41FA-9561-CCC90BC70909}" dt="2022-05-16T13:38:14.472" v="1451" actId="207"/>
+        <pc:sldMkLst>
+          <pc:docMk/>
+          <pc:sldMk cId="2541016278" sldId="268"/>
+        </pc:sldMkLst>
+        <pc:graphicFrameChg chg="add mod modGraphic">
+          <ac:chgData name="Hui Li" userId="ec3be2d1-c9fc-4ef5-8c05-8d8ca9dfaab4" providerId="ADAL" clId="{B203C5AB-9EC4-41FA-9561-CCC90BC70909}" dt="2022-05-16T13:38:14.472" v="1451" actId="207"/>
+          <ac:graphicFrameMkLst>
+            <pc:docMk/>
+            <pc:sldMk cId="2541016278" sldId="268"/>
+            <ac:graphicFrameMk id="2" creationId="{A8DF4C47-BE8B-1727-6EE6-F7914E97D088}"/>
+          </ac:graphicFrameMkLst>
+        </pc:graphicFrameChg>
+      </pc:sldChg>
+      <pc:sldChg chg="addSp delSp modSp new mod modNotesTx">
+        <pc:chgData name="Hui Li" userId="ec3be2d1-c9fc-4ef5-8c05-8d8ca9dfaab4" providerId="ADAL" clId="{B203C5AB-9EC4-41FA-9561-CCC90BC70909}" dt="2022-05-16T13:36:36.974" v="1450" actId="255"/>
+        <pc:sldMkLst>
+          <pc:docMk/>
+          <pc:sldMk cId="1249087820" sldId="269"/>
+        </pc:sldMkLst>
+        <pc:spChg chg="add mod">
+          <ac:chgData name="Hui Li" userId="ec3be2d1-c9fc-4ef5-8c05-8d8ca9dfaab4" providerId="ADAL" clId="{B203C5AB-9EC4-41FA-9561-CCC90BC70909}" dt="2022-05-16T13:22:09.656" v="1291" actId="207"/>
+          <ac:spMkLst>
+            <pc:docMk/>
+            <pc:sldMk cId="1249087820" sldId="269"/>
+            <ac:spMk id="4" creationId="{8E7AC20C-48BC-C7FD-F360-C4E21BB13C17}"/>
+          </ac:spMkLst>
+        </pc:spChg>
+        <pc:spChg chg="add mod">
+          <ac:chgData name="Hui Li" userId="ec3be2d1-c9fc-4ef5-8c05-8d8ca9dfaab4" providerId="ADAL" clId="{B203C5AB-9EC4-41FA-9561-CCC90BC70909}" dt="2022-05-16T13:36:36.974" v="1450" actId="255"/>
+          <ac:spMkLst>
+            <pc:docMk/>
+            <pc:sldMk cId="1249087820" sldId="269"/>
+            <ac:spMk id="6" creationId="{5604712A-E5C7-77EE-5301-BCD9466130EF}"/>
+          </ac:spMkLst>
+        </pc:spChg>
+        <pc:spChg chg="add del mod">
+          <ac:chgData name="Hui Li" userId="ec3be2d1-c9fc-4ef5-8c05-8d8ca9dfaab4" providerId="ADAL" clId="{B203C5AB-9EC4-41FA-9561-CCC90BC70909}" dt="2022-05-16T13:34:40.495" v="1448" actId="478"/>
+          <ac:spMkLst>
+            <pc:docMk/>
+            <pc:sldMk cId="1249087820" sldId="269"/>
+            <ac:spMk id="7" creationId="{C4356175-DB9C-6115-82B3-1C78ECE88F2E}"/>
+          </ac:spMkLst>
+        </pc:spChg>
+        <pc:picChg chg="add mod">
+          <ac:chgData name="Hui Li" userId="ec3be2d1-c9fc-4ef5-8c05-8d8ca9dfaab4" providerId="ADAL" clId="{B203C5AB-9EC4-41FA-9561-CCC90BC70909}" dt="2022-05-16T13:33:14.525" v="1432" actId="1038"/>
+          <ac:picMkLst>
+            <pc:docMk/>
+            <pc:sldMk cId="1249087820" sldId="269"/>
+            <ac:picMk id="3" creationId="{9CD2AC79-DC7E-59D3-864D-9E54B4BC5481}"/>
+          </ac:picMkLst>
+        </pc:picChg>
       </pc:sldChg>
     </pc:docChg>
   </pc:docChgLst>
@@ -1727,7 +2126,7 @@
           <a:p>
             <a:fld id="{12DD2E4D-7FC5-441C-A7D7-F20F14AAA1B7}" type="datetimeFigureOut">
               <a:rPr lang="en-AU" smtClean="0"/>
-              <a:t>15/05/2022</a:t>
+              <a:t>16/05/2022</a:t>
             </a:fld>
             <a:endParaRPr lang="en-AU"/>
           </a:p>
@@ -2146,7 +2545,7 @@
           <a:p>
             <a:r>
               <a:rPr lang="en-AU" dirty="0"/>
-              <a:t>We fit the model with best hyperparameters, and made prediction using test data, and found the sensitivity to identify each class is around 41%. </a:t>
+              <a:t>For random forest algorithm, we firstly tried different dataset to balance the class, and found only down sample data is able to pick up the (“patients that readmitted within 30 days” or “minority class group”).</a:t>
             </a:r>
           </a:p>
           <a:p>
@@ -2155,8 +2554,20 @@
           <a:p>
             <a:r>
               <a:rPr lang="en-AU" dirty="0"/>
-              <a:t>In all the variables, only the number of diagnoses has p value less than 0.05, suggesting number of diagnosis is the key factor affecting the readmission of patients.</a:t>
+              <a:t>Also ranger, and all features, generate the best sensitivity with test data. </a:t>
             </a:r>
+          </a:p>
+          <a:p>
+            <a:endParaRPr lang="en-AU" dirty="0"/>
+          </a:p>
+          <a:p>
+            <a:r>
+              <a:rPr lang="en-AU" dirty="0"/>
+              <a:t>We then performed hyperparameter tuning, the best number of trees is 8000, and the number of variables in each tree is 2. </a:t>
+            </a:r>
+          </a:p>
+          <a:p>
+            <a:endParaRPr lang="en-AU" dirty="0"/>
           </a:p>
         </p:txBody>
       </p:sp>
@@ -2186,7 +2597,7 @@
     </p:spTree>
     <p:extLst>
       <p:ext uri="{BB962C8B-B14F-4D97-AF65-F5344CB8AC3E}">
-        <p14:creationId xmlns:p14="http://schemas.microsoft.com/office/powerpoint/2010/main" val="1318835111"/>
+        <p14:creationId xmlns:p14="http://schemas.microsoft.com/office/powerpoint/2010/main" val="3550645998"/>
       </p:ext>
     </p:extLst>
   </p:cSld>
@@ -2240,7 +2651,19 @@
           <a:bodyPr/>
           <a:lstStyle/>
           <a:p>
+            <a:r>
+              <a:rPr lang="en-AU" dirty="0"/>
+              <a:t>We fit the model with best hyperparameters, and made prediction using test data, and found the sensitivity to identify each class is around 41%. </a:t>
+            </a:r>
+          </a:p>
+          <a:p>
             <a:endParaRPr lang="en-AU" dirty="0"/>
+          </a:p>
+          <a:p>
+            <a:r>
+              <a:rPr lang="en-AU" dirty="0"/>
+              <a:t>In all the variables, only the number of diagnoses has p value less than 0.05, suggesting number of diagnosis is the key factor affecting the readmission of patients.</a:t>
+            </a:r>
           </a:p>
         </p:txBody>
       </p:sp>
@@ -2261,7 +2684,210 @@
           <a:p>
             <a:fld id="{7AFBF99F-B851-4A8F-8F4D-F3B0275C9B6F}" type="slidenum">
               <a:rPr lang="en-AU" smtClean="0"/>
-              <a:t>7</a:t>
+              <a:t>4</a:t>
+            </a:fld>
+            <a:endParaRPr lang="en-AU"/>
+          </a:p>
+        </p:txBody>
+      </p:sp>
+    </p:spTree>
+    <p:extLst>
+      <p:ext uri="{BB962C8B-B14F-4D97-AF65-F5344CB8AC3E}">
+        <p14:creationId xmlns:p14="http://schemas.microsoft.com/office/powerpoint/2010/main" val="1318835111"/>
+      </p:ext>
+    </p:extLst>
+  </p:cSld>
+  <p:clrMapOvr>
+    <a:masterClrMapping/>
+  </p:clrMapOvr>
+</p:notes>
+</file>
+
+<file path=ppt/notesSlides/notesSlide4.xml><?xml version="1.0" encoding="utf-8"?>
+<p:notes xmlns:a="http://schemas.openxmlformats.org/drawingml/2006/main" xmlns:r="http://schemas.openxmlformats.org/officeDocument/2006/relationships" xmlns:p="http://schemas.openxmlformats.org/presentationml/2006/main">
+  <p:cSld>
+    <p:spTree>
+      <p:nvGrpSpPr>
+        <p:cNvPr id="1" name=""/>
+        <p:cNvGrpSpPr/>
+        <p:nvPr/>
+      </p:nvGrpSpPr>
+      <p:grpSpPr>
+        <a:xfrm>
+          <a:off x="0" y="0"/>
+          <a:ext cx="0" cy="0"/>
+          <a:chOff x="0" y="0"/>
+          <a:chExt cx="0" cy="0"/>
+        </a:xfrm>
+      </p:grpSpPr>
+      <p:sp>
+        <p:nvSpPr>
+          <p:cNvPr id="2" name="Slide Image Placeholder 1"/>
+          <p:cNvSpPr>
+            <a:spLocks noGrp="1" noRot="1" noChangeAspect="1"/>
+          </p:cNvSpPr>
+          <p:nvPr>
+            <p:ph type="sldImg"/>
+          </p:nvPr>
+        </p:nvSpPr>
+        <p:spPr/>
+      </p:sp>
+      <p:sp>
+        <p:nvSpPr>
+          <p:cNvPr id="3" name="Notes Placeholder 2"/>
+          <p:cNvSpPr>
+            <a:spLocks noGrp="1"/>
+          </p:cNvSpPr>
+          <p:nvPr>
+            <p:ph type="body" idx="1"/>
+          </p:nvPr>
+        </p:nvSpPr>
+        <p:spPr/>
+        <p:txBody>
+          <a:bodyPr/>
+          <a:lstStyle/>
+          <a:p>
+            <a:r>
+              <a:rPr lang="en-AU" dirty="0"/>
+              <a:t>Diabetes is a common disease with prevalence rising rapidly all over the world.</a:t>
+            </a:r>
+          </a:p>
+          <a:p>
+            <a:endParaRPr lang="en-AU" dirty="0"/>
+          </a:p>
+          <a:p>
+            <a:pPr marL="0" marR="0" lvl="0" indent="0" algn="l" defTabSz="914400" rtl="0" eaLnBrk="1" fontAlgn="auto" latinLnBrk="0" hangingPunct="1">
+              <a:lnSpc>
+                <a:spcPct val="100000"/>
+              </a:lnSpc>
+              <a:spcBef>
+                <a:spcPts val="0"/>
+              </a:spcBef>
+              <a:spcAft>
+                <a:spcPts val="0"/>
+              </a:spcAft>
+              <a:buClrTx/>
+              <a:buSzTx/>
+              <a:buFontTx/>
+              <a:buNone/>
+              <a:tabLst/>
+              <a:defRPr/>
+            </a:pPr>
+            <a:r>
+              <a:rPr lang="en-US" b="0" i="0" dirty="0">
+                <a:effectLst/>
+                <a:latin typeface="Arial" panose="020B0604020202020204" pitchFamily="34" charset="0"/>
+              </a:rPr>
+              <a:t>Hospitalized diabetes patients have a higher risk of hospital readmission after discharge from hospital</a:t>
+            </a:r>
+          </a:p>
+          <a:p>
+            <a:endParaRPr lang="en-AU" dirty="0"/>
+          </a:p>
+        </p:txBody>
+      </p:sp>
+      <p:sp>
+        <p:nvSpPr>
+          <p:cNvPr id="4" name="Slide Number Placeholder 3"/>
+          <p:cNvSpPr>
+            <a:spLocks noGrp="1"/>
+          </p:cNvSpPr>
+          <p:nvPr>
+            <p:ph type="sldNum" sz="quarter" idx="5"/>
+          </p:nvPr>
+        </p:nvSpPr>
+        <p:spPr/>
+        <p:txBody>
+          <a:bodyPr/>
+          <a:lstStyle/>
+          <a:p>
+            <a:fld id="{7AFBF99F-B851-4A8F-8F4D-F3B0275C9B6F}" type="slidenum">
+              <a:rPr lang="en-AU" smtClean="0"/>
+              <a:t>5</a:t>
+            </a:fld>
+            <a:endParaRPr lang="en-AU"/>
+          </a:p>
+        </p:txBody>
+      </p:sp>
+    </p:spTree>
+    <p:extLst>
+      <p:ext uri="{BB962C8B-B14F-4D97-AF65-F5344CB8AC3E}">
+        <p14:creationId xmlns:p14="http://schemas.microsoft.com/office/powerpoint/2010/main" val="3116065040"/>
+      </p:ext>
+    </p:extLst>
+  </p:cSld>
+  <p:clrMapOvr>
+    <a:masterClrMapping/>
+  </p:clrMapOvr>
+</p:notes>
+</file>
+
+<file path=ppt/notesSlides/notesSlide5.xml><?xml version="1.0" encoding="utf-8"?>
+<p:notes xmlns:a="http://schemas.openxmlformats.org/drawingml/2006/main" xmlns:r="http://schemas.openxmlformats.org/officeDocument/2006/relationships" xmlns:p="http://schemas.openxmlformats.org/presentationml/2006/main">
+  <p:cSld>
+    <p:spTree>
+      <p:nvGrpSpPr>
+        <p:cNvPr id="1" name=""/>
+        <p:cNvGrpSpPr/>
+        <p:nvPr/>
+      </p:nvGrpSpPr>
+      <p:grpSpPr>
+        <a:xfrm>
+          <a:off x="0" y="0"/>
+          <a:ext cx="0" cy="0"/>
+          <a:chOff x="0" y="0"/>
+          <a:chExt cx="0" cy="0"/>
+        </a:xfrm>
+      </p:grpSpPr>
+      <p:sp>
+        <p:nvSpPr>
+          <p:cNvPr id="2" name="Slide Image Placeholder 1"/>
+          <p:cNvSpPr>
+            <a:spLocks noGrp="1" noRot="1" noChangeAspect="1"/>
+          </p:cNvSpPr>
+          <p:nvPr>
+            <p:ph type="sldImg"/>
+          </p:nvPr>
+        </p:nvSpPr>
+        <p:spPr/>
+      </p:sp>
+      <p:sp>
+        <p:nvSpPr>
+          <p:cNvPr id="3" name="Notes Placeholder 2"/>
+          <p:cNvSpPr>
+            <a:spLocks noGrp="1"/>
+          </p:cNvSpPr>
+          <p:nvPr>
+            <p:ph type="body" idx="1"/>
+          </p:nvPr>
+        </p:nvSpPr>
+        <p:spPr/>
+        <p:txBody>
+          <a:bodyPr/>
+          <a:lstStyle/>
+          <a:p>
+            <a:endParaRPr lang="en-AU" dirty="0"/>
+          </a:p>
+        </p:txBody>
+      </p:sp>
+      <p:sp>
+        <p:nvSpPr>
+          <p:cNvPr id="4" name="Slide Number Placeholder 3"/>
+          <p:cNvSpPr>
+            <a:spLocks noGrp="1"/>
+          </p:cNvSpPr>
+          <p:nvPr>
+            <p:ph type="sldNum" sz="quarter" idx="5"/>
+          </p:nvPr>
+        </p:nvSpPr>
+        <p:spPr/>
+        <p:txBody>
+          <a:bodyPr/>
+          <a:lstStyle/>
+          <a:p>
+            <a:fld id="{7AFBF99F-B851-4A8F-8F4D-F3B0275C9B6F}" type="slidenum">
+              <a:rPr lang="en-AU" smtClean="0"/>
+              <a:t>10</a:t>
             </a:fld>
             <a:endParaRPr lang="en-AU"/>
           </a:p>
@@ -2429,7 +3055,7 @@
           <a:p>
             <a:fld id="{ABA23B9A-771B-4B5F-9129-E92718FEFCBC}" type="datetimeFigureOut">
               <a:rPr lang="en-AU" smtClean="0"/>
-              <a:t>15/05/2022</a:t>
+              <a:t>16/05/2022</a:t>
             </a:fld>
             <a:endParaRPr lang="en-AU"/>
           </a:p>
@@ -2629,7 +3255,7 @@
           <a:p>
             <a:fld id="{ABA23B9A-771B-4B5F-9129-E92718FEFCBC}" type="datetimeFigureOut">
               <a:rPr lang="en-AU" smtClean="0"/>
-              <a:t>15/05/2022</a:t>
+              <a:t>16/05/2022</a:t>
             </a:fld>
             <a:endParaRPr lang="en-AU"/>
           </a:p>
@@ -2839,7 +3465,7 @@
           <a:p>
             <a:fld id="{ABA23B9A-771B-4B5F-9129-E92718FEFCBC}" type="datetimeFigureOut">
               <a:rPr lang="en-AU" smtClean="0"/>
-              <a:t>15/05/2022</a:t>
+              <a:t>16/05/2022</a:t>
             </a:fld>
             <a:endParaRPr lang="en-AU"/>
           </a:p>
@@ -3039,7 +3665,7 @@
           <a:p>
             <a:fld id="{ABA23B9A-771B-4B5F-9129-E92718FEFCBC}" type="datetimeFigureOut">
               <a:rPr lang="en-AU" smtClean="0"/>
-              <a:t>15/05/2022</a:t>
+              <a:t>16/05/2022</a:t>
             </a:fld>
             <a:endParaRPr lang="en-AU"/>
           </a:p>
@@ -3315,7 +3941,7 @@
           <a:p>
             <a:fld id="{ABA23B9A-771B-4B5F-9129-E92718FEFCBC}" type="datetimeFigureOut">
               <a:rPr lang="en-AU" smtClean="0"/>
-              <a:t>15/05/2022</a:t>
+              <a:t>16/05/2022</a:t>
             </a:fld>
             <a:endParaRPr lang="en-AU"/>
           </a:p>
@@ -3583,7 +4209,7 @@
           <a:p>
             <a:fld id="{ABA23B9A-771B-4B5F-9129-E92718FEFCBC}" type="datetimeFigureOut">
               <a:rPr lang="en-AU" smtClean="0"/>
-              <a:t>15/05/2022</a:t>
+              <a:t>16/05/2022</a:t>
             </a:fld>
             <a:endParaRPr lang="en-AU"/>
           </a:p>
@@ -3998,7 +4624,7 @@
           <a:p>
             <a:fld id="{ABA23B9A-771B-4B5F-9129-E92718FEFCBC}" type="datetimeFigureOut">
               <a:rPr lang="en-AU" smtClean="0"/>
-              <a:t>15/05/2022</a:t>
+              <a:t>16/05/2022</a:t>
             </a:fld>
             <a:endParaRPr lang="en-AU"/>
           </a:p>
@@ -4140,7 +4766,7 @@
           <a:p>
             <a:fld id="{ABA23B9A-771B-4B5F-9129-E92718FEFCBC}" type="datetimeFigureOut">
               <a:rPr lang="en-AU" smtClean="0"/>
-              <a:t>15/05/2022</a:t>
+              <a:t>16/05/2022</a:t>
             </a:fld>
             <a:endParaRPr lang="en-AU"/>
           </a:p>
@@ -4253,7 +4879,7 @@
           <a:p>
             <a:fld id="{ABA23B9A-771B-4B5F-9129-E92718FEFCBC}" type="datetimeFigureOut">
               <a:rPr lang="en-AU" smtClean="0"/>
-              <a:t>15/05/2022</a:t>
+              <a:t>16/05/2022</a:t>
             </a:fld>
             <a:endParaRPr lang="en-AU"/>
           </a:p>
@@ -4566,7 +5192,7 @@
           <a:p>
             <a:fld id="{ABA23B9A-771B-4B5F-9129-E92718FEFCBC}" type="datetimeFigureOut">
               <a:rPr lang="en-AU" smtClean="0"/>
-              <a:t>15/05/2022</a:t>
+              <a:t>16/05/2022</a:t>
             </a:fld>
             <a:endParaRPr lang="en-AU"/>
           </a:p>
@@ -4855,7 +5481,7 @@
           <a:p>
             <a:fld id="{ABA23B9A-771B-4B5F-9129-E92718FEFCBC}" type="datetimeFigureOut">
               <a:rPr lang="en-AU" smtClean="0"/>
-              <a:t>15/05/2022</a:t>
+              <a:t>16/05/2022</a:t>
             </a:fld>
             <a:endParaRPr lang="en-AU"/>
           </a:p>
@@ -5098,7 +5724,7 @@
           <a:p>
             <a:fld id="{ABA23B9A-771B-4B5F-9129-E92718FEFCBC}" type="datetimeFigureOut">
               <a:rPr lang="en-AU" smtClean="0"/>
-              <a:t>15/05/2022</a:t>
+              <a:t>16/05/2022</a:t>
             </a:fld>
             <a:endParaRPr lang="en-AU"/>
           </a:p>
@@ -5529,8 +6155,8 @@
         </p:nvSpPr>
         <p:spPr>
           <a:xfrm>
-            <a:off x="598700" y="314230"/>
-            <a:ext cx="2922018" cy="369332"/>
+            <a:off x="483770" y="238381"/>
+            <a:ext cx="3887603" cy="461665"/>
           </a:xfrm>
           <a:prstGeom prst="rect">
             <a:avLst/>
@@ -5545,12 +6171,12 @@
           <a:p>
             <a:pPr algn="ctr"/>
             <a:r>
-              <a:rPr lang="en-AU" b="1" dirty="0">
+              <a:rPr lang="en-AU" sz="2400" b="1" dirty="0">
                 <a:solidFill>
-                  <a:srgbClr val="0070C0"/>
+                  <a:srgbClr val="FF9966"/>
                 </a:solidFill>
               </a:rPr>
-              <a:t>Random forest methodology</a:t>
+              <a:t>Random Forest Methodology</a:t>
             </a:r>
           </a:p>
         </p:txBody>
@@ -6703,6 +7329,802 @@
 </p:sld>
 </file>
 
+<file path=ppt/slides/slide10.xml><?xml version="1.0" encoding="utf-8"?>
+<p:sld xmlns:a="http://schemas.openxmlformats.org/drawingml/2006/main" xmlns:r="http://schemas.openxmlformats.org/officeDocument/2006/relationships" xmlns:p="http://schemas.openxmlformats.org/presentationml/2006/main">
+  <p:cSld>
+    <p:spTree>
+      <p:nvGrpSpPr>
+        <p:cNvPr id="1" name=""/>
+        <p:cNvGrpSpPr/>
+        <p:nvPr/>
+      </p:nvGrpSpPr>
+      <p:grpSpPr>
+        <a:xfrm>
+          <a:off x="0" y="0"/>
+          <a:ext cx="0" cy="0"/>
+          <a:chOff x="0" y="0"/>
+          <a:chExt cx="0" cy="0"/>
+        </a:xfrm>
+      </p:grpSpPr>
+      <p:pic>
+        <p:nvPicPr>
+          <p:cNvPr id="3" name="Picture 2">
+            <a:extLst>
+              <a:ext uri="{FF2B5EF4-FFF2-40B4-BE49-F238E27FC236}">
+                <a16:creationId xmlns:a16="http://schemas.microsoft.com/office/drawing/2014/main" id="{2B618FA2-E63C-3A07-34A2-EBD61F8DA83F}"/>
+              </a:ext>
+            </a:extLst>
+          </p:cNvPr>
+          <p:cNvPicPr>
+            <a:picLocks noChangeAspect="1"/>
+          </p:cNvPicPr>
+          <p:nvPr/>
+        </p:nvPicPr>
+        <p:blipFill>
+          <a:blip r:embed="rId3"/>
+          <a:stretch>
+            <a:fillRect/>
+          </a:stretch>
+        </p:blipFill>
+        <p:spPr>
+          <a:xfrm>
+            <a:off x="4564227" y="564866"/>
+            <a:ext cx="3679648" cy="6022706"/>
+          </a:xfrm>
+          <a:prstGeom prst="rect">
+            <a:avLst/>
+          </a:prstGeom>
+        </p:spPr>
+      </p:pic>
+      <p:sp>
+        <p:nvSpPr>
+          <p:cNvPr id="4" name="TextBox 3">
+            <a:extLst>
+              <a:ext uri="{FF2B5EF4-FFF2-40B4-BE49-F238E27FC236}">
+                <a16:creationId xmlns:a16="http://schemas.microsoft.com/office/drawing/2014/main" id="{9B22A4F4-82AE-238B-8EEC-1328643BA6A5}"/>
+              </a:ext>
+            </a:extLst>
+          </p:cNvPr>
+          <p:cNvSpPr txBox="1"/>
+          <p:nvPr/>
+        </p:nvSpPr>
+        <p:spPr>
+          <a:xfrm>
+            <a:off x="4536559" y="141767"/>
+            <a:ext cx="3297742" cy="461665"/>
+          </a:xfrm>
+          <a:prstGeom prst="rect">
+            <a:avLst/>
+          </a:prstGeom>
+          <a:noFill/>
+        </p:spPr>
+        <p:txBody>
+          <a:bodyPr wrap="square" rtlCol="0">
+            <a:spAutoFit/>
+          </a:bodyPr>
+          <a:lstStyle/>
+          <a:p>
+            <a:pPr algn="ctr"/>
+            <a:r>
+              <a:rPr lang="en-AU" sz="2400" b="1" dirty="0">
+                <a:solidFill>
+                  <a:srgbClr val="C00000"/>
+                </a:solidFill>
+              </a:rPr>
+              <a:t>Feature selection</a:t>
+            </a:r>
+          </a:p>
+        </p:txBody>
+      </p:sp>
+      <p:grpSp>
+        <p:nvGrpSpPr>
+          <p:cNvPr id="5" name="Group 4">
+            <a:extLst>
+              <a:ext uri="{FF2B5EF4-FFF2-40B4-BE49-F238E27FC236}">
+                <a16:creationId xmlns:a16="http://schemas.microsoft.com/office/drawing/2014/main" id="{B5006FE8-05B3-E716-C78C-4F80D6E9F827}"/>
+              </a:ext>
+            </a:extLst>
+          </p:cNvPr>
+          <p:cNvGrpSpPr/>
+          <p:nvPr/>
+        </p:nvGrpSpPr>
+        <p:grpSpPr>
+          <a:xfrm>
+            <a:off x="322223" y="564866"/>
+            <a:ext cx="4042341" cy="5984140"/>
+            <a:chOff x="9675775" y="2"/>
+            <a:chExt cx="3610932" cy="5619562"/>
+          </a:xfrm>
+        </p:grpSpPr>
+        <p:pic>
+          <p:nvPicPr>
+            <p:cNvPr id="6" name="Picture 5">
+              <a:extLst>
+                <a:ext uri="{FF2B5EF4-FFF2-40B4-BE49-F238E27FC236}">
+                  <a16:creationId xmlns:a16="http://schemas.microsoft.com/office/drawing/2014/main" id="{57B95738-8F2E-DB10-9649-674117359F40}"/>
+                </a:ext>
+              </a:extLst>
+            </p:cNvPr>
+            <p:cNvPicPr>
+              <a:picLocks noChangeAspect="1"/>
+            </p:cNvPicPr>
+            <p:nvPr/>
+          </p:nvPicPr>
+          <p:blipFill>
+            <a:blip r:embed="rId4"/>
+            <a:stretch>
+              <a:fillRect/>
+            </a:stretch>
+          </p:blipFill>
+          <p:spPr>
+            <a:xfrm>
+              <a:off x="9675775" y="2"/>
+              <a:ext cx="3610932" cy="5619562"/>
+            </a:xfrm>
+            <a:prstGeom prst="rect">
+              <a:avLst/>
+            </a:prstGeom>
+          </p:spPr>
+        </p:pic>
+        <p:cxnSp>
+          <p:nvCxnSpPr>
+            <p:cNvPr id="7" name="Straight Connector 6">
+              <a:extLst>
+                <a:ext uri="{FF2B5EF4-FFF2-40B4-BE49-F238E27FC236}">
+                  <a16:creationId xmlns:a16="http://schemas.microsoft.com/office/drawing/2014/main" id="{6AD69A5E-A29D-0A87-A5CD-3042915AA24F}"/>
+                </a:ext>
+              </a:extLst>
+            </p:cNvPr>
+            <p:cNvCxnSpPr>
+              <a:cxnSpLocks/>
+            </p:cNvCxnSpPr>
+            <p:nvPr/>
+          </p:nvCxnSpPr>
+          <p:spPr>
+            <a:xfrm>
+              <a:off x="9940255" y="4278536"/>
+              <a:ext cx="3118627" cy="0"/>
+            </a:xfrm>
+            <a:prstGeom prst="line">
+              <a:avLst/>
+            </a:prstGeom>
+          </p:spPr>
+          <p:style>
+            <a:lnRef idx="1">
+              <a:schemeClr val="accent4"/>
+            </a:lnRef>
+            <a:fillRef idx="0">
+              <a:schemeClr val="accent4"/>
+            </a:fillRef>
+            <a:effectRef idx="0">
+              <a:schemeClr val="accent4"/>
+            </a:effectRef>
+            <a:fontRef idx="minor">
+              <a:schemeClr val="tx1"/>
+            </a:fontRef>
+          </p:style>
+        </p:cxnSp>
+        <p:cxnSp>
+          <p:nvCxnSpPr>
+            <p:cNvPr id="8" name="Straight Connector 7">
+              <a:extLst>
+                <a:ext uri="{FF2B5EF4-FFF2-40B4-BE49-F238E27FC236}">
+                  <a16:creationId xmlns:a16="http://schemas.microsoft.com/office/drawing/2014/main" id="{7AAA2F1B-B9AD-8EC5-BB80-1A9E5914D917}"/>
+                </a:ext>
+              </a:extLst>
+            </p:cNvPr>
+            <p:cNvCxnSpPr>
+              <a:cxnSpLocks/>
+            </p:cNvCxnSpPr>
+            <p:nvPr/>
+          </p:nvCxnSpPr>
+          <p:spPr>
+            <a:xfrm>
+              <a:off x="10834892" y="2887460"/>
+              <a:ext cx="936832" cy="0"/>
+            </a:xfrm>
+            <a:prstGeom prst="line">
+              <a:avLst/>
+            </a:prstGeom>
+          </p:spPr>
+          <p:style>
+            <a:lnRef idx="1">
+              <a:schemeClr val="accent4"/>
+            </a:lnRef>
+            <a:fillRef idx="0">
+              <a:schemeClr val="accent4"/>
+            </a:fillRef>
+            <a:effectRef idx="0">
+              <a:schemeClr val="accent4"/>
+            </a:effectRef>
+            <a:fontRef idx="minor">
+              <a:schemeClr val="tx1"/>
+            </a:fontRef>
+          </p:style>
+        </p:cxnSp>
+        <p:sp>
+          <p:nvSpPr>
+            <p:cNvPr id="9" name="TextBox 8">
+              <a:extLst>
+                <a:ext uri="{FF2B5EF4-FFF2-40B4-BE49-F238E27FC236}">
+                  <a16:creationId xmlns:a16="http://schemas.microsoft.com/office/drawing/2014/main" id="{B69B506A-991E-63C6-A8D0-8A0E377FD4B5}"/>
+                </a:ext>
+              </a:extLst>
+            </p:cNvPr>
+            <p:cNvSpPr txBox="1"/>
+            <p:nvPr/>
+          </p:nvSpPr>
+          <p:spPr>
+            <a:xfrm>
+              <a:off x="11664049" y="33411"/>
+              <a:ext cx="1113180" cy="346831"/>
+            </a:xfrm>
+            <a:prstGeom prst="rect">
+              <a:avLst/>
+            </a:prstGeom>
+            <a:noFill/>
+          </p:spPr>
+          <p:txBody>
+            <a:bodyPr wrap="none" rtlCol="0">
+              <a:spAutoFit/>
+            </a:bodyPr>
+            <a:lstStyle/>
+            <a:p>
+              <a:r>
+                <a:rPr lang="en-AU" dirty="0">
+                  <a:solidFill>
+                    <a:srgbClr val="FF0000"/>
+                  </a:solidFill>
+                </a:rPr>
+                <a:t>All features</a:t>
+              </a:r>
+            </a:p>
+          </p:txBody>
+        </p:sp>
+      </p:grpSp>
+      <p:sp>
+        <p:nvSpPr>
+          <p:cNvPr id="10" name="TextBox 9">
+            <a:extLst>
+              <a:ext uri="{FF2B5EF4-FFF2-40B4-BE49-F238E27FC236}">
+                <a16:creationId xmlns:a16="http://schemas.microsoft.com/office/drawing/2014/main" id="{C2BFDD42-F20E-CFAA-9A1E-B2E9B549B194}"/>
+              </a:ext>
+            </a:extLst>
+          </p:cNvPr>
+          <p:cNvSpPr txBox="1"/>
+          <p:nvPr/>
+        </p:nvSpPr>
+        <p:spPr>
+          <a:xfrm>
+            <a:off x="6185430" y="614102"/>
+            <a:ext cx="1517082" cy="369332"/>
+          </a:xfrm>
+          <a:prstGeom prst="rect">
+            <a:avLst/>
+          </a:prstGeom>
+          <a:noFill/>
+        </p:spPr>
+        <p:txBody>
+          <a:bodyPr wrap="none" rtlCol="0">
+            <a:spAutoFit/>
+          </a:bodyPr>
+          <a:lstStyle/>
+          <a:p>
+            <a:r>
+              <a:rPr lang="en-AU" dirty="0">
+                <a:solidFill>
+                  <a:srgbClr val="FF0000"/>
+                </a:solidFill>
+              </a:rPr>
+              <a:t>Lasso features</a:t>
+            </a:r>
+          </a:p>
+        </p:txBody>
+      </p:sp>
+      <p:cxnSp>
+        <p:nvCxnSpPr>
+          <p:cNvPr id="11" name="Straight Connector 10">
+            <a:extLst>
+              <a:ext uri="{FF2B5EF4-FFF2-40B4-BE49-F238E27FC236}">
+                <a16:creationId xmlns:a16="http://schemas.microsoft.com/office/drawing/2014/main" id="{605992D6-DABF-BF19-22CD-B8437AF9B7C8}"/>
+              </a:ext>
+            </a:extLst>
+          </p:cNvPr>
+          <p:cNvCxnSpPr>
+            <a:cxnSpLocks/>
+          </p:cNvCxnSpPr>
+          <p:nvPr/>
+        </p:nvCxnSpPr>
+        <p:spPr>
+          <a:xfrm>
+            <a:off x="4624548" y="5159248"/>
+            <a:ext cx="3491219" cy="0"/>
+          </a:xfrm>
+          <a:prstGeom prst="line">
+            <a:avLst/>
+          </a:prstGeom>
+        </p:spPr>
+        <p:style>
+          <a:lnRef idx="1">
+            <a:schemeClr val="accent4"/>
+          </a:lnRef>
+          <a:fillRef idx="0">
+            <a:schemeClr val="accent4"/>
+          </a:fillRef>
+          <a:effectRef idx="0">
+            <a:schemeClr val="accent4"/>
+          </a:effectRef>
+          <a:fontRef idx="minor">
+            <a:schemeClr val="tx1"/>
+          </a:fontRef>
+        </p:style>
+      </p:cxnSp>
+      <p:cxnSp>
+        <p:nvCxnSpPr>
+          <p:cNvPr id="12" name="Straight Connector 11">
+            <a:extLst>
+              <a:ext uri="{FF2B5EF4-FFF2-40B4-BE49-F238E27FC236}">
+                <a16:creationId xmlns:a16="http://schemas.microsoft.com/office/drawing/2014/main" id="{70ACD0BF-A0E1-18A7-30AC-BFE0157AD0D8}"/>
+              </a:ext>
+            </a:extLst>
+          </p:cNvPr>
+          <p:cNvCxnSpPr>
+            <a:cxnSpLocks/>
+          </p:cNvCxnSpPr>
+          <p:nvPr/>
+        </p:nvCxnSpPr>
+        <p:spPr>
+          <a:xfrm>
+            <a:off x="5716467" y="3699691"/>
+            <a:ext cx="1048758" cy="0"/>
+          </a:xfrm>
+          <a:prstGeom prst="line">
+            <a:avLst/>
+          </a:prstGeom>
+        </p:spPr>
+        <p:style>
+          <a:lnRef idx="1">
+            <a:schemeClr val="accent4"/>
+          </a:lnRef>
+          <a:fillRef idx="0">
+            <a:schemeClr val="accent4"/>
+          </a:fillRef>
+          <a:effectRef idx="0">
+            <a:schemeClr val="accent4"/>
+          </a:effectRef>
+          <a:fontRef idx="minor">
+            <a:schemeClr val="tx1"/>
+          </a:fontRef>
+        </p:style>
+      </p:cxnSp>
+      <p:cxnSp>
+        <p:nvCxnSpPr>
+          <p:cNvPr id="13" name="Straight Connector 12">
+            <a:extLst>
+              <a:ext uri="{FF2B5EF4-FFF2-40B4-BE49-F238E27FC236}">
+                <a16:creationId xmlns:a16="http://schemas.microsoft.com/office/drawing/2014/main" id="{33A85E0C-185B-DB51-0908-2FA76691A021}"/>
+              </a:ext>
+            </a:extLst>
+          </p:cNvPr>
+          <p:cNvCxnSpPr>
+            <a:cxnSpLocks/>
+          </p:cNvCxnSpPr>
+          <p:nvPr/>
+        </p:nvCxnSpPr>
+        <p:spPr>
+          <a:xfrm>
+            <a:off x="4788213" y="2355800"/>
+            <a:ext cx="2582405" cy="0"/>
+          </a:xfrm>
+          <a:prstGeom prst="line">
+            <a:avLst/>
+          </a:prstGeom>
+        </p:spPr>
+        <p:style>
+          <a:lnRef idx="1">
+            <a:schemeClr val="accent4"/>
+          </a:lnRef>
+          <a:fillRef idx="0">
+            <a:schemeClr val="accent4"/>
+          </a:fillRef>
+          <a:effectRef idx="0">
+            <a:schemeClr val="accent4"/>
+          </a:effectRef>
+          <a:fontRef idx="minor">
+            <a:schemeClr val="tx1"/>
+          </a:fontRef>
+        </p:style>
+      </p:cxnSp>
+      <p:cxnSp>
+        <p:nvCxnSpPr>
+          <p:cNvPr id="15" name="Straight Connector 14">
+            <a:extLst>
+              <a:ext uri="{FF2B5EF4-FFF2-40B4-BE49-F238E27FC236}">
+                <a16:creationId xmlns:a16="http://schemas.microsoft.com/office/drawing/2014/main" id="{4BBDD65D-6DA9-5961-41D9-31F981E0628E}"/>
+              </a:ext>
+            </a:extLst>
+          </p:cNvPr>
+          <p:cNvCxnSpPr>
+            <a:cxnSpLocks/>
+          </p:cNvCxnSpPr>
+          <p:nvPr/>
+        </p:nvCxnSpPr>
+        <p:spPr>
+          <a:xfrm>
+            <a:off x="687013" y="2304998"/>
+            <a:ext cx="2582405" cy="0"/>
+          </a:xfrm>
+          <a:prstGeom prst="line">
+            <a:avLst/>
+          </a:prstGeom>
+        </p:spPr>
+        <p:style>
+          <a:lnRef idx="1">
+            <a:schemeClr val="accent4"/>
+          </a:lnRef>
+          <a:fillRef idx="0">
+            <a:schemeClr val="accent4"/>
+          </a:fillRef>
+          <a:effectRef idx="0">
+            <a:schemeClr val="accent4"/>
+          </a:effectRef>
+          <a:fontRef idx="minor">
+            <a:schemeClr val="tx1"/>
+          </a:fontRef>
+        </p:style>
+      </p:cxnSp>
+      <p:pic>
+        <p:nvPicPr>
+          <p:cNvPr id="17" name="Picture 16">
+            <a:extLst>
+              <a:ext uri="{FF2B5EF4-FFF2-40B4-BE49-F238E27FC236}">
+                <a16:creationId xmlns:a16="http://schemas.microsoft.com/office/drawing/2014/main" id="{16F99CF3-FD70-9011-10B4-97670823461E}"/>
+              </a:ext>
+            </a:extLst>
+          </p:cNvPr>
+          <p:cNvPicPr>
+            <a:picLocks noChangeAspect="1"/>
+          </p:cNvPicPr>
+          <p:nvPr/>
+        </p:nvPicPr>
+        <p:blipFill>
+          <a:blip r:embed="rId5"/>
+          <a:stretch>
+            <a:fillRect/>
+          </a:stretch>
+        </p:blipFill>
+        <p:spPr>
+          <a:xfrm>
+            <a:off x="8374826" y="637828"/>
+            <a:ext cx="3581400" cy="3524250"/>
+          </a:xfrm>
+          <a:prstGeom prst="rect">
+            <a:avLst/>
+          </a:prstGeom>
+        </p:spPr>
+      </p:pic>
+      <p:sp>
+        <p:nvSpPr>
+          <p:cNvPr id="18" name="Star: 5 Points 17">
+            <a:extLst>
+              <a:ext uri="{FF2B5EF4-FFF2-40B4-BE49-F238E27FC236}">
+                <a16:creationId xmlns:a16="http://schemas.microsoft.com/office/drawing/2014/main" id="{7A996FD9-B06D-7B5E-1F90-9B1065C8091D}"/>
+              </a:ext>
+            </a:extLst>
+          </p:cNvPr>
+          <p:cNvSpPr/>
+          <p:nvPr/>
+        </p:nvSpPr>
+        <p:spPr>
+          <a:xfrm>
+            <a:off x="3690604" y="2963618"/>
+            <a:ext cx="492957" cy="393292"/>
+          </a:xfrm>
+          <a:prstGeom prst="star5">
+            <a:avLst/>
+          </a:prstGeom>
+          <a:solidFill>
+            <a:srgbClr val="FFFF00"/>
+          </a:solidFill>
+        </p:spPr>
+        <p:style>
+          <a:lnRef idx="2">
+            <a:schemeClr val="accent1">
+              <a:shade val="50000"/>
+            </a:schemeClr>
+          </a:lnRef>
+          <a:fillRef idx="1">
+            <a:schemeClr val="accent1"/>
+          </a:fillRef>
+          <a:effectRef idx="0">
+            <a:schemeClr val="accent1"/>
+          </a:effectRef>
+          <a:fontRef idx="minor">
+            <a:schemeClr val="lt1"/>
+          </a:fontRef>
+        </p:style>
+        <p:txBody>
+          <a:bodyPr rtlCol="0" anchor="ctr"/>
+          <a:lstStyle/>
+          <a:p>
+            <a:pPr algn="ctr"/>
+            <a:endParaRPr lang="en-AU"/>
+          </a:p>
+        </p:txBody>
+      </p:sp>
+    </p:spTree>
+    <p:extLst>
+      <p:ext uri="{BB962C8B-B14F-4D97-AF65-F5344CB8AC3E}">
+        <p14:creationId xmlns:p14="http://schemas.microsoft.com/office/powerpoint/2010/main" val="3673770867"/>
+      </p:ext>
+    </p:extLst>
+  </p:cSld>
+  <p:clrMapOvr>
+    <a:masterClrMapping/>
+  </p:clrMapOvr>
+</p:sld>
+</file>
+
+<file path=ppt/slides/slide11.xml><?xml version="1.0" encoding="utf-8"?>
+<p:sld xmlns:a="http://schemas.openxmlformats.org/drawingml/2006/main" xmlns:r="http://schemas.openxmlformats.org/officeDocument/2006/relationships" xmlns:p="http://schemas.openxmlformats.org/presentationml/2006/main">
+  <p:cSld>
+    <p:spTree>
+      <p:nvGrpSpPr>
+        <p:cNvPr id="1" name=""/>
+        <p:cNvGrpSpPr/>
+        <p:nvPr/>
+      </p:nvGrpSpPr>
+      <p:grpSpPr>
+        <a:xfrm>
+          <a:off x="0" y="0"/>
+          <a:ext cx="0" cy="0"/>
+          <a:chOff x="0" y="0"/>
+          <a:chExt cx="0" cy="0"/>
+        </a:xfrm>
+      </p:grpSpPr>
+      <p:pic>
+        <p:nvPicPr>
+          <p:cNvPr id="2" name="Picture 1">
+            <a:extLst>
+              <a:ext uri="{FF2B5EF4-FFF2-40B4-BE49-F238E27FC236}">
+                <a16:creationId xmlns:a16="http://schemas.microsoft.com/office/drawing/2014/main" id="{B60FB453-4D42-6789-21D4-6105C31C64F4}"/>
+              </a:ext>
+            </a:extLst>
+          </p:cNvPr>
+          <p:cNvPicPr>
+            <a:picLocks noChangeAspect="1"/>
+          </p:cNvPicPr>
+          <p:nvPr/>
+        </p:nvPicPr>
+        <p:blipFill>
+          <a:blip r:embed="rId2"/>
+          <a:stretch>
+            <a:fillRect/>
+          </a:stretch>
+        </p:blipFill>
+        <p:spPr>
+          <a:xfrm>
+            <a:off x="2480441" y="1139326"/>
+            <a:ext cx="6515100" cy="1314450"/>
+          </a:xfrm>
+          <a:prstGeom prst="rect">
+            <a:avLst/>
+          </a:prstGeom>
+        </p:spPr>
+      </p:pic>
+      <p:sp>
+        <p:nvSpPr>
+          <p:cNvPr id="3" name="TextBox 2">
+            <a:extLst>
+              <a:ext uri="{FF2B5EF4-FFF2-40B4-BE49-F238E27FC236}">
+                <a16:creationId xmlns:a16="http://schemas.microsoft.com/office/drawing/2014/main" id="{C5073089-D118-E6E6-054D-7D0DC13C863E}"/>
+              </a:ext>
+            </a:extLst>
+          </p:cNvPr>
+          <p:cNvSpPr txBox="1"/>
+          <p:nvPr/>
+        </p:nvSpPr>
+        <p:spPr>
+          <a:xfrm>
+            <a:off x="4273801" y="299423"/>
+            <a:ext cx="3297742" cy="461665"/>
+          </a:xfrm>
+          <a:prstGeom prst="rect">
+            <a:avLst/>
+          </a:prstGeom>
+          <a:noFill/>
+        </p:spPr>
+        <p:txBody>
+          <a:bodyPr wrap="square" rtlCol="0">
+            <a:spAutoFit/>
+          </a:bodyPr>
+          <a:lstStyle/>
+          <a:p>
+            <a:pPr algn="ctr"/>
+            <a:r>
+              <a:rPr lang="en-AU" sz="2400" b="1" dirty="0">
+                <a:solidFill>
+                  <a:srgbClr val="C00000"/>
+                </a:solidFill>
+              </a:rPr>
+              <a:t>Hyper-parameter tuning</a:t>
+            </a:r>
+          </a:p>
+        </p:txBody>
+      </p:sp>
+    </p:spTree>
+    <p:extLst>
+      <p:ext uri="{BB962C8B-B14F-4D97-AF65-F5344CB8AC3E}">
+        <p14:creationId xmlns:p14="http://schemas.microsoft.com/office/powerpoint/2010/main" val="2905983541"/>
+      </p:ext>
+    </p:extLst>
+  </p:cSld>
+  <p:clrMapOvr>
+    <a:masterClrMapping/>
+  </p:clrMapOvr>
+</p:sld>
+</file>
+
+<file path=ppt/slides/slide12.xml><?xml version="1.0" encoding="utf-8"?>
+<p:sld xmlns:a="http://schemas.openxmlformats.org/drawingml/2006/main" xmlns:r="http://schemas.openxmlformats.org/officeDocument/2006/relationships" xmlns:p="http://schemas.openxmlformats.org/presentationml/2006/main">
+  <p:cSld>
+    <p:spTree>
+      <p:nvGrpSpPr>
+        <p:cNvPr id="1" name=""/>
+        <p:cNvGrpSpPr/>
+        <p:nvPr/>
+      </p:nvGrpSpPr>
+      <p:grpSpPr>
+        <a:xfrm>
+          <a:off x="0" y="0"/>
+          <a:ext cx="0" cy="0"/>
+          <a:chOff x="0" y="0"/>
+          <a:chExt cx="0" cy="0"/>
+        </a:xfrm>
+      </p:grpSpPr>
+      <p:sp>
+        <p:nvSpPr>
+          <p:cNvPr id="2" name="TextBox 1">
+            <a:extLst>
+              <a:ext uri="{FF2B5EF4-FFF2-40B4-BE49-F238E27FC236}">
+                <a16:creationId xmlns:a16="http://schemas.microsoft.com/office/drawing/2014/main" id="{488F5064-5026-7C4A-4806-D2FA34CE6E81}"/>
+              </a:ext>
+            </a:extLst>
+          </p:cNvPr>
+          <p:cNvSpPr txBox="1"/>
+          <p:nvPr/>
+        </p:nvSpPr>
+        <p:spPr>
+          <a:xfrm>
+            <a:off x="4273801" y="221897"/>
+            <a:ext cx="3297742" cy="461665"/>
+          </a:xfrm>
+          <a:prstGeom prst="rect">
+            <a:avLst/>
+          </a:prstGeom>
+          <a:noFill/>
+        </p:spPr>
+        <p:txBody>
+          <a:bodyPr wrap="square" rtlCol="0">
+            <a:spAutoFit/>
+          </a:bodyPr>
+          <a:lstStyle/>
+          <a:p>
+            <a:pPr algn="ctr"/>
+            <a:r>
+              <a:rPr lang="en-AU" sz="2400" b="1" dirty="0">
+                <a:solidFill>
+                  <a:srgbClr val="C00000"/>
+                </a:solidFill>
+              </a:rPr>
+              <a:t>Fitting and evaluation</a:t>
+            </a:r>
+          </a:p>
+        </p:txBody>
+      </p:sp>
+      <p:pic>
+        <p:nvPicPr>
+          <p:cNvPr id="3" name="Picture 2">
+            <a:extLst>
+              <a:ext uri="{FF2B5EF4-FFF2-40B4-BE49-F238E27FC236}">
+                <a16:creationId xmlns:a16="http://schemas.microsoft.com/office/drawing/2014/main" id="{85029BD3-1AA8-BE5C-004D-39B17D01F669}"/>
+              </a:ext>
+            </a:extLst>
+          </p:cNvPr>
+          <p:cNvPicPr>
+            <a:picLocks noChangeAspect="1"/>
+          </p:cNvPicPr>
+          <p:nvPr/>
+        </p:nvPicPr>
+        <p:blipFill>
+          <a:blip r:embed="rId2"/>
+          <a:stretch>
+            <a:fillRect/>
+          </a:stretch>
+        </p:blipFill>
+        <p:spPr>
+          <a:xfrm>
+            <a:off x="134664" y="683562"/>
+            <a:ext cx="5686091" cy="2011746"/>
+          </a:xfrm>
+          <a:prstGeom prst="rect">
+            <a:avLst/>
+          </a:prstGeom>
+        </p:spPr>
+      </p:pic>
+      <p:pic>
+        <p:nvPicPr>
+          <p:cNvPr id="4" name="Picture 3">
+            <a:extLst>
+              <a:ext uri="{FF2B5EF4-FFF2-40B4-BE49-F238E27FC236}">
+                <a16:creationId xmlns:a16="http://schemas.microsoft.com/office/drawing/2014/main" id="{F84C3AD2-DB2E-46FB-1085-FBA83A99528D}"/>
+              </a:ext>
+            </a:extLst>
+          </p:cNvPr>
+          <p:cNvPicPr>
+            <a:picLocks noChangeAspect="1"/>
+          </p:cNvPicPr>
+          <p:nvPr/>
+        </p:nvPicPr>
+        <p:blipFill>
+          <a:blip r:embed="rId3"/>
+          <a:stretch>
+            <a:fillRect/>
+          </a:stretch>
+        </p:blipFill>
+        <p:spPr>
+          <a:xfrm>
+            <a:off x="8215806" y="683562"/>
+            <a:ext cx="3524250" cy="3476625"/>
+          </a:xfrm>
+          <a:prstGeom prst="rect">
+            <a:avLst/>
+          </a:prstGeom>
+        </p:spPr>
+      </p:pic>
+      <p:pic>
+        <p:nvPicPr>
+          <p:cNvPr id="5" name="Picture 4">
+            <a:extLst>
+              <a:ext uri="{FF2B5EF4-FFF2-40B4-BE49-F238E27FC236}">
+                <a16:creationId xmlns:a16="http://schemas.microsoft.com/office/drawing/2014/main" id="{86B89BBB-5961-D50F-12D8-9471EB983E11}"/>
+              </a:ext>
+            </a:extLst>
+          </p:cNvPr>
+          <p:cNvPicPr>
+            <a:picLocks noChangeAspect="1"/>
+          </p:cNvPicPr>
+          <p:nvPr/>
+        </p:nvPicPr>
+        <p:blipFill>
+          <a:blip r:embed="rId4"/>
+          <a:stretch>
+            <a:fillRect/>
+          </a:stretch>
+        </p:blipFill>
+        <p:spPr>
+          <a:xfrm>
+            <a:off x="4273801" y="2421874"/>
+            <a:ext cx="3893672" cy="4398251"/>
+          </a:xfrm>
+          <a:prstGeom prst="rect">
+            <a:avLst/>
+          </a:prstGeom>
+        </p:spPr>
+      </p:pic>
+    </p:spTree>
+    <p:extLst>
+      <p:ext uri="{BB962C8B-B14F-4D97-AF65-F5344CB8AC3E}">
+        <p14:creationId xmlns:p14="http://schemas.microsoft.com/office/powerpoint/2010/main" val="748735365"/>
+      </p:ext>
+    </p:extLst>
+  </p:cSld>
+  <p:clrMapOvr>
+    <a:masterClrMapping/>
+  </p:clrMapOvr>
+</p:sld>
+</file>
+
 <file path=ppt/slides/slide2.xml><?xml version="1.0" encoding="utf-8"?>
 <p:sld xmlns:a="http://schemas.openxmlformats.org/drawingml/2006/main" xmlns:r="http://schemas.openxmlformats.org/officeDocument/2006/relationships" xmlns:p="http://schemas.openxmlformats.org/presentationml/2006/main">
   <p:cSld>
@@ -6722,10 +8144,10 @@
       </p:grpSpPr>
       <p:sp>
         <p:nvSpPr>
-          <p:cNvPr id="4" name="TextBox 3">
+          <p:cNvPr id="3" name="TextBox 2">
             <a:extLst>
               <a:ext uri="{FF2B5EF4-FFF2-40B4-BE49-F238E27FC236}">
-                <a16:creationId xmlns:a16="http://schemas.microsoft.com/office/drawing/2014/main" id="{EC571309-5A20-9E94-E7C3-4C368CEA459B}"/>
+                <a16:creationId xmlns:a16="http://schemas.microsoft.com/office/drawing/2014/main" id="{9B426173-E83A-3615-0E3E-75AC9D32DAE4}"/>
               </a:ext>
             </a:extLst>
           </p:cNvPr>
@@ -6734,8 +8156,1842 @@
         </p:nvSpPr>
         <p:spPr>
           <a:xfrm>
-            <a:off x="916577" y="314230"/>
-            <a:ext cx="2286267" cy="369332"/>
+            <a:off x="5344341" y="377711"/>
+            <a:ext cx="1395609" cy="369332"/>
+          </a:xfrm>
+          <a:prstGeom prst="rect">
+            <a:avLst/>
+          </a:prstGeom>
+          <a:noFill/>
+          <a:ln w="19050">
+            <a:solidFill>
+              <a:schemeClr val="accent1"/>
+            </a:solidFill>
+          </a:ln>
+        </p:spPr>
+        <p:txBody>
+          <a:bodyPr wrap="square">
+            <a:spAutoFit/>
+          </a:bodyPr>
+          <a:lstStyle/>
+          <a:p>
+            <a:pPr algn="ctr"/>
+            <a:r>
+              <a:rPr lang="en-AU" b="1" dirty="0"/>
+              <a:t>Dataset</a:t>
+            </a:r>
+          </a:p>
+        </p:txBody>
+      </p:sp>
+      <p:cxnSp>
+        <p:nvCxnSpPr>
+          <p:cNvPr id="18" name="Straight Arrow Connector 17">
+            <a:extLst>
+              <a:ext uri="{FF2B5EF4-FFF2-40B4-BE49-F238E27FC236}">
+                <a16:creationId xmlns:a16="http://schemas.microsoft.com/office/drawing/2014/main" id="{70519783-1D83-8DA1-17D2-67836E8698C4}"/>
+              </a:ext>
+            </a:extLst>
+          </p:cNvPr>
+          <p:cNvCxnSpPr>
+            <a:cxnSpLocks/>
+          </p:cNvCxnSpPr>
+          <p:nvPr/>
+        </p:nvCxnSpPr>
+        <p:spPr>
+          <a:xfrm flipH="1">
+            <a:off x="6042145" y="785261"/>
+            <a:ext cx="0" cy="360000"/>
+          </a:xfrm>
+          <a:prstGeom prst="straightConnector1">
+            <a:avLst/>
+          </a:prstGeom>
+          <a:ln w="50800">
+            <a:tailEnd type="triangle"/>
+          </a:ln>
+        </p:spPr>
+        <p:style>
+          <a:lnRef idx="1">
+            <a:schemeClr val="accent1"/>
+          </a:lnRef>
+          <a:fillRef idx="0">
+            <a:schemeClr val="accent1"/>
+          </a:fillRef>
+          <a:effectRef idx="0">
+            <a:schemeClr val="accent1"/>
+          </a:effectRef>
+          <a:fontRef idx="minor">
+            <a:schemeClr val="tx1"/>
+          </a:fontRef>
+        </p:style>
+      </p:cxnSp>
+      <p:cxnSp>
+        <p:nvCxnSpPr>
+          <p:cNvPr id="19" name="Straight Arrow Connector 18">
+            <a:extLst>
+              <a:ext uri="{FF2B5EF4-FFF2-40B4-BE49-F238E27FC236}">
+                <a16:creationId xmlns:a16="http://schemas.microsoft.com/office/drawing/2014/main" id="{C4E8DA4F-6E82-5EA4-C3EC-DF49256636D9}"/>
+              </a:ext>
+            </a:extLst>
+          </p:cNvPr>
+          <p:cNvCxnSpPr>
+            <a:cxnSpLocks/>
+          </p:cNvCxnSpPr>
+          <p:nvPr/>
+        </p:nvCxnSpPr>
+        <p:spPr>
+          <a:xfrm flipH="1">
+            <a:off x="6096000" y="4030836"/>
+            <a:ext cx="0" cy="360000"/>
+          </a:xfrm>
+          <a:prstGeom prst="straightConnector1">
+            <a:avLst/>
+          </a:prstGeom>
+          <a:ln w="50800">
+            <a:tailEnd type="triangle"/>
+          </a:ln>
+        </p:spPr>
+        <p:style>
+          <a:lnRef idx="1">
+            <a:schemeClr val="accent1"/>
+          </a:lnRef>
+          <a:fillRef idx="0">
+            <a:schemeClr val="accent1"/>
+          </a:fillRef>
+          <a:effectRef idx="0">
+            <a:schemeClr val="accent1"/>
+          </a:effectRef>
+          <a:fontRef idx="minor">
+            <a:schemeClr val="tx1"/>
+          </a:fontRef>
+        </p:style>
+      </p:cxnSp>
+      <p:grpSp>
+        <p:nvGrpSpPr>
+          <p:cNvPr id="20" name="Group 19">
+            <a:extLst>
+              <a:ext uri="{FF2B5EF4-FFF2-40B4-BE49-F238E27FC236}">
+                <a16:creationId xmlns:a16="http://schemas.microsoft.com/office/drawing/2014/main" id="{15BDB75F-6A88-A386-0C5F-4DF37BA81A74}"/>
+              </a:ext>
+            </a:extLst>
+          </p:cNvPr>
+          <p:cNvGrpSpPr/>
+          <p:nvPr/>
+        </p:nvGrpSpPr>
+        <p:grpSpPr>
+          <a:xfrm>
+            <a:off x="3251528" y="4469818"/>
+            <a:ext cx="5839929" cy="1008000"/>
+            <a:chOff x="3251528" y="3902266"/>
+            <a:chExt cx="5839929" cy="1008000"/>
+          </a:xfrm>
+        </p:grpSpPr>
+        <p:sp>
+          <p:nvSpPr>
+            <p:cNvPr id="21" name="TextBox 20">
+              <a:extLst>
+                <a:ext uri="{FF2B5EF4-FFF2-40B4-BE49-F238E27FC236}">
+                  <a16:creationId xmlns:a16="http://schemas.microsoft.com/office/drawing/2014/main" id="{3EE401F2-1D88-774F-1E9A-BD609AFBC4EB}"/>
+                </a:ext>
+              </a:extLst>
+            </p:cNvPr>
+            <p:cNvSpPr txBox="1"/>
+            <p:nvPr/>
+          </p:nvSpPr>
+          <p:spPr>
+            <a:xfrm>
+              <a:off x="3251528" y="3902266"/>
+              <a:ext cx="5661254" cy="1008000"/>
+            </a:xfrm>
+            <a:prstGeom prst="rect">
+              <a:avLst/>
+            </a:prstGeom>
+            <a:noFill/>
+            <a:ln w="19050">
+              <a:solidFill>
+                <a:srgbClr val="2F528F"/>
+              </a:solidFill>
+            </a:ln>
+          </p:spPr>
+          <p:txBody>
+            <a:bodyPr wrap="square">
+              <a:spAutoFit/>
+            </a:bodyPr>
+            <a:lstStyle/>
+            <a:p>
+              <a:pPr algn="ctr"/>
+              <a:endParaRPr lang="en-AU" dirty="0">
+                <a:solidFill>
+                  <a:srgbClr val="0070C0"/>
+                </a:solidFill>
+              </a:endParaRPr>
+            </a:p>
+            <a:p>
+              <a:pPr algn="ctr"/>
+              <a:endParaRPr lang="en-AU" dirty="0">
+                <a:solidFill>
+                  <a:srgbClr val="0070C0"/>
+                </a:solidFill>
+              </a:endParaRPr>
+            </a:p>
+            <a:p>
+              <a:pPr algn="ctr"/>
+              <a:endParaRPr lang="en-AU" dirty="0">
+                <a:solidFill>
+                  <a:srgbClr val="0070C0"/>
+                </a:solidFill>
+              </a:endParaRPr>
+            </a:p>
+            <a:p>
+              <a:pPr algn="ctr"/>
+              <a:endParaRPr lang="en-AU" dirty="0">
+                <a:solidFill>
+                  <a:srgbClr val="0070C0"/>
+                </a:solidFill>
+              </a:endParaRPr>
+            </a:p>
+          </p:txBody>
+        </p:sp>
+        <p:sp>
+          <p:nvSpPr>
+            <p:cNvPr id="22" name="TextBox 21">
+              <a:extLst>
+                <a:ext uri="{FF2B5EF4-FFF2-40B4-BE49-F238E27FC236}">
+                  <a16:creationId xmlns:a16="http://schemas.microsoft.com/office/drawing/2014/main" id="{B2F89080-AAF1-8EF7-A7AC-5B7EFA47D5C8}"/>
+                </a:ext>
+              </a:extLst>
+            </p:cNvPr>
+            <p:cNvSpPr txBox="1"/>
+            <p:nvPr/>
+          </p:nvSpPr>
+          <p:spPr>
+            <a:xfrm>
+              <a:off x="3356064" y="4244565"/>
+              <a:ext cx="5735393" cy="646331"/>
+            </a:xfrm>
+            <a:prstGeom prst="rect">
+              <a:avLst/>
+            </a:prstGeom>
+            <a:noFill/>
+            <a:ln w="19050">
+              <a:noFill/>
+            </a:ln>
+          </p:spPr>
+          <p:txBody>
+            <a:bodyPr wrap="square">
+              <a:spAutoFit/>
+            </a:bodyPr>
+            <a:lstStyle/>
+            <a:p>
+              <a:r>
+                <a:rPr lang="en-AU" b="1" u="sng" dirty="0"/>
+                <a:t>Number of trees</a:t>
+              </a:r>
+              <a:r>
+                <a:rPr lang="en-AU" dirty="0"/>
+                <a:t>: 1000, 2000, 4000, 6000, </a:t>
+              </a:r>
+              <a:r>
+                <a:rPr lang="en-AU" b="1" dirty="0">
+                  <a:solidFill>
+                    <a:srgbClr val="C00000"/>
+                  </a:solidFill>
+                </a:rPr>
+                <a:t>8000</a:t>
+              </a:r>
+              <a:r>
+                <a:rPr lang="en-AU" dirty="0"/>
+                <a:t>, 10000</a:t>
+              </a:r>
+            </a:p>
+            <a:p>
+              <a:r>
+                <a:rPr lang="en-AU" b="1" u="sng" dirty="0"/>
+                <a:t>Number of variables</a:t>
+              </a:r>
+              <a:r>
+                <a:rPr lang="en-AU" dirty="0"/>
+                <a:t>:  </a:t>
+              </a:r>
+              <a:r>
+                <a:rPr lang="en-AU" b="1" dirty="0">
+                  <a:solidFill>
+                    <a:srgbClr val="C00000"/>
+                  </a:solidFill>
+                </a:rPr>
+                <a:t>2</a:t>
+              </a:r>
+              <a:r>
+                <a:rPr lang="en-AU" dirty="0"/>
+                <a:t>, 3, 4, 5, 6</a:t>
+              </a:r>
+            </a:p>
+          </p:txBody>
+        </p:sp>
+      </p:grpSp>
+      <p:sp>
+        <p:nvSpPr>
+          <p:cNvPr id="23" name="TextBox 22">
+            <a:extLst>
+              <a:ext uri="{FF2B5EF4-FFF2-40B4-BE49-F238E27FC236}">
+                <a16:creationId xmlns:a16="http://schemas.microsoft.com/office/drawing/2014/main" id="{0C077182-3211-963B-96F4-40E580A7C3B5}"/>
+              </a:ext>
+            </a:extLst>
+          </p:cNvPr>
+          <p:cNvSpPr txBox="1"/>
+          <p:nvPr/>
+        </p:nvSpPr>
+        <p:spPr>
+          <a:xfrm>
+            <a:off x="3030326" y="4462249"/>
+            <a:ext cx="6096000" cy="369332"/>
+          </a:xfrm>
+          <a:prstGeom prst="rect">
+            <a:avLst/>
+          </a:prstGeom>
+          <a:noFill/>
+        </p:spPr>
+        <p:txBody>
+          <a:bodyPr wrap="square">
+            <a:spAutoFit/>
+          </a:bodyPr>
+          <a:lstStyle/>
+          <a:p>
+            <a:pPr algn="ctr"/>
+            <a:r>
+              <a:rPr lang="en-AU" b="1" dirty="0">
+                <a:solidFill>
+                  <a:srgbClr val="0070C0"/>
+                </a:solidFill>
+              </a:rPr>
+              <a:t>Cross validation for hyper-parameter tuning</a:t>
+            </a:r>
+          </a:p>
+        </p:txBody>
+      </p:sp>
+      <p:cxnSp>
+        <p:nvCxnSpPr>
+          <p:cNvPr id="24" name="Straight Arrow Connector 23">
+            <a:extLst>
+              <a:ext uri="{FF2B5EF4-FFF2-40B4-BE49-F238E27FC236}">
+                <a16:creationId xmlns:a16="http://schemas.microsoft.com/office/drawing/2014/main" id="{CCE34427-62A9-EE4D-B6B0-FC684F942A92}"/>
+              </a:ext>
+            </a:extLst>
+          </p:cNvPr>
+          <p:cNvCxnSpPr>
+            <a:cxnSpLocks/>
+          </p:cNvCxnSpPr>
+          <p:nvPr/>
+        </p:nvCxnSpPr>
+        <p:spPr>
+          <a:xfrm flipH="1">
+            <a:off x="6096000" y="5543534"/>
+            <a:ext cx="0" cy="360000"/>
+          </a:xfrm>
+          <a:prstGeom prst="straightConnector1">
+            <a:avLst/>
+          </a:prstGeom>
+          <a:ln w="50800">
+            <a:tailEnd type="triangle"/>
+          </a:ln>
+        </p:spPr>
+        <p:style>
+          <a:lnRef idx="1">
+            <a:schemeClr val="accent1"/>
+          </a:lnRef>
+          <a:fillRef idx="0">
+            <a:schemeClr val="accent1"/>
+          </a:fillRef>
+          <a:effectRef idx="0">
+            <a:schemeClr val="accent1"/>
+          </a:effectRef>
+          <a:fontRef idx="minor">
+            <a:schemeClr val="tx1"/>
+          </a:fontRef>
+        </p:style>
+      </p:cxnSp>
+      <p:grpSp>
+        <p:nvGrpSpPr>
+          <p:cNvPr id="25" name="Group 24">
+            <a:extLst>
+              <a:ext uri="{FF2B5EF4-FFF2-40B4-BE49-F238E27FC236}">
+                <a16:creationId xmlns:a16="http://schemas.microsoft.com/office/drawing/2014/main" id="{F1B21CEE-1093-FDEC-6A79-0BF378041B55}"/>
+              </a:ext>
+            </a:extLst>
+          </p:cNvPr>
+          <p:cNvGrpSpPr/>
+          <p:nvPr/>
+        </p:nvGrpSpPr>
+        <p:grpSpPr>
+          <a:xfrm>
+            <a:off x="3061855" y="5927614"/>
+            <a:ext cx="6096000" cy="370128"/>
+            <a:chOff x="3108036" y="3318944"/>
+            <a:chExt cx="6096000" cy="1369473"/>
+          </a:xfrm>
+        </p:grpSpPr>
+        <p:sp>
+          <p:nvSpPr>
+            <p:cNvPr id="26" name="TextBox 25">
+              <a:extLst>
+                <a:ext uri="{FF2B5EF4-FFF2-40B4-BE49-F238E27FC236}">
+                  <a16:creationId xmlns:a16="http://schemas.microsoft.com/office/drawing/2014/main" id="{40064167-EAA1-E32E-5C39-6CCBF02DAF52}"/>
+                </a:ext>
+              </a:extLst>
+            </p:cNvPr>
+            <p:cNvSpPr txBox="1"/>
+            <p:nvPr/>
+          </p:nvSpPr>
+          <p:spPr>
+            <a:xfrm>
+              <a:off x="3676072" y="3318944"/>
+              <a:ext cx="4959928" cy="1332000"/>
+            </a:xfrm>
+            <a:prstGeom prst="rect">
+              <a:avLst/>
+            </a:prstGeom>
+            <a:noFill/>
+            <a:ln w="19050">
+              <a:solidFill>
+                <a:srgbClr val="2F528F"/>
+              </a:solidFill>
+            </a:ln>
+          </p:spPr>
+          <p:txBody>
+            <a:bodyPr wrap="square">
+              <a:spAutoFit/>
+            </a:bodyPr>
+            <a:lstStyle/>
+            <a:p>
+              <a:pPr algn="ctr"/>
+              <a:endParaRPr lang="en-AU" dirty="0">
+                <a:solidFill>
+                  <a:srgbClr val="0070C0"/>
+                </a:solidFill>
+              </a:endParaRPr>
+            </a:p>
+            <a:p>
+              <a:pPr algn="ctr"/>
+              <a:endParaRPr lang="en-AU" dirty="0">
+                <a:solidFill>
+                  <a:srgbClr val="0070C0"/>
+                </a:solidFill>
+              </a:endParaRPr>
+            </a:p>
+            <a:p>
+              <a:pPr algn="ctr"/>
+              <a:endParaRPr lang="en-AU" dirty="0">
+                <a:solidFill>
+                  <a:srgbClr val="0070C0"/>
+                </a:solidFill>
+              </a:endParaRPr>
+            </a:p>
+            <a:p>
+              <a:pPr algn="ctr"/>
+              <a:endParaRPr lang="en-AU" dirty="0">
+                <a:solidFill>
+                  <a:srgbClr val="0070C0"/>
+                </a:solidFill>
+              </a:endParaRPr>
+            </a:p>
+          </p:txBody>
+        </p:sp>
+        <p:sp>
+          <p:nvSpPr>
+            <p:cNvPr id="27" name="TextBox 26">
+              <a:extLst>
+                <a:ext uri="{FF2B5EF4-FFF2-40B4-BE49-F238E27FC236}">
+                  <a16:creationId xmlns:a16="http://schemas.microsoft.com/office/drawing/2014/main" id="{4F3EFB42-6713-E7F6-9441-8BD675893D8F}"/>
+                </a:ext>
+              </a:extLst>
+            </p:cNvPr>
+            <p:cNvSpPr txBox="1"/>
+            <p:nvPr/>
+          </p:nvSpPr>
+          <p:spPr>
+            <a:xfrm>
+              <a:off x="3108036" y="3321889"/>
+              <a:ext cx="6096000" cy="1366528"/>
+            </a:xfrm>
+            <a:prstGeom prst="rect">
+              <a:avLst/>
+            </a:prstGeom>
+            <a:noFill/>
+          </p:spPr>
+          <p:txBody>
+            <a:bodyPr wrap="square">
+              <a:spAutoFit/>
+            </a:bodyPr>
+            <a:lstStyle/>
+            <a:p>
+              <a:pPr algn="ctr"/>
+              <a:r>
+                <a:rPr lang="en-AU" b="1" dirty="0">
+                  <a:solidFill>
+                    <a:srgbClr val="0070C0"/>
+                  </a:solidFill>
+                </a:rPr>
+                <a:t>Fit model and results interpretation</a:t>
+              </a:r>
+            </a:p>
+          </p:txBody>
+        </p:sp>
+      </p:grpSp>
+      <p:grpSp>
+        <p:nvGrpSpPr>
+          <p:cNvPr id="37" name="Group 36">
+            <a:extLst>
+              <a:ext uri="{FF2B5EF4-FFF2-40B4-BE49-F238E27FC236}">
+                <a16:creationId xmlns:a16="http://schemas.microsoft.com/office/drawing/2014/main" id="{D6277C5F-010D-98B3-18BD-E00731838CFF}"/>
+              </a:ext>
+            </a:extLst>
+          </p:cNvPr>
+          <p:cNvGrpSpPr/>
+          <p:nvPr/>
+        </p:nvGrpSpPr>
+        <p:grpSpPr>
+          <a:xfrm>
+            <a:off x="428767" y="1166995"/>
+            <a:ext cx="11232000" cy="2839761"/>
+            <a:chOff x="344687" y="1166995"/>
+            <a:chExt cx="11232000" cy="2839761"/>
+          </a:xfrm>
+        </p:grpSpPr>
+        <p:sp>
+          <p:nvSpPr>
+            <p:cNvPr id="9" name="Rectangle 8">
+              <a:extLst>
+                <a:ext uri="{FF2B5EF4-FFF2-40B4-BE49-F238E27FC236}">
+                  <a16:creationId xmlns:a16="http://schemas.microsoft.com/office/drawing/2014/main" id="{59E5FF7F-DD04-A646-57D8-4AA6F7AF7E89}"/>
+                </a:ext>
+              </a:extLst>
+            </p:cNvPr>
+            <p:cNvSpPr/>
+            <p:nvPr/>
+          </p:nvSpPr>
+          <p:spPr>
+            <a:xfrm>
+              <a:off x="6518570" y="1593967"/>
+              <a:ext cx="1988513" cy="1440000"/>
+            </a:xfrm>
+            <a:prstGeom prst="rect">
+              <a:avLst/>
+            </a:prstGeom>
+            <a:noFill/>
+            <a:ln w="22225">
+              <a:solidFill>
+                <a:srgbClr val="FFC000"/>
+              </a:solidFill>
+            </a:ln>
+          </p:spPr>
+          <p:style>
+            <a:lnRef idx="2">
+              <a:schemeClr val="accent1">
+                <a:shade val="50000"/>
+              </a:schemeClr>
+            </a:lnRef>
+            <a:fillRef idx="1">
+              <a:schemeClr val="accent1"/>
+            </a:fillRef>
+            <a:effectRef idx="0">
+              <a:schemeClr val="accent1"/>
+            </a:effectRef>
+            <a:fontRef idx="minor">
+              <a:schemeClr val="lt1"/>
+            </a:fontRef>
+          </p:style>
+          <p:txBody>
+            <a:bodyPr rtlCol="0" anchor="ctr"/>
+            <a:lstStyle/>
+            <a:p>
+              <a:pPr algn="ctr"/>
+              <a:endParaRPr lang="en-AU"/>
+            </a:p>
+          </p:txBody>
+        </p:sp>
+        <p:sp>
+          <p:nvSpPr>
+            <p:cNvPr id="10" name="TextBox 9">
+              <a:extLst>
+                <a:ext uri="{FF2B5EF4-FFF2-40B4-BE49-F238E27FC236}">
+                  <a16:creationId xmlns:a16="http://schemas.microsoft.com/office/drawing/2014/main" id="{1CCBF19F-5DEC-FB5C-5E24-F31C8E3C600B}"/>
+                </a:ext>
+              </a:extLst>
+            </p:cNvPr>
+            <p:cNvSpPr txBox="1"/>
+            <p:nvPr/>
+          </p:nvSpPr>
+          <p:spPr>
+            <a:xfrm>
+              <a:off x="6476975" y="1572293"/>
+              <a:ext cx="1899946" cy="369332"/>
+            </a:xfrm>
+            <a:prstGeom prst="rect">
+              <a:avLst/>
+            </a:prstGeom>
+            <a:noFill/>
+          </p:spPr>
+          <p:txBody>
+            <a:bodyPr wrap="square" rtlCol="0">
+              <a:spAutoFit/>
+            </a:bodyPr>
+            <a:lstStyle/>
+            <a:p>
+              <a:r>
+                <a:rPr lang="en-AU" b="1" dirty="0"/>
+                <a:t>2. Select Function</a:t>
+              </a:r>
+            </a:p>
+          </p:txBody>
+        </p:sp>
+        <p:sp>
+          <p:nvSpPr>
+            <p:cNvPr id="11" name="TextBox 10">
+              <a:extLst>
+                <a:ext uri="{FF2B5EF4-FFF2-40B4-BE49-F238E27FC236}">
+                  <a16:creationId xmlns:a16="http://schemas.microsoft.com/office/drawing/2014/main" id="{C8BB56F5-AF75-2323-451C-0380D980F8E0}"/>
+                </a:ext>
+              </a:extLst>
+            </p:cNvPr>
+            <p:cNvSpPr txBox="1"/>
+            <p:nvPr/>
+          </p:nvSpPr>
+          <p:spPr>
+            <a:xfrm>
+              <a:off x="6512094" y="1919950"/>
+              <a:ext cx="2104914" cy="923330"/>
+            </a:xfrm>
+            <a:prstGeom prst="rect">
+              <a:avLst/>
+            </a:prstGeom>
+            <a:noFill/>
+          </p:spPr>
+          <p:txBody>
+            <a:bodyPr wrap="square" rtlCol="0">
+              <a:spAutoFit/>
+            </a:bodyPr>
+            <a:lstStyle/>
+            <a:p>
+              <a:pPr marL="285750" indent="-285750">
+                <a:buFont typeface="Arial" panose="020B0604020202020204" pitchFamily="34" charset="0"/>
+                <a:buChar char="•"/>
+              </a:pPr>
+              <a:r>
+                <a:rPr lang="en-AU" dirty="0" err="1"/>
+                <a:t>RandomForest</a:t>
+              </a:r>
+              <a:r>
+                <a:rPr lang="en-AU" dirty="0"/>
+                <a:t>( )</a:t>
+              </a:r>
+            </a:p>
+            <a:p>
+              <a:pPr marL="285750" indent="-285750">
+                <a:buFont typeface="Arial" panose="020B0604020202020204" pitchFamily="34" charset="0"/>
+                <a:buChar char="•"/>
+              </a:pPr>
+              <a:r>
+                <a:rPr lang="en-AU" b="1" dirty="0">
+                  <a:solidFill>
+                    <a:srgbClr val="C00000"/>
+                  </a:solidFill>
+                </a:rPr>
+                <a:t>Ranger( )</a:t>
+              </a:r>
+            </a:p>
+            <a:p>
+              <a:pPr marL="285750" indent="-285750">
+                <a:buFont typeface="Arial" panose="020B0604020202020204" pitchFamily="34" charset="0"/>
+                <a:buChar char="•"/>
+              </a:pPr>
+              <a:r>
+                <a:rPr lang="en-AU" dirty="0" err="1"/>
+                <a:t>ordinalForest</a:t>
+              </a:r>
+              <a:r>
+                <a:rPr lang="en-AU" dirty="0"/>
+                <a:t>( )</a:t>
+              </a:r>
+              <a:endParaRPr lang="en-AU" dirty="0">
+                <a:solidFill>
+                  <a:srgbClr val="FF0000"/>
+                </a:solidFill>
+              </a:endParaRPr>
+            </a:p>
+          </p:txBody>
+        </p:sp>
+        <p:sp>
+          <p:nvSpPr>
+            <p:cNvPr id="12" name="Rectangle 11">
+              <a:extLst>
+                <a:ext uri="{FF2B5EF4-FFF2-40B4-BE49-F238E27FC236}">
+                  <a16:creationId xmlns:a16="http://schemas.microsoft.com/office/drawing/2014/main" id="{0DD18ACF-69EF-5A7A-9343-6CF2645603C6}"/>
+                </a:ext>
+              </a:extLst>
+            </p:cNvPr>
+            <p:cNvSpPr/>
+            <p:nvPr/>
+          </p:nvSpPr>
+          <p:spPr>
+            <a:xfrm>
+              <a:off x="8939745" y="1593967"/>
+              <a:ext cx="2592000" cy="1440000"/>
+            </a:xfrm>
+            <a:prstGeom prst="rect">
+              <a:avLst/>
+            </a:prstGeom>
+            <a:noFill/>
+            <a:ln w="19050">
+              <a:solidFill>
+                <a:srgbClr val="FFC000"/>
+              </a:solidFill>
+            </a:ln>
+          </p:spPr>
+          <p:style>
+            <a:lnRef idx="2">
+              <a:schemeClr val="accent1">
+                <a:shade val="50000"/>
+              </a:schemeClr>
+            </a:lnRef>
+            <a:fillRef idx="1">
+              <a:schemeClr val="accent1"/>
+            </a:fillRef>
+            <a:effectRef idx="0">
+              <a:schemeClr val="accent1"/>
+            </a:effectRef>
+            <a:fontRef idx="minor">
+              <a:schemeClr val="lt1"/>
+            </a:fontRef>
+          </p:style>
+          <p:txBody>
+            <a:bodyPr rtlCol="0" anchor="ctr"/>
+            <a:lstStyle/>
+            <a:p>
+              <a:pPr algn="ctr"/>
+              <a:endParaRPr lang="en-AU"/>
+            </a:p>
+          </p:txBody>
+        </p:sp>
+        <p:sp>
+          <p:nvSpPr>
+            <p:cNvPr id="13" name="TextBox 12">
+              <a:extLst>
+                <a:ext uri="{FF2B5EF4-FFF2-40B4-BE49-F238E27FC236}">
+                  <a16:creationId xmlns:a16="http://schemas.microsoft.com/office/drawing/2014/main" id="{68AD5158-DFEF-E6BD-D211-1407DD0F659D}"/>
+                </a:ext>
+              </a:extLst>
+            </p:cNvPr>
+            <p:cNvSpPr txBox="1"/>
+            <p:nvPr/>
+          </p:nvSpPr>
+          <p:spPr>
+            <a:xfrm>
+              <a:off x="8963927" y="1552032"/>
+              <a:ext cx="1827039" cy="369332"/>
+            </a:xfrm>
+            <a:prstGeom prst="rect">
+              <a:avLst/>
+            </a:prstGeom>
+            <a:noFill/>
+          </p:spPr>
+          <p:txBody>
+            <a:bodyPr wrap="none" rtlCol="0">
+              <a:spAutoFit/>
+            </a:bodyPr>
+            <a:lstStyle/>
+            <a:p>
+              <a:r>
+                <a:rPr lang="en-AU" b="1" dirty="0"/>
+                <a:t>3. Select features</a:t>
+              </a:r>
+            </a:p>
+          </p:txBody>
+        </p:sp>
+        <p:sp>
+          <p:nvSpPr>
+            <p:cNvPr id="14" name="TextBox 13">
+              <a:extLst>
+                <a:ext uri="{FF2B5EF4-FFF2-40B4-BE49-F238E27FC236}">
+                  <a16:creationId xmlns:a16="http://schemas.microsoft.com/office/drawing/2014/main" id="{2668E2F3-7235-3570-C852-582E3E4EE181}"/>
+                </a:ext>
+              </a:extLst>
+            </p:cNvPr>
+            <p:cNvSpPr txBox="1"/>
+            <p:nvPr/>
+          </p:nvSpPr>
+          <p:spPr>
+            <a:xfrm>
+              <a:off x="8938431" y="1980773"/>
+              <a:ext cx="2617469" cy="646331"/>
+            </a:xfrm>
+            <a:prstGeom prst="rect">
+              <a:avLst/>
+            </a:prstGeom>
+            <a:noFill/>
+          </p:spPr>
+          <p:txBody>
+            <a:bodyPr wrap="square" rtlCol="0">
+              <a:spAutoFit/>
+            </a:bodyPr>
+            <a:lstStyle/>
+            <a:p>
+              <a:pPr marL="285750" indent="-285750">
+                <a:buFont typeface="Arial" panose="020B0604020202020204" pitchFamily="34" charset="0"/>
+                <a:buChar char="•"/>
+              </a:pPr>
+              <a:r>
+                <a:rPr lang="en-AU" b="1" dirty="0">
+                  <a:solidFill>
+                    <a:srgbClr val="C00000"/>
+                  </a:solidFill>
+                </a:rPr>
+                <a:t>All features</a:t>
+              </a:r>
+            </a:p>
+            <a:p>
+              <a:pPr marL="285750" indent="-285750">
+                <a:buFont typeface="Arial" panose="020B0604020202020204" pitchFamily="34" charset="0"/>
+                <a:buChar char="•"/>
+              </a:pPr>
+              <a:r>
+                <a:rPr lang="en-AU" dirty="0"/>
+                <a:t>Lasso selected features</a:t>
+              </a:r>
+            </a:p>
+          </p:txBody>
+        </p:sp>
+        <p:cxnSp>
+          <p:nvCxnSpPr>
+            <p:cNvPr id="15" name="Straight Arrow Connector 14">
+              <a:extLst>
+                <a:ext uri="{FF2B5EF4-FFF2-40B4-BE49-F238E27FC236}">
+                  <a16:creationId xmlns:a16="http://schemas.microsoft.com/office/drawing/2014/main" id="{15F3FBD2-4CF7-1C92-5AC1-879F0F3435E7}"/>
+                </a:ext>
+              </a:extLst>
+            </p:cNvPr>
+            <p:cNvCxnSpPr>
+              <a:cxnSpLocks/>
+            </p:cNvCxnSpPr>
+            <p:nvPr/>
+          </p:nvCxnSpPr>
+          <p:spPr>
+            <a:xfrm>
+              <a:off x="6080975" y="2313967"/>
+              <a:ext cx="396000" cy="0"/>
+            </a:xfrm>
+            <a:prstGeom prst="straightConnector1">
+              <a:avLst/>
+            </a:prstGeom>
+            <a:ln w="19050">
+              <a:tailEnd type="triangle"/>
+            </a:ln>
+          </p:spPr>
+          <p:style>
+            <a:lnRef idx="1">
+              <a:schemeClr val="accent1"/>
+            </a:lnRef>
+            <a:fillRef idx="0">
+              <a:schemeClr val="accent1"/>
+            </a:fillRef>
+            <a:effectRef idx="0">
+              <a:schemeClr val="accent1"/>
+            </a:effectRef>
+            <a:fontRef idx="minor">
+              <a:schemeClr val="tx1"/>
+            </a:fontRef>
+          </p:style>
+        </p:cxnSp>
+        <p:cxnSp>
+          <p:nvCxnSpPr>
+            <p:cNvPr id="16" name="Straight Arrow Connector 15">
+              <a:extLst>
+                <a:ext uri="{FF2B5EF4-FFF2-40B4-BE49-F238E27FC236}">
+                  <a16:creationId xmlns:a16="http://schemas.microsoft.com/office/drawing/2014/main" id="{DFAAA73B-D186-AFC0-943E-399DA37D3922}"/>
+                </a:ext>
+              </a:extLst>
+            </p:cNvPr>
+            <p:cNvCxnSpPr>
+              <a:cxnSpLocks/>
+            </p:cNvCxnSpPr>
+            <p:nvPr/>
+          </p:nvCxnSpPr>
+          <p:spPr>
+            <a:xfrm flipV="1">
+              <a:off x="8525555" y="2313967"/>
+              <a:ext cx="396000" cy="0"/>
+            </a:xfrm>
+            <a:prstGeom prst="straightConnector1">
+              <a:avLst/>
+            </a:prstGeom>
+            <a:ln w="19050">
+              <a:tailEnd type="triangle"/>
+            </a:ln>
+          </p:spPr>
+          <p:style>
+            <a:lnRef idx="1">
+              <a:schemeClr val="accent1"/>
+            </a:lnRef>
+            <a:fillRef idx="0">
+              <a:schemeClr val="accent1"/>
+            </a:fillRef>
+            <a:effectRef idx="0">
+              <a:schemeClr val="accent1"/>
+            </a:effectRef>
+            <a:fontRef idx="minor">
+              <a:schemeClr val="tx1"/>
+            </a:fontRef>
+          </p:style>
+        </p:cxnSp>
+        <p:sp>
+          <p:nvSpPr>
+            <p:cNvPr id="17" name="TextBox 16">
+              <a:extLst>
+                <a:ext uri="{FF2B5EF4-FFF2-40B4-BE49-F238E27FC236}">
+                  <a16:creationId xmlns:a16="http://schemas.microsoft.com/office/drawing/2014/main" id="{D12AF88E-B144-7576-9B58-C465C624D6C7}"/>
+                </a:ext>
+              </a:extLst>
+            </p:cNvPr>
+            <p:cNvSpPr txBox="1"/>
+            <p:nvPr/>
+          </p:nvSpPr>
+          <p:spPr>
+            <a:xfrm>
+              <a:off x="4051925" y="1176981"/>
+              <a:ext cx="4127284" cy="369332"/>
+            </a:xfrm>
+            <a:prstGeom prst="rect">
+              <a:avLst/>
+            </a:prstGeom>
+            <a:noFill/>
+          </p:spPr>
+          <p:txBody>
+            <a:bodyPr wrap="none" rtlCol="0">
+              <a:spAutoFit/>
+            </a:bodyPr>
+            <a:lstStyle/>
+            <a:p>
+              <a:r>
+                <a:rPr lang="en-AU" b="1" dirty="0">
+                  <a:solidFill>
+                    <a:srgbClr val="0070C0"/>
+                  </a:solidFill>
+                </a:rPr>
+                <a:t>Select the best training data and function</a:t>
+              </a:r>
+            </a:p>
+          </p:txBody>
+        </p:sp>
+        <p:grpSp>
+          <p:nvGrpSpPr>
+            <p:cNvPr id="35" name="Group 34">
+              <a:extLst>
+                <a:ext uri="{FF2B5EF4-FFF2-40B4-BE49-F238E27FC236}">
+                  <a16:creationId xmlns:a16="http://schemas.microsoft.com/office/drawing/2014/main" id="{EA763EEC-13B9-7723-EEEE-44A91C5EABAE}"/>
+                </a:ext>
+              </a:extLst>
+            </p:cNvPr>
+            <p:cNvGrpSpPr/>
+            <p:nvPr/>
+          </p:nvGrpSpPr>
+          <p:grpSpPr>
+            <a:xfrm>
+              <a:off x="387345" y="1580337"/>
+              <a:ext cx="5513992" cy="2338035"/>
+              <a:chOff x="290980" y="752489"/>
+              <a:chExt cx="5513992" cy="2338035"/>
+            </a:xfrm>
+          </p:grpSpPr>
+          <p:sp>
+            <p:nvSpPr>
+              <p:cNvPr id="6" name="TextBox 5">
+                <a:extLst>
+                  <a:ext uri="{FF2B5EF4-FFF2-40B4-BE49-F238E27FC236}">
+                    <a16:creationId xmlns:a16="http://schemas.microsoft.com/office/drawing/2014/main" id="{F2E5A41C-DAAC-83DA-2AC7-A8FB1BF2BE02}"/>
+                  </a:ext>
+                </a:extLst>
+              </p:cNvPr>
+              <p:cNvSpPr txBox="1"/>
+              <p:nvPr/>
+            </p:nvSpPr>
+            <p:spPr>
+              <a:xfrm>
+                <a:off x="333947" y="752489"/>
+                <a:ext cx="3501377" cy="369332"/>
+              </a:xfrm>
+              <a:prstGeom prst="rect">
+                <a:avLst/>
+              </a:prstGeom>
+              <a:noFill/>
+            </p:spPr>
+            <p:txBody>
+              <a:bodyPr wrap="square">
+                <a:spAutoFit/>
+              </a:bodyPr>
+              <a:lstStyle/>
+              <a:p>
+                <a:r>
+                  <a:rPr lang="en-AU" b="1" dirty="0"/>
+                  <a:t>1. To balance class</a:t>
+                </a:r>
+              </a:p>
+            </p:txBody>
+          </p:sp>
+          <p:sp>
+            <p:nvSpPr>
+              <p:cNvPr id="8" name="Rectangle 7">
+                <a:extLst>
+                  <a:ext uri="{FF2B5EF4-FFF2-40B4-BE49-F238E27FC236}">
+                    <a16:creationId xmlns:a16="http://schemas.microsoft.com/office/drawing/2014/main" id="{38CDDA74-F25E-E6BF-91F1-1211E118A4AD}"/>
+                  </a:ext>
+                </a:extLst>
+              </p:cNvPr>
+              <p:cNvSpPr/>
+              <p:nvPr/>
+            </p:nvSpPr>
+            <p:spPr>
+              <a:xfrm>
+                <a:off x="290980" y="752489"/>
+                <a:ext cx="5508000" cy="2336786"/>
+              </a:xfrm>
+              <a:prstGeom prst="rect">
+                <a:avLst/>
+              </a:prstGeom>
+              <a:noFill/>
+              <a:ln w="19050">
+                <a:solidFill>
+                  <a:srgbClr val="FFC000"/>
+                </a:solidFill>
+              </a:ln>
+            </p:spPr>
+            <p:style>
+              <a:lnRef idx="2">
+                <a:schemeClr val="accent1">
+                  <a:shade val="50000"/>
+                </a:schemeClr>
+              </a:lnRef>
+              <a:fillRef idx="1">
+                <a:schemeClr val="accent1"/>
+              </a:fillRef>
+              <a:effectRef idx="0">
+                <a:schemeClr val="accent1"/>
+              </a:effectRef>
+              <a:fontRef idx="minor">
+                <a:schemeClr val="lt1"/>
+              </a:fontRef>
+            </p:style>
+            <p:txBody>
+              <a:bodyPr rtlCol="0" anchor="ctr"/>
+              <a:lstStyle/>
+              <a:p>
+                <a:pPr algn="ctr"/>
+                <a:endParaRPr lang="en-AU"/>
+              </a:p>
+            </p:txBody>
+          </p:sp>
+          <p:grpSp>
+            <p:nvGrpSpPr>
+              <p:cNvPr id="34" name="Group 33">
+                <a:extLst>
+                  <a:ext uri="{FF2B5EF4-FFF2-40B4-BE49-F238E27FC236}">
+                    <a16:creationId xmlns:a16="http://schemas.microsoft.com/office/drawing/2014/main" id="{45FD6B45-15F6-2149-D02A-1315B64AAED2}"/>
+                  </a:ext>
+                </a:extLst>
+              </p:cNvPr>
+              <p:cNvGrpSpPr/>
+              <p:nvPr/>
+            </p:nvGrpSpPr>
+            <p:grpSpPr>
+              <a:xfrm>
+                <a:off x="312000" y="1096959"/>
+                <a:ext cx="5492972" cy="1993565"/>
+                <a:chOff x="3349514" y="2432217"/>
+                <a:chExt cx="5492972" cy="1993565"/>
+              </a:xfrm>
+            </p:grpSpPr>
+            <p:pic>
+              <p:nvPicPr>
+                <p:cNvPr id="33" name="Picture 32">
+                  <a:extLst>
+                    <a:ext uri="{FF2B5EF4-FFF2-40B4-BE49-F238E27FC236}">
+                      <a16:creationId xmlns:a16="http://schemas.microsoft.com/office/drawing/2014/main" id="{1D05EA4B-E197-4E16-B979-0AC270892BD8}"/>
+                    </a:ext>
+                  </a:extLst>
+                </p:cNvPr>
+                <p:cNvPicPr>
+                  <a:picLocks noChangeAspect="1"/>
+                </p:cNvPicPr>
+                <p:nvPr/>
+              </p:nvPicPr>
+              <p:blipFill>
+                <a:blip r:embed="rId3"/>
+                <a:stretch>
+                  <a:fillRect/>
+                </a:stretch>
+              </p:blipFill>
+              <p:spPr>
+                <a:xfrm>
+                  <a:off x="3349514" y="2432217"/>
+                  <a:ext cx="5492972" cy="1993565"/>
+                </a:xfrm>
+                <a:prstGeom prst="rect">
+                  <a:avLst/>
+                </a:prstGeom>
+              </p:spPr>
+            </p:pic>
+            <p:sp>
+              <p:nvSpPr>
+                <p:cNvPr id="29" name="Rectangle 28">
+                  <a:extLst>
+                    <a:ext uri="{FF2B5EF4-FFF2-40B4-BE49-F238E27FC236}">
+                      <a16:creationId xmlns:a16="http://schemas.microsoft.com/office/drawing/2014/main" id="{0E11DDFA-1AE9-D65B-3D45-93414938758E}"/>
+                    </a:ext>
+                  </a:extLst>
+                </p:cNvPr>
+                <p:cNvSpPr/>
+                <p:nvPr/>
+              </p:nvSpPr>
+              <p:spPr>
+                <a:xfrm>
+                  <a:off x="7604846" y="2810129"/>
+                  <a:ext cx="1153079" cy="1527168"/>
+                </a:xfrm>
+                <a:prstGeom prst="rect">
+                  <a:avLst/>
+                </a:prstGeom>
+                <a:solidFill>
+                  <a:srgbClr val="FFFF00">
+                    <a:alpha val="17000"/>
+                  </a:srgbClr>
+                </a:solidFill>
+                <a:ln>
+                  <a:noFill/>
+                </a:ln>
+              </p:spPr>
+              <p:style>
+                <a:lnRef idx="2">
+                  <a:schemeClr val="accent1">
+                    <a:shade val="50000"/>
+                  </a:schemeClr>
+                </a:lnRef>
+                <a:fillRef idx="1">
+                  <a:schemeClr val="accent1"/>
+                </a:fillRef>
+                <a:effectRef idx="0">
+                  <a:schemeClr val="accent1"/>
+                </a:effectRef>
+                <a:fontRef idx="minor">
+                  <a:schemeClr val="lt1"/>
+                </a:fontRef>
+              </p:style>
+              <p:txBody>
+                <a:bodyPr rtlCol="0" anchor="ctr"/>
+                <a:lstStyle/>
+                <a:p>
+                  <a:pPr algn="ctr"/>
+                  <a:endParaRPr lang="en-AU" dirty="0">
+                    <a:highlight>
+                      <a:srgbClr val="FF9966"/>
+                    </a:highlight>
+                  </a:endParaRPr>
+                </a:p>
+              </p:txBody>
+            </p:sp>
+          </p:grpSp>
+        </p:grpSp>
+        <p:sp>
+          <p:nvSpPr>
+            <p:cNvPr id="36" name="Rectangle 35">
+              <a:extLst>
+                <a:ext uri="{FF2B5EF4-FFF2-40B4-BE49-F238E27FC236}">
+                  <a16:creationId xmlns:a16="http://schemas.microsoft.com/office/drawing/2014/main" id="{BE633901-7F8A-1490-9BFA-D0D0D7D9EE52}"/>
+                </a:ext>
+              </a:extLst>
+            </p:cNvPr>
+            <p:cNvSpPr/>
+            <p:nvPr/>
+          </p:nvSpPr>
+          <p:spPr>
+            <a:xfrm>
+              <a:off x="344687" y="1166995"/>
+              <a:ext cx="11232000" cy="2839761"/>
+            </a:xfrm>
+            <a:prstGeom prst="rect">
+              <a:avLst/>
+            </a:prstGeom>
+            <a:noFill/>
+            <a:ln w="19050"/>
+          </p:spPr>
+          <p:style>
+            <a:lnRef idx="2">
+              <a:schemeClr val="accent1">
+                <a:shade val="50000"/>
+              </a:schemeClr>
+            </a:lnRef>
+            <a:fillRef idx="1">
+              <a:schemeClr val="accent1"/>
+            </a:fillRef>
+            <a:effectRef idx="0">
+              <a:schemeClr val="accent1"/>
+            </a:effectRef>
+            <a:fontRef idx="minor">
+              <a:schemeClr val="lt1"/>
+            </a:fontRef>
+          </p:style>
+          <p:txBody>
+            <a:bodyPr rtlCol="0" anchor="ctr"/>
+            <a:lstStyle/>
+            <a:p>
+              <a:pPr algn="ctr"/>
+              <a:endParaRPr lang="en-AU"/>
+            </a:p>
+          </p:txBody>
+        </p:sp>
+      </p:grpSp>
+      <p:sp>
+        <p:nvSpPr>
+          <p:cNvPr id="38" name="TextBox 37">
+            <a:extLst>
+              <a:ext uri="{FF2B5EF4-FFF2-40B4-BE49-F238E27FC236}">
+                <a16:creationId xmlns:a16="http://schemas.microsoft.com/office/drawing/2014/main" id="{399FAACA-7714-757B-AFA0-D8E51C35E565}"/>
+              </a:ext>
+            </a:extLst>
+          </p:cNvPr>
+          <p:cNvSpPr txBox="1"/>
+          <p:nvPr/>
+        </p:nvSpPr>
+        <p:spPr>
+          <a:xfrm>
+            <a:off x="9961526" y="5403453"/>
+            <a:ext cx="1839501" cy="923330"/>
+          </a:xfrm>
+          <a:prstGeom prst="rect">
+            <a:avLst/>
+          </a:prstGeom>
+          <a:noFill/>
+          <a:ln w="19050">
+            <a:solidFill>
+              <a:srgbClr val="C00000"/>
+            </a:solidFill>
+          </a:ln>
+        </p:spPr>
+        <p:txBody>
+          <a:bodyPr wrap="square" rtlCol="0">
+            <a:spAutoFit/>
+          </a:bodyPr>
+          <a:lstStyle/>
+          <a:p>
+            <a:r>
+              <a:rPr lang="en-AU" b="1" dirty="0">
+                <a:solidFill>
+                  <a:srgbClr val="C00000"/>
+                </a:solidFill>
+              </a:rPr>
+              <a:t>* Red highlights </a:t>
+            </a:r>
+            <a:r>
+              <a:rPr lang="en-AU" dirty="0"/>
+              <a:t>indicate best performance</a:t>
+            </a:r>
+          </a:p>
+        </p:txBody>
+      </p:sp>
+    </p:spTree>
+    <p:extLst>
+      <p:ext uri="{BB962C8B-B14F-4D97-AF65-F5344CB8AC3E}">
+        <p14:creationId xmlns:p14="http://schemas.microsoft.com/office/powerpoint/2010/main" val="14695166"/>
+      </p:ext>
+    </p:extLst>
+  </p:cSld>
+  <p:clrMapOvr>
+    <a:masterClrMapping/>
+  </p:clrMapOvr>
+</p:sld>
+</file>
+
+<file path=ppt/slides/slide3.xml><?xml version="1.0" encoding="utf-8"?>
+<p:sld xmlns:a="http://schemas.openxmlformats.org/drawingml/2006/main" xmlns:r="http://schemas.openxmlformats.org/officeDocument/2006/relationships" xmlns:p="http://schemas.openxmlformats.org/presentationml/2006/main">
+  <p:cSld>
+    <p:spTree>
+      <p:nvGrpSpPr>
+        <p:cNvPr id="1" name=""/>
+        <p:cNvGrpSpPr/>
+        <p:nvPr/>
+      </p:nvGrpSpPr>
+      <p:grpSpPr>
+        <a:xfrm>
+          <a:off x="0" y="0"/>
+          <a:ext cx="0" cy="0"/>
+          <a:chOff x="0" y="0"/>
+          <a:chExt cx="0" cy="0"/>
+        </a:xfrm>
+      </p:grpSpPr>
+      <p:graphicFrame>
+        <p:nvGraphicFramePr>
+          <p:cNvPr id="2" name="Table 28">
+            <a:extLst>
+              <a:ext uri="{FF2B5EF4-FFF2-40B4-BE49-F238E27FC236}">
+                <a16:creationId xmlns:a16="http://schemas.microsoft.com/office/drawing/2014/main" id="{A8DF4C47-BE8B-1727-6EE6-F7914E97D088}"/>
+              </a:ext>
+            </a:extLst>
+          </p:cNvPr>
+          <p:cNvGraphicFramePr>
+            <a:graphicFrameLocks noGrp="1"/>
+          </p:cNvGraphicFramePr>
+          <p:nvPr>
+            <p:extLst>
+              <p:ext uri="{D42A27DB-BD31-4B8C-83A1-F6EECF244321}">
+                <p14:modId xmlns:p14="http://schemas.microsoft.com/office/powerpoint/2010/main" val="3255953501"/>
+              </p:ext>
+            </p:extLst>
+          </p:nvPr>
+        </p:nvGraphicFramePr>
+        <p:xfrm>
+          <a:off x="2490222" y="2088182"/>
+          <a:ext cx="5455815" cy="1957577"/>
+        </p:xfrm>
+        <a:graphic>
+          <a:graphicData uri="http://schemas.openxmlformats.org/drawingml/2006/table">
+            <a:tbl>
+              <a:tblPr firstRow="1" bandRow="1">
+                <a:tableStyleId>{5C22544A-7EE6-4342-B048-85BDC9FD1C3A}</a:tableStyleId>
+              </a:tblPr>
+              <a:tblGrid>
+                <a:gridCol w="1787230">
+                  <a:extLst>
+                    <a:ext uri="{9D8B030D-6E8A-4147-A177-3AD203B41FA5}">
+                      <a16:colId xmlns:a16="http://schemas.microsoft.com/office/drawing/2014/main" val="1576496596"/>
+                    </a:ext>
+                  </a:extLst>
+                </a:gridCol>
+                <a:gridCol w="987972">
+                  <a:extLst>
+                    <a:ext uri="{9D8B030D-6E8A-4147-A177-3AD203B41FA5}">
+                      <a16:colId xmlns:a16="http://schemas.microsoft.com/office/drawing/2014/main" val="2155797203"/>
+                    </a:ext>
+                  </a:extLst>
+                </a:gridCol>
+                <a:gridCol w="1408386">
+                  <a:extLst>
+                    <a:ext uri="{9D8B030D-6E8A-4147-A177-3AD203B41FA5}">
+                      <a16:colId xmlns:a16="http://schemas.microsoft.com/office/drawing/2014/main" val="2134072122"/>
+                    </a:ext>
+                  </a:extLst>
+                </a:gridCol>
+                <a:gridCol w="1272227">
+                  <a:extLst>
+                    <a:ext uri="{9D8B030D-6E8A-4147-A177-3AD203B41FA5}">
+                      <a16:colId xmlns:a16="http://schemas.microsoft.com/office/drawing/2014/main" val="107045123"/>
+                    </a:ext>
+                  </a:extLst>
+                </a:gridCol>
+              </a:tblGrid>
+              <a:tr h="306326">
+                <a:tc rowSpan="2">
+                  <a:txBody>
+                    <a:bodyPr/>
+                    <a:lstStyle/>
+                    <a:p>
+                      <a:pPr marL="0" marR="0" lvl="0" indent="0" algn="ctr" defTabSz="914400" rtl="0" eaLnBrk="1" fontAlgn="auto" latinLnBrk="0" hangingPunct="1">
+                        <a:lnSpc>
+                          <a:spcPct val="200000"/>
+                        </a:lnSpc>
+                        <a:spcBef>
+                          <a:spcPts val="0"/>
+                        </a:spcBef>
+                        <a:spcAft>
+                          <a:spcPts val="0"/>
+                        </a:spcAft>
+                        <a:buClrTx/>
+                        <a:buSzTx/>
+                        <a:buFontTx/>
+                        <a:buNone/>
+                        <a:tabLst/>
+                        <a:defRPr/>
+                      </a:pPr>
+                      <a:r>
+                        <a:rPr lang="en-AU" sz="1400" dirty="0"/>
+                        <a:t>Data</a:t>
+                      </a:r>
+                    </a:p>
+                  </a:txBody>
+                  <a:tcPr marL="36000" marR="36000" marT="36000" marB="36000"/>
+                </a:tc>
+                <a:tc gridSpan="3">
+                  <a:txBody>
+                    <a:bodyPr/>
+                    <a:lstStyle/>
+                    <a:p>
+                      <a:pPr algn="ctr"/>
+                      <a:r>
+                        <a:rPr lang="en-AU" sz="1400" dirty="0"/>
+                        <a:t>Sensitivity</a:t>
+                      </a:r>
+                    </a:p>
+                  </a:txBody>
+                  <a:tcPr marL="36000" marR="36000" marT="36000" marB="36000"/>
+                </a:tc>
+                <a:tc hMerge="1">
+                  <a:txBody>
+                    <a:bodyPr/>
+                    <a:lstStyle/>
+                    <a:p>
+                      <a:endParaRPr lang="en-AU" dirty="0"/>
+                    </a:p>
+                  </a:txBody>
+                  <a:tcPr/>
+                </a:tc>
+                <a:tc hMerge="1">
+                  <a:txBody>
+                    <a:bodyPr/>
+                    <a:lstStyle/>
+                    <a:p>
+                      <a:endParaRPr lang="en-AU" dirty="0"/>
+                    </a:p>
+                  </a:txBody>
+                  <a:tcPr/>
+                </a:tc>
+                <a:extLst>
+                  <a:ext uri="{0D108BD9-81ED-4DB2-BD59-A6C34878D82A}">
+                    <a16:rowId xmlns:a16="http://schemas.microsoft.com/office/drawing/2014/main" val="3829789341"/>
+                  </a:ext>
+                </a:extLst>
+              </a:tr>
+              <a:tr h="341029">
+                <a:tc vMerge="1">
+                  <a:txBody>
+                    <a:bodyPr/>
+                    <a:lstStyle/>
+                    <a:p>
+                      <a:endParaRPr lang="en-AU" dirty="0"/>
+                    </a:p>
+                  </a:txBody>
+                  <a:tcPr/>
+                </a:tc>
+                <a:tc>
+                  <a:txBody>
+                    <a:bodyPr/>
+                    <a:lstStyle/>
+                    <a:p>
+                      <a:pPr algn="ctr"/>
+                      <a:r>
+                        <a:rPr lang="en-AU" sz="1400" dirty="0"/>
+                        <a:t>Class: No</a:t>
+                      </a:r>
+                    </a:p>
+                  </a:txBody>
+                  <a:tcPr marL="36000" marR="36000" marT="36000" marB="36000"/>
+                </a:tc>
+                <a:tc>
+                  <a:txBody>
+                    <a:bodyPr/>
+                    <a:lstStyle/>
+                    <a:p>
+                      <a:pPr algn="ctr"/>
+                      <a:r>
+                        <a:rPr lang="en-AU" sz="1400" dirty="0"/>
+                        <a:t>Class: &gt; 30 days</a:t>
+                      </a:r>
+                    </a:p>
+                  </a:txBody>
+                  <a:tcPr marL="36000" marR="36000" marT="36000" marB="36000"/>
+                </a:tc>
+                <a:tc>
+                  <a:txBody>
+                    <a:bodyPr/>
+                    <a:lstStyle/>
+                    <a:p>
+                      <a:pPr algn="ctr"/>
+                      <a:r>
+                        <a:rPr lang="en-AU" sz="1400" dirty="0"/>
+                        <a:t>Class: &lt; 30 days</a:t>
+                      </a:r>
+                    </a:p>
+                  </a:txBody>
+                  <a:tcPr marL="36000" marR="36000" marT="36000" marB="36000"/>
+                </a:tc>
+                <a:extLst>
+                  <a:ext uri="{0D108BD9-81ED-4DB2-BD59-A6C34878D82A}">
+                    <a16:rowId xmlns:a16="http://schemas.microsoft.com/office/drawing/2014/main" val="1794375897"/>
+                  </a:ext>
+                </a:extLst>
+              </a:tr>
+              <a:tr h="288326">
+                <a:tc>
+                  <a:txBody>
+                    <a:bodyPr/>
+                    <a:lstStyle/>
+                    <a:p>
+                      <a:pPr marL="0" marR="0" lvl="0" indent="0" algn="ctr" defTabSz="914400" rtl="0" eaLnBrk="1" fontAlgn="auto" latinLnBrk="0" hangingPunct="1">
+                        <a:lnSpc>
+                          <a:spcPct val="100000"/>
+                        </a:lnSpc>
+                        <a:spcBef>
+                          <a:spcPts val="0"/>
+                        </a:spcBef>
+                        <a:spcAft>
+                          <a:spcPts val="0"/>
+                        </a:spcAft>
+                        <a:buClrTx/>
+                        <a:buSzTx/>
+                        <a:buFontTx/>
+                        <a:buNone/>
+                        <a:tabLst/>
+                        <a:defRPr/>
+                      </a:pPr>
+                      <a:r>
+                        <a:rPr lang="en-AU" sz="1400" dirty="0"/>
+                        <a:t>Raw data</a:t>
+                      </a:r>
+                    </a:p>
+                  </a:txBody>
+                  <a:tcPr marL="36000" marR="36000" marT="36000" marB="36000"/>
+                </a:tc>
+                <a:tc>
+                  <a:txBody>
+                    <a:bodyPr/>
+                    <a:lstStyle/>
+                    <a:p>
+                      <a:pPr algn="ctr"/>
+                      <a:r>
+                        <a:rPr lang="en-AU" sz="1400" dirty="0"/>
+                        <a:t>0.854</a:t>
+                      </a:r>
+                    </a:p>
+                  </a:txBody>
+                  <a:tcPr marL="36000" marR="36000" marT="36000" marB="36000"/>
+                </a:tc>
+                <a:tc>
+                  <a:txBody>
+                    <a:bodyPr/>
+                    <a:lstStyle/>
+                    <a:p>
+                      <a:pPr algn="ctr"/>
+                      <a:r>
+                        <a:rPr lang="en-AU" sz="1400" dirty="0"/>
+                        <a:t>0.254</a:t>
+                      </a:r>
+                    </a:p>
+                  </a:txBody>
+                  <a:tcPr marL="36000" marR="36000" marT="36000" marB="36000"/>
+                </a:tc>
+                <a:tc>
+                  <a:txBody>
+                    <a:bodyPr/>
+                    <a:lstStyle/>
+                    <a:p>
+                      <a:pPr algn="ctr"/>
+                      <a:r>
+                        <a:rPr lang="en-AU" sz="1400" dirty="0"/>
+                        <a:t>0.002</a:t>
+                      </a:r>
+                    </a:p>
+                  </a:txBody>
+                  <a:tcPr marL="36000" marR="36000" marT="36000" marB="36000"/>
+                </a:tc>
+                <a:extLst>
+                  <a:ext uri="{0D108BD9-81ED-4DB2-BD59-A6C34878D82A}">
+                    <a16:rowId xmlns:a16="http://schemas.microsoft.com/office/drawing/2014/main" val="3732048709"/>
+                  </a:ext>
+                </a:extLst>
+              </a:tr>
+              <a:tr h="340632">
+                <a:tc>
+                  <a:txBody>
+                    <a:bodyPr/>
+                    <a:lstStyle/>
+                    <a:p>
+                      <a:pPr marL="0" marR="0" lvl="0" indent="0" algn="ctr" defTabSz="914400" rtl="0" eaLnBrk="1" fontAlgn="auto" latinLnBrk="0" hangingPunct="1">
+                        <a:lnSpc>
+                          <a:spcPct val="100000"/>
+                        </a:lnSpc>
+                        <a:spcBef>
+                          <a:spcPts val="0"/>
+                        </a:spcBef>
+                        <a:spcAft>
+                          <a:spcPts val="0"/>
+                        </a:spcAft>
+                        <a:buClrTx/>
+                        <a:buSzTx/>
+                        <a:buFontTx/>
+                        <a:buNone/>
+                        <a:tabLst/>
+                        <a:defRPr/>
+                      </a:pPr>
+                      <a:r>
+                        <a:rPr lang="en-AU" sz="1400" dirty="0"/>
+                        <a:t>Repeat balanced data </a:t>
+                      </a:r>
+                    </a:p>
+                  </a:txBody>
+                  <a:tcPr marL="36000" marR="36000" marT="36000" marB="36000"/>
+                </a:tc>
+                <a:tc>
+                  <a:txBody>
+                    <a:bodyPr/>
+                    <a:lstStyle/>
+                    <a:p>
+                      <a:pPr algn="ctr"/>
+                      <a:r>
+                        <a:rPr lang="en-AU" sz="1400" dirty="0"/>
+                        <a:t>0.578</a:t>
+                      </a:r>
+                    </a:p>
+                  </a:txBody>
+                  <a:tcPr marL="36000" marR="36000" marT="36000" marB="36000"/>
+                </a:tc>
+                <a:tc>
+                  <a:txBody>
+                    <a:bodyPr/>
+                    <a:lstStyle/>
+                    <a:p>
+                      <a:pPr algn="ctr"/>
+                      <a:r>
+                        <a:rPr lang="en-AU" sz="1400" dirty="0"/>
+                        <a:t>0.581</a:t>
+                      </a:r>
+                    </a:p>
+                  </a:txBody>
+                  <a:tcPr marL="36000" marR="36000" marT="36000" marB="36000"/>
+                </a:tc>
+                <a:tc>
+                  <a:txBody>
+                    <a:bodyPr/>
+                    <a:lstStyle/>
+                    <a:p>
+                      <a:pPr algn="ctr"/>
+                      <a:r>
+                        <a:rPr lang="en-AU" sz="1400" dirty="0"/>
+                        <a:t>0.038</a:t>
+                      </a:r>
+                    </a:p>
+                  </a:txBody>
+                  <a:tcPr marL="36000" marR="36000" marT="36000" marB="36000"/>
+                </a:tc>
+                <a:extLst>
+                  <a:ext uri="{0D108BD9-81ED-4DB2-BD59-A6C34878D82A}">
+                    <a16:rowId xmlns:a16="http://schemas.microsoft.com/office/drawing/2014/main" val="2395470239"/>
+                  </a:ext>
+                </a:extLst>
+              </a:tr>
+              <a:tr h="340632">
+                <a:tc>
+                  <a:txBody>
+                    <a:bodyPr/>
+                    <a:lstStyle/>
+                    <a:p>
+                      <a:pPr marL="0" marR="0" lvl="0" indent="0" algn="ctr" defTabSz="914400" rtl="0" eaLnBrk="1" fontAlgn="auto" latinLnBrk="0" hangingPunct="1">
+                        <a:lnSpc>
+                          <a:spcPct val="100000"/>
+                        </a:lnSpc>
+                        <a:spcBef>
+                          <a:spcPts val="0"/>
+                        </a:spcBef>
+                        <a:spcAft>
+                          <a:spcPts val="0"/>
+                        </a:spcAft>
+                        <a:buClrTx/>
+                        <a:buSzTx/>
+                        <a:buFontTx/>
+                        <a:buNone/>
+                        <a:tabLst/>
+                        <a:defRPr/>
+                      </a:pPr>
+                      <a:r>
+                        <a:rPr lang="en-AU" sz="1400" dirty="0"/>
+                        <a:t>Smote balanced data</a:t>
+                      </a:r>
+                    </a:p>
+                  </a:txBody>
+                  <a:tcPr marL="36000" marR="36000" marT="36000" marB="36000"/>
+                </a:tc>
+                <a:tc>
+                  <a:txBody>
+                    <a:bodyPr/>
+                    <a:lstStyle/>
+                    <a:p>
+                      <a:pPr algn="ctr"/>
+                      <a:r>
+                        <a:rPr lang="en-AU" sz="1400" dirty="0"/>
+                        <a:t>0.600</a:t>
+                      </a:r>
+                    </a:p>
+                  </a:txBody>
+                  <a:tcPr marL="36000" marR="36000" marT="36000" marB="36000"/>
+                </a:tc>
+                <a:tc>
+                  <a:txBody>
+                    <a:bodyPr/>
+                    <a:lstStyle/>
+                    <a:p>
+                      <a:pPr algn="ctr"/>
+                      <a:r>
+                        <a:rPr lang="en-AU" sz="1400" dirty="0"/>
+                        <a:t>0.536</a:t>
+                      </a:r>
+                    </a:p>
+                  </a:txBody>
+                  <a:tcPr marL="36000" marR="36000" marT="36000" marB="36000"/>
+                </a:tc>
+                <a:tc>
+                  <a:txBody>
+                    <a:bodyPr/>
+                    <a:lstStyle/>
+                    <a:p>
+                      <a:pPr algn="ctr"/>
+                      <a:r>
+                        <a:rPr lang="en-AU" sz="1400" dirty="0"/>
+                        <a:t>0.043</a:t>
+                      </a:r>
+                    </a:p>
+                  </a:txBody>
+                  <a:tcPr marL="36000" marR="36000" marT="36000" marB="36000"/>
+                </a:tc>
+                <a:extLst>
+                  <a:ext uri="{0D108BD9-81ED-4DB2-BD59-A6C34878D82A}">
+                    <a16:rowId xmlns:a16="http://schemas.microsoft.com/office/drawing/2014/main" val="3889060919"/>
+                  </a:ext>
+                </a:extLst>
+              </a:tr>
+              <a:tr h="340632">
+                <a:tc>
+                  <a:txBody>
+                    <a:bodyPr/>
+                    <a:lstStyle/>
+                    <a:p>
+                      <a:pPr marL="0" marR="0" lvl="0" indent="0" algn="ctr" defTabSz="914400" rtl="0" eaLnBrk="1" fontAlgn="auto" latinLnBrk="0" hangingPunct="1">
+                        <a:lnSpc>
+                          <a:spcPct val="100000"/>
+                        </a:lnSpc>
+                        <a:spcBef>
+                          <a:spcPts val="0"/>
+                        </a:spcBef>
+                        <a:spcAft>
+                          <a:spcPts val="0"/>
+                        </a:spcAft>
+                        <a:buClrTx/>
+                        <a:buSzTx/>
+                        <a:buFontTx/>
+                        <a:buNone/>
+                        <a:tabLst/>
+                        <a:defRPr/>
+                      </a:pPr>
+                      <a:r>
+                        <a:rPr lang="en-AU" sz="1400" b="1" dirty="0" err="1">
+                          <a:solidFill>
+                            <a:srgbClr val="FF9966"/>
+                          </a:solidFill>
+                        </a:rPr>
+                        <a:t>Downsample</a:t>
+                      </a:r>
+                      <a:r>
+                        <a:rPr lang="en-AU" sz="1400" b="1" dirty="0">
+                          <a:solidFill>
+                            <a:srgbClr val="FF9966"/>
+                          </a:solidFill>
+                        </a:rPr>
+                        <a:t> data</a:t>
+                      </a:r>
+                    </a:p>
+                  </a:txBody>
+                  <a:tcPr marL="36000" marR="36000" marT="36000" marB="36000"/>
+                </a:tc>
+                <a:tc>
+                  <a:txBody>
+                    <a:bodyPr/>
+                    <a:lstStyle/>
+                    <a:p>
+                      <a:pPr algn="ctr"/>
+                      <a:r>
+                        <a:rPr lang="en-AU" sz="1400" dirty="0"/>
+                        <a:t>0.432</a:t>
+                      </a:r>
+                    </a:p>
+                  </a:txBody>
+                  <a:tcPr marL="36000" marR="36000" marT="36000" marB="36000"/>
+                </a:tc>
+                <a:tc>
+                  <a:txBody>
+                    <a:bodyPr/>
+                    <a:lstStyle/>
+                    <a:p>
+                      <a:pPr algn="ctr"/>
+                      <a:r>
+                        <a:rPr lang="en-AU" sz="1400" dirty="0"/>
+                        <a:t>0.398</a:t>
+                      </a:r>
+                    </a:p>
+                  </a:txBody>
+                  <a:tcPr marL="36000" marR="36000" marT="36000" marB="36000"/>
+                </a:tc>
+                <a:tc>
+                  <a:txBody>
+                    <a:bodyPr/>
+                    <a:lstStyle/>
+                    <a:p>
+                      <a:pPr algn="ctr"/>
+                      <a:r>
+                        <a:rPr lang="en-AU" sz="1400" dirty="0"/>
+                        <a:t>0.430</a:t>
+                      </a:r>
+                    </a:p>
+                  </a:txBody>
+                  <a:tcPr marL="36000" marR="36000" marT="36000" marB="36000"/>
+                </a:tc>
+                <a:extLst>
+                  <a:ext uri="{0D108BD9-81ED-4DB2-BD59-A6C34878D82A}">
+                    <a16:rowId xmlns:a16="http://schemas.microsoft.com/office/drawing/2014/main" val="3651383970"/>
+                  </a:ext>
+                </a:extLst>
+              </a:tr>
+            </a:tbl>
+          </a:graphicData>
+        </a:graphic>
+      </p:graphicFrame>
+    </p:spTree>
+    <p:extLst>
+      <p:ext uri="{BB962C8B-B14F-4D97-AF65-F5344CB8AC3E}">
+        <p14:creationId xmlns:p14="http://schemas.microsoft.com/office/powerpoint/2010/main" val="2541016278"/>
+      </p:ext>
+    </p:extLst>
+  </p:cSld>
+  <p:clrMapOvr>
+    <a:masterClrMapping/>
+  </p:clrMapOvr>
+</p:sld>
+</file>
+
+<file path=ppt/slides/slide4.xml><?xml version="1.0" encoding="utf-8"?>
+<p:sld xmlns:a="http://schemas.openxmlformats.org/drawingml/2006/main" xmlns:r="http://schemas.openxmlformats.org/officeDocument/2006/relationships" xmlns:p="http://schemas.openxmlformats.org/presentationml/2006/main">
+  <p:cSld>
+    <p:spTree>
+      <p:nvGrpSpPr>
+        <p:cNvPr id="1" name=""/>
+        <p:cNvGrpSpPr/>
+        <p:nvPr/>
+      </p:nvGrpSpPr>
+      <p:grpSpPr>
+        <a:xfrm>
+          <a:off x="0" y="0"/>
+          <a:ext cx="0" cy="0"/>
+          <a:chOff x="0" y="0"/>
+          <a:chExt cx="0" cy="0"/>
+        </a:xfrm>
+      </p:grpSpPr>
+      <p:sp>
+        <p:nvSpPr>
+          <p:cNvPr id="7" name="TextBox 6">
+            <a:extLst>
+              <a:ext uri="{FF2B5EF4-FFF2-40B4-BE49-F238E27FC236}">
+                <a16:creationId xmlns:a16="http://schemas.microsoft.com/office/drawing/2014/main" id="{E108BD75-7BEF-1296-5DFB-53AAD505365A}"/>
+              </a:ext>
+            </a:extLst>
+          </p:cNvPr>
+          <p:cNvSpPr txBox="1"/>
+          <p:nvPr/>
+        </p:nvSpPr>
+        <p:spPr>
+          <a:xfrm>
+            <a:off x="937806" y="238381"/>
+            <a:ext cx="2979535" cy="461665"/>
           </a:xfrm>
           <a:prstGeom prst="rect">
             <a:avLst/>
@@ -6750,12 +10006,12 @@
           <a:p>
             <a:pPr algn="ctr"/>
             <a:r>
-              <a:rPr lang="en-AU" b="1" dirty="0">
+              <a:rPr lang="en-AU" sz="2400" b="1" dirty="0">
                 <a:solidFill>
-                  <a:srgbClr val="0070C0"/>
+                  <a:srgbClr val="FF9966"/>
                 </a:solidFill>
               </a:rPr>
-              <a:t>Random forest results</a:t>
+              <a:t>Random Forest Result</a:t>
             </a:r>
           </a:p>
         </p:txBody>
@@ -6937,7 +10193,254 @@
 </p:sld>
 </file>
 
-<file path=ppt/slides/slide3.xml><?xml version="1.0" encoding="utf-8"?>
+<file path=ppt/slides/slide5.xml><?xml version="1.0" encoding="utf-8"?>
+<p:sld xmlns:a="http://schemas.openxmlformats.org/drawingml/2006/main" xmlns:r="http://schemas.openxmlformats.org/officeDocument/2006/relationships" xmlns:p="http://schemas.openxmlformats.org/presentationml/2006/main">
+  <p:cSld>
+    <p:spTree>
+      <p:nvGrpSpPr>
+        <p:cNvPr id="1" name=""/>
+        <p:cNvGrpSpPr/>
+        <p:nvPr/>
+      </p:nvGrpSpPr>
+      <p:grpSpPr>
+        <a:xfrm>
+          <a:off x="0" y="0"/>
+          <a:ext cx="0" cy="0"/>
+          <a:chOff x="0" y="0"/>
+          <a:chExt cx="0" cy="0"/>
+        </a:xfrm>
+      </p:grpSpPr>
+      <p:pic>
+        <p:nvPicPr>
+          <p:cNvPr id="3" name="Picture 2" descr="Chart, bubble chart&#10;&#10;Description automatically generated">
+            <a:extLst>
+              <a:ext uri="{FF2B5EF4-FFF2-40B4-BE49-F238E27FC236}">
+                <a16:creationId xmlns:a16="http://schemas.microsoft.com/office/drawing/2014/main" id="{9CD2AC79-DC7E-59D3-864D-9E54B4BC5481}"/>
+              </a:ext>
+            </a:extLst>
+          </p:cNvPr>
+          <p:cNvPicPr>
+            <a:picLocks noChangeAspect="1"/>
+          </p:cNvPicPr>
+          <p:nvPr/>
+        </p:nvPicPr>
+        <p:blipFill>
+          <a:blip r:embed="rId3">
+            <a:extLst>
+              <a:ext uri="{28A0092B-C50C-407E-A947-70E740481C1C}">
+                <a14:useLocalDpi xmlns:a14="http://schemas.microsoft.com/office/drawing/2010/main" val="0"/>
+              </a:ext>
+            </a:extLst>
+          </a:blip>
+          <a:stretch>
+            <a:fillRect/>
+          </a:stretch>
+        </p:blipFill>
+        <p:spPr>
+          <a:xfrm>
+            <a:off x="483473" y="1193468"/>
+            <a:ext cx="5567930" cy="4051194"/>
+          </a:xfrm>
+          <a:prstGeom prst="rect">
+            <a:avLst/>
+          </a:prstGeom>
+        </p:spPr>
+      </p:pic>
+      <p:sp>
+        <p:nvSpPr>
+          <p:cNvPr id="4" name="TextBox 3">
+            <a:extLst>
+              <a:ext uri="{FF2B5EF4-FFF2-40B4-BE49-F238E27FC236}">
+                <a16:creationId xmlns:a16="http://schemas.microsoft.com/office/drawing/2014/main" id="{8E7AC20C-48BC-C7FD-F360-C4E21BB13C17}"/>
+              </a:ext>
+            </a:extLst>
+          </p:cNvPr>
+          <p:cNvSpPr txBox="1"/>
+          <p:nvPr/>
+        </p:nvSpPr>
+        <p:spPr>
+          <a:xfrm>
+            <a:off x="2039577" y="824136"/>
+            <a:ext cx="2595582" cy="400110"/>
+          </a:xfrm>
+          <a:prstGeom prst="rect">
+            <a:avLst/>
+          </a:prstGeom>
+          <a:noFill/>
+        </p:spPr>
+        <p:txBody>
+          <a:bodyPr wrap="none" rtlCol="0">
+            <a:spAutoFit/>
+          </a:bodyPr>
+          <a:lstStyle/>
+          <a:p>
+            <a:r>
+              <a:rPr lang="en-AU" sz="2000" b="1" dirty="0">
+                <a:solidFill>
+                  <a:srgbClr val="FF9966"/>
+                </a:solidFill>
+              </a:rPr>
+              <a:t>Prevalence of diabetes</a:t>
+            </a:r>
+          </a:p>
+        </p:txBody>
+      </p:sp>
+      <p:sp>
+        <p:nvSpPr>
+          <p:cNvPr id="6" name="TextBox 5">
+            <a:extLst>
+              <a:ext uri="{FF2B5EF4-FFF2-40B4-BE49-F238E27FC236}">
+                <a16:creationId xmlns:a16="http://schemas.microsoft.com/office/drawing/2014/main" id="{5604712A-E5C7-77EE-5301-BCD9466130EF}"/>
+              </a:ext>
+            </a:extLst>
+          </p:cNvPr>
+          <p:cNvSpPr txBox="1"/>
+          <p:nvPr/>
+        </p:nvSpPr>
+        <p:spPr>
+          <a:xfrm>
+            <a:off x="6096000" y="1468848"/>
+            <a:ext cx="5381297" cy="3416320"/>
+          </a:xfrm>
+          <a:prstGeom prst="rect">
+            <a:avLst/>
+          </a:prstGeom>
+          <a:noFill/>
+        </p:spPr>
+        <p:txBody>
+          <a:bodyPr wrap="square">
+            <a:spAutoFit/>
+          </a:bodyPr>
+          <a:lstStyle/>
+          <a:p>
+            <a:pPr marL="285750" indent="-285750">
+              <a:buFont typeface="Arial" panose="020B0604020202020204" pitchFamily="34" charset="0"/>
+              <a:buChar char="•"/>
+            </a:pPr>
+            <a:r>
+              <a:rPr lang="en-US" b="0" i="0" dirty="0">
+                <a:effectLst/>
+                <a:latin typeface="Arial" panose="020B0604020202020204" pitchFamily="34" charset="0"/>
+              </a:rPr>
+              <a:t>Hospitalized diabetes patients have a </a:t>
+            </a:r>
+            <a:r>
+              <a:rPr lang="en-US" b="1" i="0" dirty="0">
+                <a:solidFill>
+                  <a:srgbClr val="FF9966"/>
+                </a:solidFill>
+                <a:effectLst/>
+                <a:latin typeface="Arial" panose="020B0604020202020204" pitchFamily="34" charset="0"/>
+              </a:rPr>
+              <a:t>higher risk of hospital readmission</a:t>
+            </a:r>
+            <a:r>
+              <a:rPr lang="en-US" b="0" i="0" dirty="0">
+                <a:effectLst/>
+                <a:latin typeface="Arial" panose="020B0604020202020204" pitchFamily="34" charset="0"/>
+              </a:rPr>
+              <a:t>.</a:t>
+            </a:r>
+          </a:p>
+          <a:p>
+            <a:pPr marL="285750" indent="-285750">
+              <a:buFont typeface="Arial" panose="020B0604020202020204" pitchFamily="34" charset="0"/>
+              <a:buChar char="•"/>
+            </a:pPr>
+            <a:endParaRPr lang="en-US" b="0" i="0" dirty="0">
+              <a:effectLst/>
+              <a:latin typeface="Arial" panose="020B0604020202020204" pitchFamily="34" charset="0"/>
+            </a:endParaRPr>
+          </a:p>
+          <a:p>
+            <a:pPr marL="285750" indent="-285750">
+              <a:buFont typeface="Arial" panose="020B0604020202020204" pitchFamily="34" charset="0"/>
+              <a:buChar char="•"/>
+            </a:pPr>
+            <a:endParaRPr lang="en-US" dirty="0">
+              <a:latin typeface="Arial" panose="020B0604020202020204" pitchFamily="34" charset="0"/>
+            </a:endParaRPr>
+          </a:p>
+          <a:p>
+            <a:pPr marL="285750" indent="-285750">
+              <a:buFont typeface="Arial" panose="020B0604020202020204" pitchFamily="34" charset="0"/>
+              <a:buChar char="•"/>
+            </a:pPr>
+            <a:r>
+              <a:rPr lang="en-US" b="0" i="0" dirty="0">
+                <a:effectLst/>
+                <a:latin typeface="Arial" panose="020B0604020202020204" pitchFamily="34" charset="0"/>
+              </a:rPr>
+              <a:t>This generates significant burden to the patients and the health care system.</a:t>
+            </a:r>
+          </a:p>
+          <a:p>
+            <a:pPr marL="285750" indent="-285750">
+              <a:buFont typeface="Arial" panose="020B0604020202020204" pitchFamily="34" charset="0"/>
+              <a:buChar char="•"/>
+            </a:pPr>
+            <a:endParaRPr lang="en-US" b="0" i="0" dirty="0">
+              <a:effectLst/>
+              <a:latin typeface="Arial" panose="020B0604020202020204" pitchFamily="34" charset="0"/>
+            </a:endParaRPr>
+          </a:p>
+          <a:p>
+            <a:pPr marL="285750" indent="-285750">
+              <a:buFont typeface="Arial" panose="020B0604020202020204" pitchFamily="34" charset="0"/>
+              <a:buChar char="•"/>
+            </a:pPr>
+            <a:endParaRPr lang="en-US" dirty="0">
+              <a:latin typeface="Arial" panose="020B0604020202020204" pitchFamily="34" charset="0"/>
+            </a:endParaRPr>
+          </a:p>
+          <a:p>
+            <a:pPr marL="285750" indent="-285750">
+              <a:buFont typeface="Arial" panose="020B0604020202020204" pitchFamily="34" charset="0"/>
+              <a:buChar char="•"/>
+            </a:pPr>
+            <a:r>
+              <a:rPr lang="en-US" b="0" i="0" dirty="0">
+                <a:effectLst/>
+                <a:latin typeface="Arial" panose="020B0604020202020204" pitchFamily="34" charset="0"/>
+              </a:rPr>
+              <a:t>Identifying this group of patients will improve the management of the high readmission rate.</a:t>
+            </a:r>
+          </a:p>
+          <a:p>
+            <a:pPr marL="285750" indent="-285750">
+              <a:buFont typeface="Arial" panose="020B0604020202020204" pitchFamily="34" charset="0"/>
+              <a:buChar char="•"/>
+            </a:pPr>
+            <a:endParaRPr lang="en-US" dirty="0">
+              <a:latin typeface="Arial" panose="020B0604020202020204" pitchFamily="34" charset="0"/>
+            </a:endParaRPr>
+          </a:p>
+          <a:p>
+            <a:pPr marL="285750" indent="-285750">
+              <a:buFont typeface="Arial" panose="020B0604020202020204" pitchFamily="34" charset="0"/>
+              <a:buChar char="•"/>
+            </a:pPr>
+            <a:endParaRPr lang="en-US" b="0" i="0" dirty="0">
+              <a:effectLst/>
+              <a:latin typeface="Arial" panose="020B0604020202020204" pitchFamily="34" charset="0"/>
+            </a:endParaRPr>
+          </a:p>
+        </p:txBody>
+      </p:sp>
+    </p:spTree>
+    <p:extLst>
+      <p:ext uri="{BB962C8B-B14F-4D97-AF65-F5344CB8AC3E}">
+        <p14:creationId xmlns:p14="http://schemas.microsoft.com/office/powerpoint/2010/main" val="1249087820"/>
+      </p:ext>
+    </p:extLst>
+  </p:cSld>
+  <p:clrMapOvr>
+    <a:masterClrMapping/>
+  </p:clrMapOvr>
+</p:sld>
+</file>
+
+<file path=ppt/slides/slide6.xml><?xml version="1.0" encoding="utf-8"?>
 <p:sld xmlns:a="http://schemas.openxmlformats.org/drawingml/2006/main" xmlns:r="http://schemas.openxmlformats.org/officeDocument/2006/relationships" xmlns:p="http://schemas.openxmlformats.org/presentationml/2006/main">
   <p:cSld>
     <p:spTree>
@@ -7153,7 +10656,7 @@
 </p:sld>
 </file>
 
-<file path=ppt/slides/slide4.xml><?xml version="1.0" encoding="utf-8"?>
+<file path=ppt/slides/slide7.xml><?xml version="1.0" encoding="utf-8"?>
 <p:sld xmlns:a="http://schemas.openxmlformats.org/drawingml/2006/main" xmlns:r="http://schemas.openxmlformats.org/officeDocument/2006/relationships" xmlns:p="http://schemas.openxmlformats.org/presentationml/2006/main">
   <p:cSld>
     <p:spTree>
@@ -7597,7 +11100,7 @@
 </p:sld>
 </file>
 
-<file path=ppt/slides/slide5.xml><?xml version="1.0" encoding="utf-8"?>
+<file path=ppt/slides/slide8.xml><?xml version="1.0" encoding="utf-8"?>
 <p:sld xmlns:a="http://schemas.openxmlformats.org/drawingml/2006/main" xmlns:r="http://schemas.openxmlformats.org/officeDocument/2006/relationships" xmlns:p="http://schemas.openxmlformats.org/presentationml/2006/main">
   <p:cSld>
     <p:spTree>
@@ -8145,7 +11648,7 @@
 </p:sld>
 </file>
 
-<file path=ppt/slides/slide6.xml><?xml version="1.0" encoding="utf-8"?>
+<file path=ppt/slides/slide9.xml><?xml version="1.0" encoding="utf-8"?>
 <p:sld xmlns:a="http://schemas.openxmlformats.org/drawingml/2006/main" xmlns:r="http://schemas.openxmlformats.org/officeDocument/2006/relationships" xmlns:p="http://schemas.openxmlformats.org/presentationml/2006/main">
   <p:cSld>
     <p:spTree>
@@ -8566,802 +12069,6 @@
     <p:extLst>
       <p:ext uri="{BB962C8B-B14F-4D97-AF65-F5344CB8AC3E}">
         <p14:creationId xmlns:p14="http://schemas.microsoft.com/office/powerpoint/2010/main" val="2898526614"/>
-      </p:ext>
-    </p:extLst>
-  </p:cSld>
-  <p:clrMapOvr>
-    <a:masterClrMapping/>
-  </p:clrMapOvr>
-</p:sld>
-</file>
-
-<file path=ppt/slides/slide7.xml><?xml version="1.0" encoding="utf-8"?>
-<p:sld xmlns:a="http://schemas.openxmlformats.org/drawingml/2006/main" xmlns:r="http://schemas.openxmlformats.org/officeDocument/2006/relationships" xmlns:p="http://schemas.openxmlformats.org/presentationml/2006/main">
-  <p:cSld>
-    <p:spTree>
-      <p:nvGrpSpPr>
-        <p:cNvPr id="1" name=""/>
-        <p:cNvGrpSpPr/>
-        <p:nvPr/>
-      </p:nvGrpSpPr>
-      <p:grpSpPr>
-        <a:xfrm>
-          <a:off x="0" y="0"/>
-          <a:ext cx="0" cy="0"/>
-          <a:chOff x="0" y="0"/>
-          <a:chExt cx="0" cy="0"/>
-        </a:xfrm>
-      </p:grpSpPr>
-      <p:pic>
-        <p:nvPicPr>
-          <p:cNvPr id="3" name="Picture 2">
-            <a:extLst>
-              <a:ext uri="{FF2B5EF4-FFF2-40B4-BE49-F238E27FC236}">
-                <a16:creationId xmlns:a16="http://schemas.microsoft.com/office/drawing/2014/main" id="{2B618FA2-E63C-3A07-34A2-EBD61F8DA83F}"/>
-              </a:ext>
-            </a:extLst>
-          </p:cNvPr>
-          <p:cNvPicPr>
-            <a:picLocks noChangeAspect="1"/>
-          </p:cNvPicPr>
-          <p:nvPr/>
-        </p:nvPicPr>
-        <p:blipFill>
-          <a:blip r:embed="rId3"/>
-          <a:stretch>
-            <a:fillRect/>
-          </a:stretch>
-        </p:blipFill>
-        <p:spPr>
-          <a:xfrm>
-            <a:off x="4564227" y="564866"/>
-            <a:ext cx="3679648" cy="6022706"/>
-          </a:xfrm>
-          <a:prstGeom prst="rect">
-            <a:avLst/>
-          </a:prstGeom>
-        </p:spPr>
-      </p:pic>
-      <p:sp>
-        <p:nvSpPr>
-          <p:cNvPr id="4" name="TextBox 3">
-            <a:extLst>
-              <a:ext uri="{FF2B5EF4-FFF2-40B4-BE49-F238E27FC236}">
-                <a16:creationId xmlns:a16="http://schemas.microsoft.com/office/drawing/2014/main" id="{9B22A4F4-82AE-238B-8EEC-1328643BA6A5}"/>
-              </a:ext>
-            </a:extLst>
-          </p:cNvPr>
-          <p:cNvSpPr txBox="1"/>
-          <p:nvPr/>
-        </p:nvSpPr>
-        <p:spPr>
-          <a:xfrm>
-            <a:off x="4536559" y="141767"/>
-            <a:ext cx="3297742" cy="461665"/>
-          </a:xfrm>
-          <a:prstGeom prst="rect">
-            <a:avLst/>
-          </a:prstGeom>
-          <a:noFill/>
-        </p:spPr>
-        <p:txBody>
-          <a:bodyPr wrap="square" rtlCol="0">
-            <a:spAutoFit/>
-          </a:bodyPr>
-          <a:lstStyle/>
-          <a:p>
-            <a:pPr algn="ctr"/>
-            <a:r>
-              <a:rPr lang="en-AU" sz="2400" b="1" dirty="0">
-                <a:solidFill>
-                  <a:srgbClr val="C00000"/>
-                </a:solidFill>
-              </a:rPr>
-              <a:t>Feature selection</a:t>
-            </a:r>
-          </a:p>
-        </p:txBody>
-      </p:sp>
-      <p:grpSp>
-        <p:nvGrpSpPr>
-          <p:cNvPr id="5" name="Group 4">
-            <a:extLst>
-              <a:ext uri="{FF2B5EF4-FFF2-40B4-BE49-F238E27FC236}">
-                <a16:creationId xmlns:a16="http://schemas.microsoft.com/office/drawing/2014/main" id="{B5006FE8-05B3-E716-C78C-4F80D6E9F827}"/>
-              </a:ext>
-            </a:extLst>
-          </p:cNvPr>
-          <p:cNvGrpSpPr/>
-          <p:nvPr/>
-        </p:nvGrpSpPr>
-        <p:grpSpPr>
-          <a:xfrm>
-            <a:off x="322223" y="564866"/>
-            <a:ext cx="4042341" cy="5984140"/>
-            <a:chOff x="9675775" y="2"/>
-            <a:chExt cx="3610932" cy="5619562"/>
-          </a:xfrm>
-        </p:grpSpPr>
-        <p:pic>
-          <p:nvPicPr>
-            <p:cNvPr id="6" name="Picture 5">
-              <a:extLst>
-                <a:ext uri="{FF2B5EF4-FFF2-40B4-BE49-F238E27FC236}">
-                  <a16:creationId xmlns:a16="http://schemas.microsoft.com/office/drawing/2014/main" id="{57B95738-8F2E-DB10-9649-674117359F40}"/>
-                </a:ext>
-              </a:extLst>
-            </p:cNvPr>
-            <p:cNvPicPr>
-              <a:picLocks noChangeAspect="1"/>
-            </p:cNvPicPr>
-            <p:nvPr/>
-          </p:nvPicPr>
-          <p:blipFill>
-            <a:blip r:embed="rId4"/>
-            <a:stretch>
-              <a:fillRect/>
-            </a:stretch>
-          </p:blipFill>
-          <p:spPr>
-            <a:xfrm>
-              <a:off x="9675775" y="2"/>
-              <a:ext cx="3610932" cy="5619562"/>
-            </a:xfrm>
-            <a:prstGeom prst="rect">
-              <a:avLst/>
-            </a:prstGeom>
-          </p:spPr>
-        </p:pic>
-        <p:cxnSp>
-          <p:nvCxnSpPr>
-            <p:cNvPr id="7" name="Straight Connector 6">
-              <a:extLst>
-                <a:ext uri="{FF2B5EF4-FFF2-40B4-BE49-F238E27FC236}">
-                  <a16:creationId xmlns:a16="http://schemas.microsoft.com/office/drawing/2014/main" id="{6AD69A5E-A29D-0A87-A5CD-3042915AA24F}"/>
-                </a:ext>
-              </a:extLst>
-            </p:cNvPr>
-            <p:cNvCxnSpPr>
-              <a:cxnSpLocks/>
-            </p:cNvCxnSpPr>
-            <p:nvPr/>
-          </p:nvCxnSpPr>
-          <p:spPr>
-            <a:xfrm>
-              <a:off x="9940255" y="4278536"/>
-              <a:ext cx="3118627" cy="0"/>
-            </a:xfrm>
-            <a:prstGeom prst="line">
-              <a:avLst/>
-            </a:prstGeom>
-          </p:spPr>
-          <p:style>
-            <a:lnRef idx="1">
-              <a:schemeClr val="accent4"/>
-            </a:lnRef>
-            <a:fillRef idx="0">
-              <a:schemeClr val="accent4"/>
-            </a:fillRef>
-            <a:effectRef idx="0">
-              <a:schemeClr val="accent4"/>
-            </a:effectRef>
-            <a:fontRef idx="minor">
-              <a:schemeClr val="tx1"/>
-            </a:fontRef>
-          </p:style>
-        </p:cxnSp>
-        <p:cxnSp>
-          <p:nvCxnSpPr>
-            <p:cNvPr id="8" name="Straight Connector 7">
-              <a:extLst>
-                <a:ext uri="{FF2B5EF4-FFF2-40B4-BE49-F238E27FC236}">
-                  <a16:creationId xmlns:a16="http://schemas.microsoft.com/office/drawing/2014/main" id="{7AAA2F1B-B9AD-8EC5-BB80-1A9E5914D917}"/>
-                </a:ext>
-              </a:extLst>
-            </p:cNvPr>
-            <p:cNvCxnSpPr>
-              <a:cxnSpLocks/>
-            </p:cNvCxnSpPr>
-            <p:nvPr/>
-          </p:nvCxnSpPr>
-          <p:spPr>
-            <a:xfrm>
-              <a:off x="10834892" y="2887460"/>
-              <a:ext cx="936832" cy="0"/>
-            </a:xfrm>
-            <a:prstGeom prst="line">
-              <a:avLst/>
-            </a:prstGeom>
-          </p:spPr>
-          <p:style>
-            <a:lnRef idx="1">
-              <a:schemeClr val="accent4"/>
-            </a:lnRef>
-            <a:fillRef idx="0">
-              <a:schemeClr val="accent4"/>
-            </a:fillRef>
-            <a:effectRef idx="0">
-              <a:schemeClr val="accent4"/>
-            </a:effectRef>
-            <a:fontRef idx="minor">
-              <a:schemeClr val="tx1"/>
-            </a:fontRef>
-          </p:style>
-        </p:cxnSp>
-        <p:sp>
-          <p:nvSpPr>
-            <p:cNvPr id="9" name="TextBox 8">
-              <a:extLst>
-                <a:ext uri="{FF2B5EF4-FFF2-40B4-BE49-F238E27FC236}">
-                  <a16:creationId xmlns:a16="http://schemas.microsoft.com/office/drawing/2014/main" id="{B69B506A-991E-63C6-A8D0-8A0E377FD4B5}"/>
-                </a:ext>
-              </a:extLst>
-            </p:cNvPr>
-            <p:cNvSpPr txBox="1"/>
-            <p:nvPr/>
-          </p:nvSpPr>
-          <p:spPr>
-            <a:xfrm>
-              <a:off x="11664049" y="33411"/>
-              <a:ext cx="1113180" cy="346831"/>
-            </a:xfrm>
-            <a:prstGeom prst="rect">
-              <a:avLst/>
-            </a:prstGeom>
-            <a:noFill/>
-          </p:spPr>
-          <p:txBody>
-            <a:bodyPr wrap="none" rtlCol="0">
-              <a:spAutoFit/>
-            </a:bodyPr>
-            <a:lstStyle/>
-            <a:p>
-              <a:r>
-                <a:rPr lang="en-AU" dirty="0">
-                  <a:solidFill>
-                    <a:srgbClr val="FF0000"/>
-                  </a:solidFill>
-                </a:rPr>
-                <a:t>All features</a:t>
-              </a:r>
-            </a:p>
-          </p:txBody>
-        </p:sp>
-      </p:grpSp>
-      <p:sp>
-        <p:nvSpPr>
-          <p:cNvPr id="10" name="TextBox 9">
-            <a:extLst>
-              <a:ext uri="{FF2B5EF4-FFF2-40B4-BE49-F238E27FC236}">
-                <a16:creationId xmlns:a16="http://schemas.microsoft.com/office/drawing/2014/main" id="{C2BFDD42-F20E-CFAA-9A1E-B2E9B549B194}"/>
-              </a:ext>
-            </a:extLst>
-          </p:cNvPr>
-          <p:cNvSpPr txBox="1"/>
-          <p:nvPr/>
-        </p:nvSpPr>
-        <p:spPr>
-          <a:xfrm>
-            <a:off x="6185430" y="614102"/>
-            <a:ext cx="1517082" cy="369332"/>
-          </a:xfrm>
-          <a:prstGeom prst="rect">
-            <a:avLst/>
-          </a:prstGeom>
-          <a:noFill/>
-        </p:spPr>
-        <p:txBody>
-          <a:bodyPr wrap="none" rtlCol="0">
-            <a:spAutoFit/>
-          </a:bodyPr>
-          <a:lstStyle/>
-          <a:p>
-            <a:r>
-              <a:rPr lang="en-AU" dirty="0">
-                <a:solidFill>
-                  <a:srgbClr val="FF0000"/>
-                </a:solidFill>
-              </a:rPr>
-              <a:t>Lasso features</a:t>
-            </a:r>
-          </a:p>
-        </p:txBody>
-      </p:sp>
-      <p:cxnSp>
-        <p:nvCxnSpPr>
-          <p:cNvPr id="11" name="Straight Connector 10">
-            <a:extLst>
-              <a:ext uri="{FF2B5EF4-FFF2-40B4-BE49-F238E27FC236}">
-                <a16:creationId xmlns:a16="http://schemas.microsoft.com/office/drawing/2014/main" id="{605992D6-DABF-BF19-22CD-B8437AF9B7C8}"/>
-              </a:ext>
-            </a:extLst>
-          </p:cNvPr>
-          <p:cNvCxnSpPr>
-            <a:cxnSpLocks/>
-          </p:cNvCxnSpPr>
-          <p:nvPr/>
-        </p:nvCxnSpPr>
-        <p:spPr>
-          <a:xfrm>
-            <a:off x="4624548" y="5159248"/>
-            <a:ext cx="3491219" cy="0"/>
-          </a:xfrm>
-          <a:prstGeom prst="line">
-            <a:avLst/>
-          </a:prstGeom>
-        </p:spPr>
-        <p:style>
-          <a:lnRef idx="1">
-            <a:schemeClr val="accent4"/>
-          </a:lnRef>
-          <a:fillRef idx="0">
-            <a:schemeClr val="accent4"/>
-          </a:fillRef>
-          <a:effectRef idx="0">
-            <a:schemeClr val="accent4"/>
-          </a:effectRef>
-          <a:fontRef idx="minor">
-            <a:schemeClr val="tx1"/>
-          </a:fontRef>
-        </p:style>
-      </p:cxnSp>
-      <p:cxnSp>
-        <p:nvCxnSpPr>
-          <p:cNvPr id="12" name="Straight Connector 11">
-            <a:extLst>
-              <a:ext uri="{FF2B5EF4-FFF2-40B4-BE49-F238E27FC236}">
-                <a16:creationId xmlns:a16="http://schemas.microsoft.com/office/drawing/2014/main" id="{70ACD0BF-A0E1-18A7-30AC-BFE0157AD0D8}"/>
-              </a:ext>
-            </a:extLst>
-          </p:cNvPr>
-          <p:cNvCxnSpPr>
-            <a:cxnSpLocks/>
-          </p:cNvCxnSpPr>
-          <p:nvPr/>
-        </p:nvCxnSpPr>
-        <p:spPr>
-          <a:xfrm>
-            <a:off x="5716467" y="3699691"/>
-            <a:ext cx="1048758" cy="0"/>
-          </a:xfrm>
-          <a:prstGeom prst="line">
-            <a:avLst/>
-          </a:prstGeom>
-        </p:spPr>
-        <p:style>
-          <a:lnRef idx="1">
-            <a:schemeClr val="accent4"/>
-          </a:lnRef>
-          <a:fillRef idx="0">
-            <a:schemeClr val="accent4"/>
-          </a:fillRef>
-          <a:effectRef idx="0">
-            <a:schemeClr val="accent4"/>
-          </a:effectRef>
-          <a:fontRef idx="minor">
-            <a:schemeClr val="tx1"/>
-          </a:fontRef>
-        </p:style>
-      </p:cxnSp>
-      <p:cxnSp>
-        <p:nvCxnSpPr>
-          <p:cNvPr id="13" name="Straight Connector 12">
-            <a:extLst>
-              <a:ext uri="{FF2B5EF4-FFF2-40B4-BE49-F238E27FC236}">
-                <a16:creationId xmlns:a16="http://schemas.microsoft.com/office/drawing/2014/main" id="{33A85E0C-185B-DB51-0908-2FA76691A021}"/>
-              </a:ext>
-            </a:extLst>
-          </p:cNvPr>
-          <p:cNvCxnSpPr>
-            <a:cxnSpLocks/>
-          </p:cNvCxnSpPr>
-          <p:nvPr/>
-        </p:nvCxnSpPr>
-        <p:spPr>
-          <a:xfrm>
-            <a:off x="4788213" y="2355800"/>
-            <a:ext cx="2582405" cy="0"/>
-          </a:xfrm>
-          <a:prstGeom prst="line">
-            <a:avLst/>
-          </a:prstGeom>
-        </p:spPr>
-        <p:style>
-          <a:lnRef idx="1">
-            <a:schemeClr val="accent4"/>
-          </a:lnRef>
-          <a:fillRef idx="0">
-            <a:schemeClr val="accent4"/>
-          </a:fillRef>
-          <a:effectRef idx="0">
-            <a:schemeClr val="accent4"/>
-          </a:effectRef>
-          <a:fontRef idx="minor">
-            <a:schemeClr val="tx1"/>
-          </a:fontRef>
-        </p:style>
-      </p:cxnSp>
-      <p:cxnSp>
-        <p:nvCxnSpPr>
-          <p:cNvPr id="15" name="Straight Connector 14">
-            <a:extLst>
-              <a:ext uri="{FF2B5EF4-FFF2-40B4-BE49-F238E27FC236}">
-                <a16:creationId xmlns:a16="http://schemas.microsoft.com/office/drawing/2014/main" id="{4BBDD65D-6DA9-5961-41D9-31F981E0628E}"/>
-              </a:ext>
-            </a:extLst>
-          </p:cNvPr>
-          <p:cNvCxnSpPr>
-            <a:cxnSpLocks/>
-          </p:cNvCxnSpPr>
-          <p:nvPr/>
-        </p:nvCxnSpPr>
-        <p:spPr>
-          <a:xfrm>
-            <a:off x="687013" y="2304998"/>
-            <a:ext cx="2582405" cy="0"/>
-          </a:xfrm>
-          <a:prstGeom prst="line">
-            <a:avLst/>
-          </a:prstGeom>
-        </p:spPr>
-        <p:style>
-          <a:lnRef idx="1">
-            <a:schemeClr val="accent4"/>
-          </a:lnRef>
-          <a:fillRef idx="0">
-            <a:schemeClr val="accent4"/>
-          </a:fillRef>
-          <a:effectRef idx="0">
-            <a:schemeClr val="accent4"/>
-          </a:effectRef>
-          <a:fontRef idx="minor">
-            <a:schemeClr val="tx1"/>
-          </a:fontRef>
-        </p:style>
-      </p:cxnSp>
-      <p:pic>
-        <p:nvPicPr>
-          <p:cNvPr id="17" name="Picture 16">
-            <a:extLst>
-              <a:ext uri="{FF2B5EF4-FFF2-40B4-BE49-F238E27FC236}">
-                <a16:creationId xmlns:a16="http://schemas.microsoft.com/office/drawing/2014/main" id="{16F99CF3-FD70-9011-10B4-97670823461E}"/>
-              </a:ext>
-            </a:extLst>
-          </p:cNvPr>
-          <p:cNvPicPr>
-            <a:picLocks noChangeAspect="1"/>
-          </p:cNvPicPr>
-          <p:nvPr/>
-        </p:nvPicPr>
-        <p:blipFill>
-          <a:blip r:embed="rId5"/>
-          <a:stretch>
-            <a:fillRect/>
-          </a:stretch>
-        </p:blipFill>
-        <p:spPr>
-          <a:xfrm>
-            <a:off x="8374826" y="637828"/>
-            <a:ext cx="3581400" cy="3524250"/>
-          </a:xfrm>
-          <a:prstGeom prst="rect">
-            <a:avLst/>
-          </a:prstGeom>
-        </p:spPr>
-      </p:pic>
-      <p:sp>
-        <p:nvSpPr>
-          <p:cNvPr id="18" name="Star: 5 Points 17">
-            <a:extLst>
-              <a:ext uri="{FF2B5EF4-FFF2-40B4-BE49-F238E27FC236}">
-                <a16:creationId xmlns:a16="http://schemas.microsoft.com/office/drawing/2014/main" id="{7A996FD9-B06D-7B5E-1F90-9B1065C8091D}"/>
-              </a:ext>
-            </a:extLst>
-          </p:cNvPr>
-          <p:cNvSpPr/>
-          <p:nvPr/>
-        </p:nvSpPr>
-        <p:spPr>
-          <a:xfrm>
-            <a:off x="3690604" y="2963618"/>
-            <a:ext cx="492957" cy="393292"/>
-          </a:xfrm>
-          <a:prstGeom prst="star5">
-            <a:avLst/>
-          </a:prstGeom>
-          <a:solidFill>
-            <a:srgbClr val="FFFF00"/>
-          </a:solidFill>
-        </p:spPr>
-        <p:style>
-          <a:lnRef idx="2">
-            <a:schemeClr val="accent1">
-              <a:shade val="50000"/>
-            </a:schemeClr>
-          </a:lnRef>
-          <a:fillRef idx="1">
-            <a:schemeClr val="accent1"/>
-          </a:fillRef>
-          <a:effectRef idx="0">
-            <a:schemeClr val="accent1"/>
-          </a:effectRef>
-          <a:fontRef idx="minor">
-            <a:schemeClr val="lt1"/>
-          </a:fontRef>
-        </p:style>
-        <p:txBody>
-          <a:bodyPr rtlCol="0" anchor="ctr"/>
-          <a:lstStyle/>
-          <a:p>
-            <a:pPr algn="ctr"/>
-            <a:endParaRPr lang="en-AU"/>
-          </a:p>
-        </p:txBody>
-      </p:sp>
-    </p:spTree>
-    <p:extLst>
-      <p:ext uri="{BB962C8B-B14F-4D97-AF65-F5344CB8AC3E}">
-        <p14:creationId xmlns:p14="http://schemas.microsoft.com/office/powerpoint/2010/main" val="3673770867"/>
-      </p:ext>
-    </p:extLst>
-  </p:cSld>
-  <p:clrMapOvr>
-    <a:masterClrMapping/>
-  </p:clrMapOvr>
-</p:sld>
-</file>
-
-<file path=ppt/slides/slide8.xml><?xml version="1.0" encoding="utf-8"?>
-<p:sld xmlns:a="http://schemas.openxmlformats.org/drawingml/2006/main" xmlns:r="http://schemas.openxmlformats.org/officeDocument/2006/relationships" xmlns:p="http://schemas.openxmlformats.org/presentationml/2006/main">
-  <p:cSld>
-    <p:spTree>
-      <p:nvGrpSpPr>
-        <p:cNvPr id="1" name=""/>
-        <p:cNvGrpSpPr/>
-        <p:nvPr/>
-      </p:nvGrpSpPr>
-      <p:grpSpPr>
-        <a:xfrm>
-          <a:off x="0" y="0"/>
-          <a:ext cx="0" cy="0"/>
-          <a:chOff x="0" y="0"/>
-          <a:chExt cx="0" cy="0"/>
-        </a:xfrm>
-      </p:grpSpPr>
-      <p:pic>
-        <p:nvPicPr>
-          <p:cNvPr id="2" name="Picture 1">
-            <a:extLst>
-              <a:ext uri="{FF2B5EF4-FFF2-40B4-BE49-F238E27FC236}">
-                <a16:creationId xmlns:a16="http://schemas.microsoft.com/office/drawing/2014/main" id="{B60FB453-4D42-6789-21D4-6105C31C64F4}"/>
-              </a:ext>
-            </a:extLst>
-          </p:cNvPr>
-          <p:cNvPicPr>
-            <a:picLocks noChangeAspect="1"/>
-          </p:cNvPicPr>
-          <p:nvPr/>
-        </p:nvPicPr>
-        <p:blipFill>
-          <a:blip r:embed="rId2"/>
-          <a:stretch>
-            <a:fillRect/>
-          </a:stretch>
-        </p:blipFill>
-        <p:spPr>
-          <a:xfrm>
-            <a:off x="2480441" y="1139326"/>
-            <a:ext cx="6515100" cy="1314450"/>
-          </a:xfrm>
-          <a:prstGeom prst="rect">
-            <a:avLst/>
-          </a:prstGeom>
-        </p:spPr>
-      </p:pic>
-      <p:sp>
-        <p:nvSpPr>
-          <p:cNvPr id="3" name="TextBox 2">
-            <a:extLst>
-              <a:ext uri="{FF2B5EF4-FFF2-40B4-BE49-F238E27FC236}">
-                <a16:creationId xmlns:a16="http://schemas.microsoft.com/office/drawing/2014/main" id="{C5073089-D118-E6E6-054D-7D0DC13C863E}"/>
-              </a:ext>
-            </a:extLst>
-          </p:cNvPr>
-          <p:cNvSpPr txBox="1"/>
-          <p:nvPr/>
-        </p:nvSpPr>
-        <p:spPr>
-          <a:xfrm>
-            <a:off x="4273801" y="299423"/>
-            <a:ext cx="3297742" cy="461665"/>
-          </a:xfrm>
-          <a:prstGeom prst="rect">
-            <a:avLst/>
-          </a:prstGeom>
-          <a:noFill/>
-        </p:spPr>
-        <p:txBody>
-          <a:bodyPr wrap="square" rtlCol="0">
-            <a:spAutoFit/>
-          </a:bodyPr>
-          <a:lstStyle/>
-          <a:p>
-            <a:pPr algn="ctr"/>
-            <a:r>
-              <a:rPr lang="en-AU" sz="2400" b="1" dirty="0">
-                <a:solidFill>
-                  <a:srgbClr val="C00000"/>
-                </a:solidFill>
-              </a:rPr>
-              <a:t>Hyper-parameter tuning</a:t>
-            </a:r>
-          </a:p>
-        </p:txBody>
-      </p:sp>
-    </p:spTree>
-    <p:extLst>
-      <p:ext uri="{BB962C8B-B14F-4D97-AF65-F5344CB8AC3E}">
-        <p14:creationId xmlns:p14="http://schemas.microsoft.com/office/powerpoint/2010/main" val="2905983541"/>
-      </p:ext>
-    </p:extLst>
-  </p:cSld>
-  <p:clrMapOvr>
-    <a:masterClrMapping/>
-  </p:clrMapOvr>
-</p:sld>
-</file>
-
-<file path=ppt/slides/slide9.xml><?xml version="1.0" encoding="utf-8"?>
-<p:sld xmlns:a="http://schemas.openxmlformats.org/drawingml/2006/main" xmlns:r="http://schemas.openxmlformats.org/officeDocument/2006/relationships" xmlns:p="http://schemas.openxmlformats.org/presentationml/2006/main">
-  <p:cSld>
-    <p:spTree>
-      <p:nvGrpSpPr>
-        <p:cNvPr id="1" name=""/>
-        <p:cNvGrpSpPr/>
-        <p:nvPr/>
-      </p:nvGrpSpPr>
-      <p:grpSpPr>
-        <a:xfrm>
-          <a:off x="0" y="0"/>
-          <a:ext cx="0" cy="0"/>
-          <a:chOff x="0" y="0"/>
-          <a:chExt cx="0" cy="0"/>
-        </a:xfrm>
-      </p:grpSpPr>
-      <p:sp>
-        <p:nvSpPr>
-          <p:cNvPr id="2" name="TextBox 1">
-            <a:extLst>
-              <a:ext uri="{FF2B5EF4-FFF2-40B4-BE49-F238E27FC236}">
-                <a16:creationId xmlns:a16="http://schemas.microsoft.com/office/drawing/2014/main" id="{488F5064-5026-7C4A-4806-D2FA34CE6E81}"/>
-              </a:ext>
-            </a:extLst>
-          </p:cNvPr>
-          <p:cNvSpPr txBox="1"/>
-          <p:nvPr/>
-        </p:nvSpPr>
-        <p:spPr>
-          <a:xfrm>
-            <a:off x="4273801" y="221897"/>
-            <a:ext cx="3297742" cy="461665"/>
-          </a:xfrm>
-          <a:prstGeom prst="rect">
-            <a:avLst/>
-          </a:prstGeom>
-          <a:noFill/>
-        </p:spPr>
-        <p:txBody>
-          <a:bodyPr wrap="square" rtlCol="0">
-            <a:spAutoFit/>
-          </a:bodyPr>
-          <a:lstStyle/>
-          <a:p>
-            <a:pPr algn="ctr"/>
-            <a:r>
-              <a:rPr lang="en-AU" sz="2400" b="1" dirty="0">
-                <a:solidFill>
-                  <a:srgbClr val="C00000"/>
-                </a:solidFill>
-              </a:rPr>
-              <a:t>Fitting and evaluation</a:t>
-            </a:r>
-          </a:p>
-        </p:txBody>
-      </p:sp>
-      <p:pic>
-        <p:nvPicPr>
-          <p:cNvPr id="3" name="Picture 2">
-            <a:extLst>
-              <a:ext uri="{FF2B5EF4-FFF2-40B4-BE49-F238E27FC236}">
-                <a16:creationId xmlns:a16="http://schemas.microsoft.com/office/drawing/2014/main" id="{85029BD3-1AA8-BE5C-004D-39B17D01F669}"/>
-              </a:ext>
-            </a:extLst>
-          </p:cNvPr>
-          <p:cNvPicPr>
-            <a:picLocks noChangeAspect="1"/>
-          </p:cNvPicPr>
-          <p:nvPr/>
-        </p:nvPicPr>
-        <p:blipFill>
-          <a:blip r:embed="rId2"/>
-          <a:stretch>
-            <a:fillRect/>
-          </a:stretch>
-        </p:blipFill>
-        <p:spPr>
-          <a:xfrm>
-            <a:off x="134664" y="683562"/>
-            <a:ext cx="5686091" cy="2011746"/>
-          </a:xfrm>
-          <a:prstGeom prst="rect">
-            <a:avLst/>
-          </a:prstGeom>
-        </p:spPr>
-      </p:pic>
-      <p:pic>
-        <p:nvPicPr>
-          <p:cNvPr id="4" name="Picture 3">
-            <a:extLst>
-              <a:ext uri="{FF2B5EF4-FFF2-40B4-BE49-F238E27FC236}">
-                <a16:creationId xmlns:a16="http://schemas.microsoft.com/office/drawing/2014/main" id="{F84C3AD2-DB2E-46FB-1085-FBA83A99528D}"/>
-              </a:ext>
-            </a:extLst>
-          </p:cNvPr>
-          <p:cNvPicPr>
-            <a:picLocks noChangeAspect="1"/>
-          </p:cNvPicPr>
-          <p:nvPr/>
-        </p:nvPicPr>
-        <p:blipFill>
-          <a:blip r:embed="rId3"/>
-          <a:stretch>
-            <a:fillRect/>
-          </a:stretch>
-        </p:blipFill>
-        <p:spPr>
-          <a:xfrm>
-            <a:off x="8215806" y="683562"/>
-            <a:ext cx="3524250" cy="3476625"/>
-          </a:xfrm>
-          <a:prstGeom prst="rect">
-            <a:avLst/>
-          </a:prstGeom>
-        </p:spPr>
-      </p:pic>
-      <p:pic>
-        <p:nvPicPr>
-          <p:cNvPr id="5" name="Picture 4">
-            <a:extLst>
-              <a:ext uri="{FF2B5EF4-FFF2-40B4-BE49-F238E27FC236}">
-                <a16:creationId xmlns:a16="http://schemas.microsoft.com/office/drawing/2014/main" id="{86B89BBB-5961-D50F-12D8-9471EB983E11}"/>
-              </a:ext>
-            </a:extLst>
-          </p:cNvPr>
-          <p:cNvPicPr>
-            <a:picLocks noChangeAspect="1"/>
-          </p:cNvPicPr>
-          <p:nvPr/>
-        </p:nvPicPr>
-        <p:blipFill>
-          <a:blip r:embed="rId4"/>
-          <a:stretch>
-            <a:fillRect/>
-          </a:stretch>
-        </p:blipFill>
-        <p:spPr>
-          <a:xfrm>
-            <a:off x="4273801" y="2421874"/>
-            <a:ext cx="3893672" cy="4398251"/>
-          </a:xfrm>
-          <a:prstGeom prst="rect">
-            <a:avLst/>
-          </a:prstGeom>
-        </p:spPr>
-      </p:pic>
-    </p:spTree>
-    <p:extLst>
-      <p:ext uri="{BB962C8B-B14F-4D97-AF65-F5344CB8AC3E}">
-        <p14:creationId xmlns:p14="http://schemas.microsoft.com/office/powerpoint/2010/main" val="748735365"/>
       </p:ext>
     </p:extLst>
   </p:cSld>

--- a/Random forest code and result slides/Random forest  presentation slides and results.pptx
+++ b/Random forest code and result slides/Random forest  presentation slides and results.pptx
@@ -5,7 +5,7 @@
     <p:sldMasterId id="2147483648" r:id="rId1"/>
   </p:sldMasterIdLst>
   <p:notesMasterIdLst>
-    <p:notesMasterId r:id="rId14"/>
+    <p:notesMasterId r:id="rId15"/>
   </p:notesMasterIdLst>
   <p:sldIdLst>
     <p:sldId id="260" r:id="rId2"/>
@@ -14,12 +14,13 @@
     <p:sldId id="259" r:id="rId5"/>
     <p:sldId id="269" r:id="rId6"/>
     <p:sldId id="266" r:id="rId7"/>
-    <p:sldId id="258" r:id="rId8"/>
-    <p:sldId id="261" r:id="rId9"/>
-    <p:sldId id="262" r:id="rId10"/>
-    <p:sldId id="263" r:id="rId11"/>
-    <p:sldId id="264" r:id="rId12"/>
-    <p:sldId id="265" r:id="rId13"/>
+    <p:sldId id="270" r:id="rId8"/>
+    <p:sldId id="258" r:id="rId9"/>
+    <p:sldId id="261" r:id="rId10"/>
+    <p:sldId id="262" r:id="rId11"/>
+    <p:sldId id="263" r:id="rId12"/>
+    <p:sldId id="264" r:id="rId13"/>
+    <p:sldId id="265" r:id="rId14"/>
   </p:sldIdLst>
   <p:sldSz cx="12192000" cy="6858000"/>
   <p:notesSz cx="6858000" cy="9144000"/>
@@ -129,7 +130,7 @@
 <file path=ppt/revisionInfo.xml><?xml version="1.0" encoding="utf-8"?>
 <p1510:revInfo xmlns:a="http://schemas.openxmlformats.org/drawingml/2006/main" xmlns:r="http://schemas.openxmlformats.org/officeDocument/2006/relationships" xmlns:p1510="http://schemas.microsoft.com/office/powerpoint/2015/10/main">
   <p1510:revLst>
-    <p1510:client id="{B203C5AB-9EC4-41FA-9561-CCC90BC70909}" v="40" dt="2022-05-16T13:33:48.215"/>
+    <p1510:client id="{B203C5AB-9EC4-41FA-9561-CCC90BC70909}" v="42" dt="2022-05-16T23:38:55.038"/>
   </p1510:revLst>
 </p1510:revInfo>
 </file>
@@ -139,7 +140,7 @@
   <pc:docChgLst>
     <pc:chgData name="Hui Li" userId="ec3be2d1-c9fc-4ef5-8c05-8d8ca9dfaab4" providerId="ADAL" clId="{B203C5AB-9EC4-41FA-9561-CCC90BC70909}"/>
     <pc:docChg chg="undo custSel addSld modSld sldOrd">
-      <pc:chgData name="Hui Li" userId="ec3be2d1-c9fc-4ef5-8c05-8d8ca9dfaab4" providerId="ADAL" clId="{B203C5AB-9EC4-41FA-9561-CCC90BC70909}" dt="2022-05-16T13:40:52.850" v="1454" actId="207"/>
+      <pc:chgData name="Hui Li" userId="ec3be2d1-c9fc-4ef5-8c05-8d8ca9dfaab4" providerId="ADAL" clId="{B203C5AB-9EC4-41FA-9561-CCC90BC70909}" dt="2022-05-16T23:52:05.693" v="2582" actId="1076"/>
       <pc:docMkLst>
         <pc:docMk/>
       </pc:docMkLst>
@@ -576,6 +577,21 @@
             <ac:picMk id="3" creationId="{9CD2AC79-DC7E-59D3-864D-9E54B4BC5481}"/>
           </ac:picMkLst>
         </pc:picChg>
+      </pc:sldChg>
+      <pc:sldChg chg="addSp modSp new mod modNotesTx">
+        <pc:chgData name="Hui Li" userId="ec3be2d1-c9fc-4ef5-8c05-8d8ca9dfaab4" providerId="ADAL" clId="{B203C5AB-9EC4-41FA-9561-CCC90BC70909}" dt="2022-05-16T23:52:05.693" v="2582" actId="1076"/>
+        <pc:sldMkLst>
+          <pc:docMk/>
+          <pc:sldMk cId="4286772172" sldId="270"/>
+        </pc:sldMkLst>
+        <pc:spChg chg="add mod">
+          <ac:chgData name="Hui Li" userId="ec3be2d1-c9fc-4ef5-8c05-8d8ca9dfaab4" providerId="ADAL" clId="{B203C5AB-9EC4-41FA-9561-CCC90BC70909}" dt="2022-05-16T23:52:05.693" v="2582" actId="1076"/>
+          <ac:spMkLst>
+            <pc:docMk/>
+            <pc:sldMk cId="4286772172" sldId="270"/>
+            <ac:spMk id="2" creationId="{E07DC962-9DB4-DD35-E342-8A14ECC49DF8}"/>
+          </ac:spMkLst>
+        </pc:spChg>
       </pc:sldChg>
     </pc:docChg>
   </pc:docChgLst>
@@ -2126,7 +2142,7 @@
           <a:p>
             <a:fld id="{12DD2E4D-7FC5-441C-A7D7-F20F14AAA1B7}" type="datetimeFigureOut">
               <a:rPr lang="en-AU" smtClean="0"/>
-              <a:t>16/05/2022</a:t>
+              <a:t>17/05/2022</a:t>
             </a:fld>
             <a:endParaRPr lang="en-AU"/>
           </a:p>
@@ -2866,6 +2882,24 @@
           <a:bodyPr/>
           <a:lstStyle/>
           <a:p>
+            <a:r>
+              <a:rPr lang="en-AU" dirty="0"/>
+              <a:t>There are several ways we can improve the performance of the model. First, combine the two classes, patients readmitted within 30 days and  after 30 days, which have similar clinical meanings.</a:t>
+            </a:r>
+          </a:p>
+          <a:p>
+            <a:endParaRPr lang="en-AU" dirty="0"/>
+          </a:p>
+          <a:p>
+            <a:r>
+              <a:rPr lang="en-AU" dirty="0"/>
+              <a:t>Increase observation number, reduce categorical variable levels, adjust threshold for existing models, and try other classification algorithms.</a:t>
+            </a:r>
+          </a:p>
+          <a:p>
+            <a:endParaRPr lang="en-AU" dirty="0"/>
+          </a:p>
+          <a:p>
             <a:endParaRPr lang="en-AU" dirty="0"/>
           </a:p>
         </p:txBody>
@@ -2887,7 +2921,91 @@
           <a:p>
             <a:fld id="{7AFBF99F-B851-4A8F-8F4D-F3B0275C9B6F}" type="slidenum">
               <a:rPr lang="en-AU" smtClean="0"/>
-              <a:t>10</a:t>
+              <a:t>7</a:t>
+            </a:fld>
+            <a:endParaRPr lang="en-AU"/>
+          </a:p>
+        </p:txBody>
+      </p:sp>
+    </p:spTree>
+    <p:extLst>
+      <p:ext uri="{BB962C8B-B14F-4D97-AF65-F5344CB8AC3E}">
+        <p14:creationId xmlns:p14="http://schemas.microsoft.com/office/powerpoint/2010/main" val="86444416"/>
+      </p:ext>
+    </p:extLst>
+  </p:cSld>
+  <p:clrMapOvr>
+    <a:masterClrMapping/>
+  </p:clrMapOvr>
+</p:notes>
+</file>
+
+<file path=ppt/notesSlides/notesSlide6.xml><?xml version="1.0" encoding="utf-8"?>
+<p:notes xmlns:a="http://schemas.openxmlformats.org/drawingml/2006/main" xmlns:r="http://schemas.openxmlformats.org/officeDocument/2006/relationships" xmlns:p="http://schemas.openxmlformats.org/presentationml/2006/main">
+  <p:cSld>
+    <p:spTree>
+      <p:nvGrpSpPr>
+        <p:cNvPr id="1" name=""/>
+        <p:cNvGrpSpPr/>
+        <p:nvPr/>
+      </p:nvGrpSpPr>
+      <p:grpSpPr>
+        <a:xfrm>
+          <a:off x="0" y="0"/>
+          <a:ext cx="0" cy="0"/>
+          <a:chOff x="0" y="0"/>
+          <a:chExt cx="0" cy="0"/>
+        </a:xfrm>
+      </p:grpSpPr>
+      <p:sp>
+        <p:nvSpPr>
+          <p:cNvPr id="2" name="Slide Image Placeholder 1"/>
+          <p:cNvSpPr>
+            <a:spLocks noGrp="1" noRot="1" noChangeAspect="1"/>
+          </p:cNvSpPr>
+          <p:nvPr>
+            <p:ph type="sldImg"/>
+          </p:nvPr>
+        </p:nvSpPr>
+        <p:spPr/>
+      </p:sp>
+      <p:sp>
+        <p:nvSpPr>
+          <p:cNvPr id="3" name="Notes Placeholder 2"/>
+          <p:cNvSpPr>
+            <a:spLocks noGrp="1"/>
+          </p:cNvSpPr>
+          <p:nvPr>
+            <p:ph type="body" idx="1"/>
+          </p:nvPr>
+        </p:nvSpPr>
+        <p:spPr/>
+        <p:txBody>
+          <a:bodyPr/>
+          <a:lstStyle/>
+          <a:p>
+            <a:endParaRPr lang="en-AU" dirty="0"/>
+          </a:p>
+        </p:txBody>
+      </p:sp>
+      <p:sp>
+        <p:nvSpPr>
+          <p:cNvPr id="4" name="Slide Number Placeholder 3"/>
+          <p:cNvSpPr>
+            <a:spLocks noGrp="1"/>
+          </p:cNvSpPr>
+          <p:nvPr>
+            <p:ph type="sldNum" sz="quarter" idx="5"/>
+          </p:nvPr>
+        </p:nvSpPr>
+        <p:spPr/>
+        <p:txBody>
+          <a:bodyPr/>
+          <a:lstStyle/>
+          <a:p>
+            <a:fld id="{7AFBF99F-B851-4A8F-8F4D-F3B0275C9B6F}" type="slidenum">
+              <a:rPr lang="en-AU" smtClean="0"/>
+              <a:t>11</a:t>
             </a:fld>
             <a:endParaRPr lang="en-AU"/>
           </a:p>
@@ -3055,7 +3173,7 @@
           <a:p>
             <a:fld id="{ABA23B9A-771B-4B5F-9129-E92718FEFCBC}" type="datetimeFigureOut">
               <a:rPr lang="en-AU" smtClean="0"/>
-              <a:t>16/05/2022</a:t>
+              <a:t>17/05/2022</a:t>
             </a:fld>
             <a:endParaRPr lang="en-AU"/>
           </a:p>
@@ -3255,7 +3373,7 @@
           <a:p>
             <a:fld id="{ABA23B9A-771B-4B5F-9129-E92718FEFCBC}" type="datetimeFigureOut">
               <a:rPr lang="en-AU" smtClean="0"/>
-              <a:t>16/05/2022</a:t>
+              <a:t>17/05/2022</a:t>
             </a:fld>
             <a:endParaRPr lang="en-AU"/>
           </a:p>
@@ -3465,7 +3583,7 @@
           <a:p>
             <a:fld id="{ABA23B9A-771B-4B5F-9129-E92718FEFCBC}" type="datetimeFigureOut">
               <a:rPr lang="en-AU" smtClean="0"/>
-              <a:t>16/05/2022</a:t>
+              <a:t>17/05/2022</a:t>
             </a:fld>
             <a:endParaRPr lang="en-AU"/>
           </a:p>
@@ -3665,7 +3783,7 @@
           <a:p>
             <a:fld id="{ABA23B9A-771B-4B5F-9129-E92718FEFCBC}" type="datetimeFigureOut">
               <a:rPr lang="en-AU" smtClean="0"/>
-              <a:t>16/05/2022</a:t>
+              <a:t>17/05/2022</a:t>
             </a:fld>
             <a:endParaRPr lang="en-AU"/>
           </a:p>
@@ -3941,7 +4059,7 @@
           <a:p>
             <a:fld id="{ABA23B9A-771B-4B5F-9129-E92718FEFCBC}" type="datetimeFigureOut">
               <a:rPr lang="en-AU" smtClean="0"/>
-              <a:t>16/05/2022</a:t>
+              <a:t>17/05/2022</a:t>
             </a:fld>
             <a:endParaRPr lang="en-AU"/>
           </a:p>
@@ -4209,7 +4327,7 @@
           <a:p>
             <a:fld id="{ABA23B9A-771B-4B5F-9129-E92718FEFCBC}" type="datetimeFigureOut">
               <a:rPr lang="en-AU" smtClean="0"/>
-              <a:t>16/05/2022</a:t>
+              <a:t>17/05/2022</a:t>
             </a:fld>
             <a:endParaRPr lang="en-AU"/>
           </a:p>
@@ -4624,7 +4742,7 @@
           <a:p>
             <a:fld id="{ABA23B9A-771B-4B5F-9129-E92718FEFCBC}" type="datetimeFigureOut">
               <a:rPr lang="en-AU" smtClean="0"/>
-              <a:t>16/05/2022</a:t>
+              <a:t>17/05/2022</a:t>
             </a:fld>
             <a:endParaRPr lang="en-AU"/>
           </a:p>
@@ -4766,7 +4884,7 @@
           <a:p>
             <a:fld id="{ABA23B9A-771B-4B5F-9129-E92718FEFCBC}" type="datetimeFigureOut">
               <a:rPr lang="en-AU" smtClean="0"/>
-              <a:t>16/05/2022</a:t>
+              <a:t>17/05/2022</a:t>
             </a:fld>
             <a:endParaRPr lang="en-AU"/>
           </a:p>
@@ -4879,7 +4997,7 @@
           <a:p>
             <a:fld id="{ABA23B9A-771B-4B5F-9129-E92718FEFCBC}" type="datetimeFigureOut">
               <a:rPr lang="en-AU" smtClean="0"/>
-              <a:t>16/05/2022</a:t>
+              <a:t>17/05/2022</a:t>
             </a:fld>
             <a:endParaRPr lang="en-AU"/>
           </a:p>
@@ -5192,7 +5310,7 @@
           <a:p>
             <a:fld id="{ABA23B9A-771B-4B5F-9129-E92718FEFCBC}" type="datetimeFigureOut">
               <a:rPr lang="en-AU" smtClean="0"/>
-              <a:t>16/05/2022</a:t>
+              <a:t>17/05/2022</a:t>
             </a:fld>
             <a:endParaRPr lang="en-AU"/>
           </a:p>
@@ -5481,7 +5599,7 @@
           <a:p>
             <a:fld id="{ABA23B9A-771B-4B5F-9129-E92718FEFCBC}" type="datetimeFigureOut">
               <a:rPr lang="en-AU" smtClean="0"/>
-              <a:t>16/05/2022</a:t>
+              <a:t>17/05/2022</a:t>
             </a:fld>
             <a:endParaRPr lang="en-AU"/>
           </a:p>
@@ -5724,7 +5842,7 @@
           <a:p>
             <a:fld id="{ABA23B9A-771B-4B5F-9129-E92718FEFCBC}" type="datetimeFigureOut">
               <a:rPr lang="en-AU" smtClean="0"/>
-              <a:t>16/05/2022</a:t>
+              <a:t>17/05/2022</a:t>
             </a:fld>
             <a:endParaRPr lang="en-AU"/>
           </a:p>
@@ -7346,6 +7464,436 @@
           <a:chExt cx="0" cy="0"/>
         </a:xfrm>
       </p:grpSpPr>
+      <p:sp>
+        <p:nvSpPr>
+          <p:cNvPr id="2" name="TextBox 1">
+            <a:extLst>
+              <a:ext uri="{FF2B5EF4-FFF2-40B4-BE49-F238E27FC236}">
+                <a16:creationId xmlns:a16="http://schemas.microsoft.com/office/drawing/2014/main" id="{E2903B23-7D6E-78DA-FCB7-1F18245809BC}"/>
+              </a:ext>
+            </a:extLst>
+          </p:cNvPr>
+          <p:cNvSpPr txBox="1"/>
+          <p:nvPr/>
+        </p:nvSpPr>
+        <p:spPr>
+          <a:xfrm>
+            <a:off x="4536559" y="141767"/>
+            <a:ext cx="3297742" cy="461665"/>
+          </a:xfrm>
+          <a:prstGeom prst="rect">
+            <a:avLst/>
+          </a:prstGeom>
+          <a:noFill/>
+        </p:spPr>
+        <p:txBody>
+          <a:bodyPr wrap="square" rtlCol="0">
+            <a:spAutoFit/>
+          </a:bodyPr>
+          <a:lstStyle/>
+          <a:p>
+            <a:pPr algn="ctr"/>
+            <a:r>
+              <a:rPr lang="en-AU" sz="2400" b="1" dirty="0">
+                <a:solidFill>
+                  <a:srgbClr val="C00000"/>
+                </a:solidFill>
+              </a:rPr>
+              <a:t>Choose function</a:t>
+            </a:r>
+          </a:p>
+        </p:txBody>
+      </p:sp>
+      <p:grpSp>
+        <p:nvGrpSpPr>
+          <p:cNvPr id="3" name="Group 2">
+            <a:extLst>
+              <a:ext uri="{FF2B5EF4-FFF2-40B4-BE49-F238E27FC236}">
+                <a16:creationId xmlns:a16="http://schemas.microsoft.com/office/drawing/2014/main" id="{1E9AACF2-019E-B2AF-B03B-D05C6C8274FC}"/>
+              </a:ext>
+            </a:extLst>
+          </p:cNvPr>
+          <p:cNvGrpSpPr/>
+          <p:nvPr/>
+        </p:nvGrpSpPr>
+        <p:grpSpPr>
+          <a:xfrm>
+            <a:off x="2367516" y="732093"/>
+            <a:ext cx="4042341" cy="5984140"/>
+            <a:chOff x="9675775" y="2"/>
+            <a:chExt cx="3610932" cy="5619562"/>
+          </a:xfrm>
+        </p:grpSpPr>
+        <p:pic>
+          <p:nvPicPr>
+            <p:cNvPr id="4" name="Picture 3">
+              <a:extLst>
+                <a:ext uri="{FF2B5EF4-FFF2-40B4-BE49-F238E27FC236}">
+                  <a16:creationId xmlns:a16="http://schemas.microsoft.com/office/drawing/2014/main" id="{555BA395-E09F-63C4-0ECE-A1F3C00A2186}"/>
+                </a:ext>
+              </a:extLst>
+            </p:cNvPr>
+            <p:cNvPicPr>
+              <a:picLocks noChangeAspect="1"/>
+            </p:cNvPicPr>
+            <p:nvPr/>
+          </p:nvPicPr>
+          <p:blipFill>
+            <a:blip r:embed="rId2"/>
+            <a:stretch>
+              <a:fillRect/>
+            </a:stretch>
+          </p:blipFill>
+          <p:spPr>
+            <a:xfrm>
+              <a:off x="9675775" y="2"/>
+              <a:ext cx="3610932" cy="5619562"/>
+            </a:xfrm>
+            <a:prstGeom prst="rect">
+              <a:avLst/>
+            </a:prstGeom>
+          </p:spPr>
+        </p:pic>
+        <p:cxnSp>
+          <p:nvCxnSpPr>
+            <p:cNvPr id="5" name="Straight Connector 4">
+              <a:extLst>
+                <a:ext uri="{FF2B5EF4-FFF2-40B4-BE49-F238E27FC236}">
+                  <a16:creationId xmlns:a16="http://schemas.microsoft.com/office/drawing/2014/main" id="{055F561D-83EE-AE2C-8EBB-A5E16B182D72}"/>
+                </a:ext>
+              </a:extLst>
+            </p:cNvPr>
+            <p:cNvCxnSpPr>
+              <a:cxnSpLocks/>
+            </p:cNvCxnSpPr>
+            <p:nvPr/>
+          </p:nvCxnSpPr>
+          <p:spPr>
+            <a:xfrm>
+              <a:off x="9940255" y="4298280"/>
+              <a:ext cx="3118627" cy="0"/>
+            </a:xfrm>
+            <a:prstGeom prst="line">
+              <a:avLst/>
+            </a:prstGeom>
+          </p:spPr>
+          <p:style>
+            <a:lnRef idx="1">
+              <a:schemeClr val="accent4"/>
+            </a:lnRef>
+            <a:fillRef idx="0">
+              <a:schemeClr val="accent4"/>
+            </a:fillRef>
+            <a:effectRef idx="0">
+              <a:schemeClr val="accent4"/>
+            </a:effectRef>
+            <a:fontRef idx="minor">
+              <a:schemeClr val="tx1"/>
+            </a:fontRef>
+          </p:style>
+        </p:cxnSp>
+        <p:cxnSp>
+          <p:nvCxnSpPr>
+            <p:cNvPr id="6" name="Straight Connector 5">
+              <a:extLst>
+                <a:ext uri="{FF2B5EF4-FFF2-40B4-BE49-F238E27FC236}">
+                  <a16:creationId xmlns:a16="http://schemas.microsoft.com/office/drawing/2014/main" id="{D29093BC-3C0C-A942-3C41-B7D2438BF960}"/>
+                </a:ext>
+              </a:extLst>
+            </p:cNvPr>
+            <p:cNvCxnSpPr>
+              <a:cxnSpLocks/>
+            </p:cNvCxnSpPr>
+            <p:nvPr/>
+          </p:nvCxnSpPr>
+          <p:spPr>
+            <a:xfrm>
+              <a:off x="10834892" y="2887460"/>
+              <a:ext cx="936832" cy="0"/>
+            </a:xfrm>
+            <a:prstGeom prst="line">
+              <a:avLst/>
+            </a:prstGeom>
+          </p:spPr>
+          <p:style>
+            <a:lnRef idx="1">
+              <a:schemeClr val="accent4"/>
+            </a:lnRef>
+            <a:fillRef idx="0">
+              <a:schemeClr val="accent4"/>
+            </a:fillRef>
+            <a:effectRef idx="0">
+              <a:schemeClr val="accent4"/>
+            </a:effectRef>
+            <a:fontRef idx="minor">
+              <a:schemeClr val="tx1"/>
+            </a:fontRef>
+          </p:style>
+        </p:cxnSp>
+        <p:sp>
+          <p:nvSpPr>
+            <p:cNvPr id="7" name="TextBox 6">
+              <a:extLst>
+                <a:ext uri="{FF2B5EF4-FFF2-40B4-BE49-F238E27FC236}">
+                  <a16:creationId xmlns:a16="http://schemas.microsoft.com/office/drawing/2014/main" id="{2E82CECC-1299-9E11-D8C6-89192FB9269C}"/>
+                </a:ext>
+              </a:extLst>
+            </p:cNvPr>
+            <p:cNvSpPr txBox="1"/>
+            <p:nvPr/>
+          </p:nvSpPr>
+          <p:spPr>
+            <a:xfrm>
+              <a:off x="11958840" y="30827"/>
+              <a:ext cx="710293" cy="346831"/>
+            </a:xfrm>
+            <a:prstGeom prst="rect">
+              <a:avLst/>
+            </a:prstGeom>
+            <a:noFill/>
+          </p:spPr>
+          <p:txBody>
+            <a:bodyPr wrap="none" rtlCol="0">
+              <a:spAutoFit/>
+            </a:bodyPr>
+            <a:lstStyle/>
+            <a:p>
+              <a:r>
+                <a:rPr lang="en-AU" dirty="0">
+                  <a:solidFill>
+                    <a:srgbClr val="FF0000"/>
+                  </a:solidFill>
+                </a:rPr>
+                <a:t>ranger</a:t>
+              </a:r>
+            </a:p>
+          </p:txBody>
+        </p:sp>
+      </p:grpSp>
+      <p:pic>
+        <p:nvPicPr>
+          <p:cNvPr id="9" name="Picture 8">
+            <a:extLst>
+              <a:ext uri="{FF2B5EF4-FFF2-40B4-BE49-F238E27FC236}">
+                <a16:creationId xmlns:a16="http://schemas.microsoft.com/office/drawing/2014/main" id="{E051F2B0-6EA9-34A9-10D3-2365315BCECE}"/>
+              </a:ext>
+            </a:extLst>
+          </p:cNvPr>
+          <p:cNvPicPr>
+            <a:picLocks noChangeAspect="1"/>
+          </p:cNvPicPr>
+          <p:nvPr/>
+        </p:nvPicPr>
+        <p:blipFill>
+          <a:blip r:embed="rId3"/>
+          <a:stretch>
+            <a:fillRect/>
+          </a:stretch>
+        </p:blipFill>
+        <p:spPr>
+          <a:xfrm>
+            <a:off x="6473501" y="732093"/>
+            <a:ext cx="4324350" cy="5124450"/>
+          </a:xfrm>
+          <a:prstGeom prst="rect">
+            <a:avLst/>
+          </a:prstGeom>
+        </p:spPr>
+      </p:pic>
+      <p:sp>
+        <p:nvSpPr>
+          <p:cNvPr id="10" name="TextBox 9">
+            <a:extLst>
+              <a:ext uri="{FF2B5EF4-FFF2-40B4-BE49-F238E27FC236}">
+                <a16:creationId xmlns:a16="http://schemas.microsoft.com/office/drawing/2014/main" id="{A00DB39E-1CC7-FEBC-6F4A-165478CDCF34}"/>
+              </a:ext>
+            </a:extLst>
+          </p:cNvPr>
+          <p:cNvSpPr txBox="1"/>
+          <p:nvPr/>
+        </p:nvSpPr>
+        <p:spPr>
+          <a:xfrm>
+            <a:off x="9259883" y="816791"/>
+            <a:ext cx="1471108" cy="369332"/>
+          </a:xfrm>
+          <a:prstGeom prst="rect">
+            <a:avLst/>
+          </a:prstGeom>
+          <a:noFill/>
+        </p:spPr>
+        <p:txBody>
+          <a:bodyPr wrap="none" rtlCol="0">
+            <a:spAutoFit/>
+          </a:bodyPr>
+          <a:lstStyle/>
+          <a:p>
+            <a:r>
+              <a:rPr lang="en-AU" dirty="0">
+                <a:solidFill>
+                  <a:srgbClr val="FF0000"/>
+                </a:solidFill>
+              </a:rPr>
+              <a:t>Ordinal forest</a:t>
+            </a:r>
+          </a:p>
+        </p:txBody>
+      </p:sp>
+      <p:cxnSp>
+        <p:nvCxnSpPr>
+          <p:cNvPr id="11" name="Straight Connector 10">
+            <a:extLst>
+              <a:ext uri="{FF2B5EF4-FFF2-40B4-BE49-F238E27FC236}">
+                <a16:creationId xmlns:a16="http://schemas.microsoft.com/office/drawing/2014/main" id="{F9B73CB9-6897-1DBF-3FC3-CB5A7171C79D}"/>
+              </a:ext>
+            </a:extLst>
+          </p:cNvPr>
+          <p:cNvCxnSpPr>
+            <a:cxnSpLocks/>
+          </p:cNvCxnSpPr>
+          <p:nvPr/>
+        </p:nvCxnSpPr>
+        <p:spPr>
+          <a:xfrm>
+            <a:off x="7017139" y="4172377"/>
+            <a:ext cx="3491219" cy="0"/>
+          </a:xfrm>
+          <a:prstGeom prst="line">
+            <a:avLst/>
+          </a:prstGeom>
+        </p:spPr>
+        <p:style>
+          <a:lnRef idx="1">
+            <a:schemeClr val="accent4"/>
+          </a:lnRef>
+          <a:fillRef idx="0">
+            <a:schemeClr val="accent4"/>
+          </a:fillRef>
+          <a:effectRef idx="0">
+            <a:schemeClr val="accent4"/>
+          </a:effectRef>
+          <a:fontRef idx="minor">
+            <a:schemeClr val="tx1"/>
+          </a:fontRef>
+        </p:style>
+      </p:cxnSp>
+      <p:cxnSp>
+        <p:nvCxnSpPr>
+          <p:cNvPr id="12" name="Straight Connector 11">
+            <a:extLst>
+              <a:ext uri="{FF2B5EF4-FFF2-40B4-BE49-F238E27FC236}">
+                <a16:creationId xmlns:a16="http://schemas.microsoft.com/office/drawing/2014/main" id="{B9A927A1-0902-8680-AFD3-BC7662EA3251}"/>
+              </a:ext>
+            </a:extLst>
+          </p:cNvPr>
+          <p:cNvCxnSpPr>
+            <a:cxnSpLocks/>
+          </p:cNvCxnSpPr>
+          <p:nvPr/>
+        </p:nvCxnSpPr>
+        <p:spPr>
+          <a:xfrm>
+            <a:off x="8001589" y="2444515"/>
+            <a:ext cx="1048758" cy="0"/>
+          </a:xfrm>
+          <a:prstGeom prst="line">
+            <a:avLst/>
+          </a:prstGeom>
+        </p:spPr>
+        <p:style>
+          <a:lnRef idx="1">
+            <a:schemeClr val="accent4"/>
+          </a:lnRef>
+          <a:fillRef idx="0">
+            <a:schemeClr val="accent4"/>
+          </a:fillRef>
+          <a:effectRef idx="0">
+            <a:schemeClr val="accent4"/>
+          </a:effectRef>
+          <a:fontRef idx="minor">
+            <a:schemeClr val="tx1"/>
+          </a:fontRef>
+        </p:style>
+      </p:cxnSp>
+      <p:sp>
+        <p:nvSpPr>
+          <p:cNvPr id="13" name="Star: 5 Points 12">
+            <a:extLst>
+              <a:ext uri="{FF2B5EF4-FFF2-40B4-BE49-F238E27FC236}">
+                <a16:creationId xmlns:a16="http://schemas.microsoft.com/office/drawing/2014/main" id="{E7FCE261-2088-9C12-4A91-D96D2627732C}"/>
+              </a:ext>
+            </a:extLst>
+          </p:cNvPr>
+          <p:cNvSpPr/>
+          <p:nvPr/>
+        </p:nvSpPr>
+        <p:spPr>
+          <a:xfrm>
+            <a:off x="5603043" y="2444515"/>
+            <a:ext cx="492957" cy="393292"/>
+          </a:xfrm>
+          <a:prstGeom prst="star5">
+            <a:avLst/>
+          </a:prstGeom>
+          <a:solidFill>
+            <a:srgbClr val="FFFF00"/>
+          </a:solidFill>
+        </p:spPr>
+        <p:style>
+          <a:lnRef idx="2">
+            <a:schemeClr val="accent1">
+              <a:shade val="50000"/>
+            </a:schemeClr>
+          </a:lnRef>
+          <a:fillRef idx="1">
+            <a:schemeClr val="accent1"/>
+          </a:fillRef>
+          <a:effectRef idx="0">
+            <a:schemeClr val="accent1"/>
+          </a:effectRef>
+          <a:fontRef idx="minor">
+            <a:schemeClr val="lt1"/>
+          </a:fontRef>
+        </p:style>
+        <p:txBody>
+          <a:bodyPr rtlCol="0" anchor="ctr"/>
+          <a:lstStyle/>
+          <a:p>
+            <a:pPr algn="ctr"/>
+            <a:endParaRPr lang="en-AU"/>
+          </a:p>
+        </p:txBody>
+      </p:sp>
+    </p:spTree>
+    <p:extLst>
+      <p:ext uri="{BB962C8B-B14F-4D97-AF65-F5344CB8AC3E}">
+        <p14:creationId xmlns:p14="http://schemas.microsoft.com/office/powerpoint/2010/main" val="2898526614"/>
+      </p:ext>
+    </p:extLst>
+  </p:cSld>
+  <p:clrMapOvr>
+    <a:masterClrMapping/>
+  </p:clrMapOvr>
+</p:sld>
+</file>
+
+<file path=ppt/slides/slide11.xml><?xml version="1.0" encoding="utf-8"?>
+<p:sld xmlns:a="http://schemas.openxmlformats.org/drawingml/2006/main" xmlns:r="http://schemas.openxmlformats.org/officeDocument/2006/relationships" xmlns:p="http://schemas.openxmlformats.org/presentationml/2006/main">
+  <p:cSld>
+    <p:spTree>
+      <p:nvGrpSpPr>
+        <p:cNvPr id="1" name=""/>
+        <p:cNvGrpSpPr/>
+        <p:nvPr/>
+      </p:nvGrpSpPr>
+      <p:grpSpPr>
+        <a:xfrm>
+          <a:off x="0" y="0"/>
+          <a:ext cx="0" cy="0"/>
+          <a:chOff x="0" y="0"/>
+          <a:chExt cx="0" cy="0"/>
+        </a:xfrm>
+      </p:grpSpPr>
       <p:pic>
         <p:nvPicPr>
           <p:cNvPr id="3" name="Picture 2">
@@ -7865,7 +8413,7 @@
 </p:sld>
 </file>
 
-<file path=ppt/slides/slide11.xml><?xml version="1.0" encoding="utf-8"?>
+<file path=ppt/slides/slide12.xml><?xml version="1.0" encoding="utf-8"?>
 <p:sld xmlns:a="http://schemas.openxmlformats.org/drawingml/2006/main" xmlns:r="http://schemas.openxmlformats.org/officeDocument/2006/relationships" xmlns:p="http://schemas.openxmlformats.org/presentationml/2006/main">
   <p:cSld>
     <p:spTree>
@@ -7965,7 +8513,7 @@
 </p:sld>
 </file>
 
-<file path=ppt/slides/slide12.xml><?xml version="1.0" encoding="utf-8"?>
+<file path=ppt/slides/slide13.xml><?xml version="1.0" encoding="utf-8"?>
 <p:sld xmlns:a="http://schemas.openxmlformats.org/drawingml/2006/main" xmlns:r="http://schemas.openxmlformats.org/officeDocument/2006/relationships" xmlns:p="http://schemas.openxmlformats.org/presentationml/2006/main">
   <p:cSld>
     <p:spTree>
@@ -10673,6 +11221,311 @@
           <a:chExt cx="0" cy="0"/>
         </a:xfrm>
       </p:grpSpPr>
+      <p:sp>
+        <p:nvSpPr>
+          <p:cNvPr id="2" name="TextBox 1">
+            <a:extLst>
+              <a:ext uri="{FF2B5EF4-FFF2-40B4-BE49-F238E27FC236}">
+                <a16:creationId xmlns:a16="http://schemas.microsoft.com/office/drawing/2014/main" id="{E07DC962-9DB4-DD35-E342-8A14ECC49DF8}"/>
+              </a:ext>
+            </a:extLst>
+          </p:cNvPr>
+          <p:cNvSpPr txBox="1"/>
+          <p:nvPr/>
+        </p:nvSpPr>
+        <p:spPr>
+          <a:xfrm>
+            <a:off x="1303277" y="889843"/>
+            <a:ext cx="7556938" cy="5078313"/>
+          </a:xfrm>
+          <a:prstGeom prst="rect">
+            <a:avLst/>
+          </a:prstGeom>
+          <a:noFill/>
+        </p:spPr>
+        <p:txBody>
+          <a:bodyPr wrap="square">
+            <a:spAutoFit/>
+          </a:bodyPr>
+          <a:lstStyle/>
+          <a:p>
+            <a:pPr marL="285750" indent="-285750">
+              <a:buFont typeface="Arial" panose="020B0604020202020204" pitchFamily="34" charset="0"/>
+              <a:buChar char="•"/>
+            </a:pPr>
+            <a:r>
+              <a:rPr lang="en-US" b="0" i="0" dirty="0">
+                <a:solidFill>
+                  <a:srgbClr val="FF9966"/>
+                </a:solidFill>
+                <a:effectLst/>
+                <a:latin typeface="Arial" panose="020B0604020202020204" pitchFamily="34" charset="0"/>
+              </a:rPr>
+              <a:t>Combine classes</a:t>
+            </a:r>
+            <a:r>
+              <a:rPr lang="en-US" b="0" i="0" dirty="0">
+                <a:effectLst/>
+                <a:latin typeface="Arial" panose="020B0604020202020204" pitchFamily="34" charset="0"/>
+              </a:rPr>
+              <a:t>: class “&lt;30 days” and class “&gt;30 days”</a:t>
+            </a:r>
+          </a:p>
+          <a:p>
+            <a:pPr marL="285750" indent="-285750">
+              <a:buFont typeface="Arial" panose="020B0604020202020204" pitchFamily="34" charset="0"/>
+              <a:buChar char="•"/>
+            </a:pPr>
+            <a:endParaRPr lang="en-US" dirty="0">
+              <a:latin typeface="Arial" panose="020B0604020202020204" pitchFamily="34" charset="0"/>
+            </a:endParaRPr>
+          </a:p>
+          <a:p>
+            <a:pPr marL="285750" indent="-285750">
+              <a:buFont typeface="Arial" panose="020B0604020202020204" pitchFamily="34" charset="0"/>
+              <a:buChar char="•"/>
+            </a:pPr>
+            <a:r>
+              <a:rPr lang="en-US" b="0" i="0" dirty="0">
+                <a:effectLst/>
+                <a:latin typeface="Arial" panose="020B0604020202020204" pitchFamily="34" charset="0"/>
+              </a:rPr>
+              <a:t>Increase </a:t>
+            </a:r>
+            <a:r>
+              <a:rPr lang="en-US" b="0" i="0" dirty="0">
+                <a:solidFill>
+                  <a:srgbClr val="FF9966"/>
+                </a:solidFill>
+                <a:effectLst/>
+                <a:latin typeface="Arial" panose="020B0604020202020204" pitchFamily="34" charset="0"/>
+              </a:rPr>
+              <a:t>observation numbers</a:t>
+            </a:r>
+          </a:p>
+          <a:p>
+            <a:pPr marL="285750" indent="-285750">
+              <a:buFont typeface="Arial" panose="020B0604020202020204" pitchFamily="34" charset="0"/>
+              <a:buChar char="•"/>
+            </a:pPr>
+            <a:endParaRPr lang="en-US" b="0" i="0" dirty="0">
+              <a:effectLst/>
+              <a:latin typeface="Arial" panose="020B0604020202020204" pitchFamily="34" charset="0"/>
+            </a:endParaRPr>
+          </a:p>
+          <a:p>
+            <a:pPr marL="285750" indent="-285750">
+              <a:buFont typeface="Arial" panose="020B0604020202020204" pitchFamily="34" charset="0"/>
+              <a:buChar char="•"/>
+            </a:pPr>
+            <a:r>
+              <a:rPr lang="en-US" dirty="0">
+                <a:latin typeface="Arial" panose="020B0604020202020204" pitchFamily="34" charset="0"/>
+              </a:rPr>
+              <a:t>Reduce </a:t>
+            </a:r>
+            <a:r>
+              <a:rPr lang="en-US" dirty="0">
+                <a:solidFill>
+                  <a:srgbClr val="FF9966"/>
+                </a:solidFill>
+                <a:latin typeface="Arial" panose="020B0604020202020204" pitchFamily="34" charset="0"/>
+              </a:rPr>
+              <a:t>categorical variable levels</a:t>
+            </a:r>
+          </a:p>
+          <a:p>
+            <a:pPr marL="285750" indent="-285750">
+              <a:buFont typeface="Arial" panose="020B0604020202020204" pitchFamily="34" charset="0"/>
+              <a:buChar char="•"/>
+            </a:pPr>
+            <a:endParaRPr lang="en-US" dirty="0">
+              <a:latin typeface="Arial" panose="020B0604020202020204" pitchFamily="34" charset="0"/>
+            </a:endParaRPr>
+          </a:p>
+          <a:p>
+            <a:pPr marL="285750" indent="-285750">
+              <a:buFont typeface="Arial" panose="020B0604020202020204" pitchFamily="34" charset="0"/>
+              <a:buChar char="•"/>
+            </a:pPr>
+            <a:r>
+              <a:rPr lang="en-US" dirty="0">
+                <a:solidFill>
+                  <a:srgbClr val="FF9966"/>
+                </a:solidFill>
+                <a:latin typeface="Arial" panose="020B0604020202020204" pitchFamily="34" charset="0"/>
+              </a:rPr>
+              <a:t>Adjust threshold </a:t>
+            </a:r>
+            <a:r>
+              <a:rPr lang="en-US" dirty="0">
+                <a:latin typeface="Arial" panose="020B0604020202020204" pitchFamily="34" charset="0"/>
+              </a:rPr>
+              <a:t>to improve sensitivity of existing models</a:t>
+            </a:r>
+          </a:p>
+          <a:p>
+            <a:pPr marL="285750" indent="-285750">
+              <a:buFont typeface="Arial" panose="020B0604020202020204" pitchFamily="34" charset="0"/>
+              <a:buChar char="•"/>
+            </a:pPr>
+            <a:endParaRPr lang="en-US" dirty="0">
+              <a:latin typeface="Arial" panose="020B0604020202020204" pitchFamily="34" charset="0"/>
+            </a:endParaRPr>
+          </a:p>
+          <a:p>
+            <a:pPr marL="285750" indent="-285750">
+              <a:buFont typeface="Arial" panose="020B0604020202020204" pitchFamily="34" charset="0"/>
+              <a:buChar char="•"/>
+            </a:pPr>
+            <a:r>
+              <a:rPr lang="en-US" dirty="0">
+                <a:latin typeface="Arial" panose="020B0604020202020204" pitchFamily="34" charset="0"/>
+              </a:rPr>
+              <a:t>Try </a:t>
+            </a:r>
+            <a:r>
+              <a:rPr lang="en-US" dirty="0">
+                <a:solidFill>
+                  <a:srgbClr val="FF9966"/>
+                </a:solidFill>
+                <a:latin typeface="Arial" panose="020B0604020202020204" pitchFamily="34" charset="0"/>
+              </a:rPr>
+              <a:t>other classification algorithms</a:t>
+            </a:r>
+            <a:r>
+              <a:rPr lang="en-US" dirty="0">
+                <a:latin typeface="Arial" panose="020B0604020202020204" pitchFamily="34" charset="0"/>
+              </a:rPr>
+              <a:t>, including:</a:t>
+            </a:r>
+          </a:p>
+          <a:p>
+            <a:pPr marL="285750" indent="-285750">
+              <a:buFont typeface="Arial" panose="020B0604020202020204" pitchFamily="34" charset="0"/>
+              <a:buChar char="•"/>
+            </a:pPr>
+            <a:endParaRPr lang="en-US" dirty="0">
+              <a:latin typeface="Arial" panose="020B0604020202020204" pitchFamily="34" charset="0"/>
+            </a:endParaRPr>
+          </a:p>
+          <a:p>
+            <a:pPr marL="1200150" lvl="2" indent="-285750">
+              <a:buFont typeface="Arial" panose="020B0604020202020204" pitchFamily="34" charset="0"/>
+              <a:buChar char="•"/>
+            </a:pPr>
+            <a:r>
+              <a:rPr lang="en-US" dirty="0">
+                <a:latin typeface="Arial" panose="020B0604020202020204" pitchFamily="34" charset="0"/>
+              </a:rPr>
+              <a:t>Support vector machine</a:t>
+            </a:r>
+          </a:p>
+          <a:p>
+            <a:pPr marL="1200150" lvl="2" indent="-285750">
+              <a:buFont typeface="Arial" panose="020B0604020202020204" pitchFamily="34" charset="0"/>
+              <a:buChar char="•"/>
+            </a:pPr>
+            <a:endParaRPr lang="en-US" dirty="0">
+              <a:latin typeface="Arial" panose="020B0604020202020204" pitchFamily="34" charset="0"/>
+            </a:endParaRPr>
+          </a:p>
+          <a:p>
+            <a:pPr marL="1200150" lvl="2" indent="-285750">
+              <a:buFont typeface="Arial" panose="020B0604020202020204" pitchFamily="34" charset="0"/>
+              <a:buChar char="•"/>
+            </a:pPr>
+            <a:r>
+              <a:rPr lang="en-US" dirty="0" err="1">
+                <a:latin typeface="Arial" panose="020B0604020202020204" pitchFamily="34" charset="0"/>
+              </a:rPr>
+              <a:t>Adaboosting</a:t>
+            </a:r>
+            <a:endParaRPr lang="en-US" dirty="0">
+              <a:latin typeface="Arial" panose="020B0604020202020204" pitchFamily="34" charset="0"/>
+            </a:endParaRPr>
+          </a:p>
+          <a:p>
+            <a:pPr marL="1200150" lvl="2" indent="-285750">
+              <a:buFont typeface="Arial" panose="020B0604020202020204" pitchFamily="34" charset="0"/>
+              <a:buChar char="•"/>
+            </a:pPr>
+            <a:endParaRPr lang="en-US" dirty="0">
+              <a:latin typeface="Arial" panose="020B0604020202020204" pitchFamily="34" charset="0"/>
+            </a:endParaRPr>
+          </a:p>
+          <a:p>
+            <a:pPr marL="1200150" lvl="2" indent="-285750">
+              <a:buFont typeface="Arial" panose="020B0604020202020204" pitchFamily="34" charset="0"/>
+              <a:buChar char="•"/>
+            </a:pPr>
+            <a:r>
+              <a:rPr lang="en-US" dirty="0">
+                <a:latin typeface="Arial" panose="020B0604020202020204" pitchFamily="34" charset="0"/>
+              </a:rPr>
+              <a:t>Classification neural network</a:t>
+            </a:r>
+          </a:p>
+          <a:p>
+            <a:pPr marL="1200150" lvl="2" indent="-285750">
+              <a:buFont typeface="Arial" panose="020B0604020202020204" pitchFamily="34" charset="0"/>
+              <a:buChar char="•"/>
+            </a:pPr>
+            <a:endParaRPr lang="en-US" dirty="0">
+              <a:latin typeface="Arial" panose="020B0604020202020204" pitchFamily="34" charset="0"/>
+            </a:endParaRPr>
+          </a:p>
+          <a:p>
+            <a:pPr marL="1200150" lvl="2" indent="-285750">
+              <a:buFont typeface="Arial" panose="020B0604020202020204" pitchFamily="34" charset="0"/>
+              <a:buChar char="•"/>
+            </a:pPr>
+            <a:endParaRPr lang="en-US" dirty="0">
+              <a:latin typeface="Arial" panose="020B0604020202020204" pitchFamily="34" charset="0"/>
+            </a:endParaRPr>
+          </a:p>
+          <a:p>
+            <a:pPr marL="285750" indent="-285750">
+              <a:buFont typeface="Arial" panose="020B0604020202020204" pitchFamily="34" charset="0"/>
+              <a:buChar char="•"/>
+            </a:pPr>
+            <a:endParaRPr lang="en-US" b="0" i="0" dirty="0">
+              <a:effectLst/>
+              <a:latin typeface="Arial" panose="020B0604020202020204" pitchFamily="34" charset="0"/>
+            </a:endParaRPr>
+          </a:p>
+        </p:txBody>
+      </p:sp>
+    </p:spTree>
+    <p:extLst>
+      <p:ext uri="{BB962C8B-B14F-4D97-AF65-F5344CB8AC3E}">
+        <p14:creationId xmlns:p14="http://schemas.microsoft.com/office/powerpoint/2010/main" val="4286772172"/>
+      </p:ext>
+    </p:extLst>
+  </p:cSld>
+  <p:clrMapOvr>
+    <a:masterClrMapping/>
+  </p:clrMapOvr>
+</p:sld>
+</file>
+
+<file path=ppt/slides/slide8.xml><?xml version="1.0" encoding="utf-8"?>
+<p:sld xmlns:a="http://schemas.openxmlformats.org/drawingml/2006/main" xmlns:r="http://schemas.openxmlformats.org/officeDocument/2006/relationships" xmlns:p="http://schemas.openxmlformats.org/presentationml/2006/main">
+  <p:cSld>
+    <p:spTree>
+      <p:nvGrpSpPr>
+        <p:cNvPr id="1" name=""/>
+        <p:cNvGrpSpPr/>
+        <p:nvPr/>
+      </p:nvGrpSpPr>
+      <p:grpSpPr>
+        <a:xfrm>
+          <a:off x="0" y="0"/>
+          <a:ext cx="0" cy="0"/>
+          <a:chOff x="0" y="0"/>
+          <a:chExt cx="0" cy="0"/>
+        </a:xfrm>
+      </p:grpSpPr>
       <p:grpSp>
         <p:nvGrpSpPr>
           <p:cNvPr id="33" name="Group 32">
@@ -11100,7 +11953,7 @@
 </p:sld>
 </file>
 
-<file path=ppt/slides/slide8.xml><?xml version="1.0" encoding="utf-8"?>
+<file path=ppt/slides/slide9.xml><?xml version="1.0" encoding="utf-8"?>
 <p:sld xmlns:a="http://schemas.openxmlformats.org/drawingml/2006/main" xmlns:r="http://schemas.openxmlformats.org/officeDocument/2006/relationships" xmlns:p="http://schemas.openxmlformats.org/presentationml/2006/main">
   <p:cSld>
     <p:spTree>
@@ -11639,436 +12492,6 @@
     <p:extLst>
       <p:ext uri="{BB962C8B-B14F-4D97-AF65-F5344CB8AC3E}">
         <p14:creationId xmlns:p14="http://schemas.microsoft.com/office/powerpoint/2010/main" val="837947883"/>
-      </p:ext>
-    </p:extLst>
-  </p:cSld>
-  <p:clrMapOvr>
-    <a:masterClrMapping/>
-  </p:clrMapOvr>
-</p:sld>
-</file>
-
-<file path=ppt/slides/slide9.xml><?xml version="1.0" encoding="utf-8"?>
-<p:sld xmlns:a="http://schemas.openxmlformats.org/drawingml/2006/main" xmlns:r="http://schemas.openxmlformats.org/officeDocument/2006/relationships" xmlns:p="http://schemas.openxmlformats.org/presentationml/2006/main">
-  <p:cSld>
-    <p:spTree>
-      <p:nvGrpSpPr>
-        <p:cNvPr id="1" name=""/>
-        <p:cNvGrpSpPr/>
-        <p:nvPr/>
-      </p:nvGrpSpPr>
-      <p:grpSpPr>
-        <a:xfrm>
-          <a:off x="0" y="0"/>
-          <a:ext cx="0" cy="0"/>
-          <a:chOff x="0" y="0"/>
-          <a:chExt cx="0" cy="0"/>
-        </a:xfrm>
-      </p:grpSpPr>
-      <p:sp>
-        <p:nvSpPr>
-          <p:cNvPr id="2" name="TextBox 1">
-            <a:extLst>
-              <a:ext uri="{FF2B5EF4-FFF2-40B4-BE49-F238E27FC236}">
-                <a16:creationId xmlns:a16="http://schemas.microsoft.com/office/drawing/2014/main" id="{E2903B23-7D6E-78DA-FCB7-1F18245809BC}"/>
-              </a:ext>
-            </a:extLst>
-          </p:cNvPr>
-          <p:cNvSpPr txBox="1"/>
-          <p:nvPr/>
-        </p:nvSpPr>
-        <p:spPr>
-          <a:xfrm>
-            <a:off x="4536559" y="141767"/>
-            <a:ext cx="3297742" cy="461665"/>
-          </a:xfrm>
-          <a:prstGeom prst="rect">
-            <a:avLst/>
-          </a:prstGeom>
-          <a:noFill/>
-        </p:spPr>
-        <p:txBody>
-          <a:bodyPr wrap="square" rtlCol="0">
-            <a:spAutoFit/>
-          </a:bodyPr>
-          <a:lstStyle/>
-          <a:p>
-            <a:pPr algn="ctr"/>
-            <a:r>
-              <a:rPr lang="en-AU" sz="2400" b="1" dirty="0">
-                <a:solidFill>
-                  <a:srgbClr val="C00000"/>
-                </a:solidFill>
-              </a:rPr>
-              <a:t>Choose function</a:t>
-            </a:r>
-          </a:p>
-        </p:txBody>
-      </p:sp>
-      <p:grpSp>
-        <p:nvGrpSpPr>
-          <p:cNvPr id="3" name="Group 2">
-            <a:extLst>
-              <a:ext uri="{FF2B5EF4-FFF2-40B4-BE49-F238E27FC236}">
-                <a16:creationId xmlns:a16="http://schemas.microsoft.com/office/drawing/2014/main" id="{1E9AACF2-019E-B2AF-B03B-D05C6C8274FC}"/>
-              </a:ext>
-            </a:extLst>
-          </p:cNvPr>
-          <p:cNvGrpSpPr/>
-          <p:nvPr/>
-        </p:nvGrpSpPr>
-        <p:grpSpPr>
-          <a:xfrm>
-            <a:off x="2367516" y="732093"/>
-            <a:ext cx="4042341" cy="5984140"/>
-            <a:chOff x="9675775" y="2"/>
-            <a:chExt cx="3610932" cy="5619562"/>
-          </a:xfrm>
-        </p:grpSpPr>
-        <p:pic>
-          <p:nvPicPr>
-            <p:cNvPr id="4" name="Picture 3">
-              <a:extLst>
-                <a:ext uri="{FF2B5EF4-FFF2-40B4-BE49-F238E27FC236}">
-                  <a16:creationId xmlns:a16="http://schemas.microsoft.com/office/drawing/2014/main" id="{555BA395-E09F-63C4-0ECE-A1F3C00A2186}"/>
-                </a:ext>
-              </a:extLst>
-            </p:cNvPr>
-            <p:cNvPicPr>
-              <a:picLocks noChangeAspect="1"/>
-            </p:cNvPicPr>
-            <p:nvPr/>
-          </p:nvPicPr>
-          <p:blipFill>
-            <a:blip r:embed="rId2"/>
-            <a:stretch>
-              <a:fillRect/>
-            </a:stretch>
-          </p:blipFill>
-          <p:spPr>
-            <a:xfrm>
-              <a:off x="9675775" y="2"/>
-              <a:ext cx="3610932" cy="5619562"/>
-            </a:xfrm>
-            <a:prstGeom prst="rect">
-              <a:avLst/>
-            </a:prstGeom>
-          </p:spPr>
-        </p:pic>
-        <p:cxnSp>
-          <p:nvCxnSpPr>
-            <p:cNvPr id="5" name="Straight Connector 4">
-              <a:extLst>
-                <a:ext uri="{FF2B5EF4-FFF2-40B4-BE49-F238E27FC236}">
-                  <a16:creationId xmlns:a16="http://schemas.microsoft.com/office/drawing/2014/main" id="{055F561D-83EE-AE2C-8EBB-A5E16B182D72}"/>
-                </a:ext>
-              </a:extLst>
-            </p:cNvPr>
-            <p:cNvCxnSpPr>
-              <a:cxnSpLocks/>
-            </p:cNvCxnSpPr>
-            <p:nvPr/>
-          </p:nvCxnSpPr>
-          <p:spPr>
-            <a:xfrm>
-              <a:off x="9940255" y="4298280"/>
-              <a:ext cx="3118627" cy="0"/>
-            </a:xfrm>
-            <a:prstGeom prst="line">
-              <a:avLst/>
-            </a:prstGeom>
-          </p:spPr>
-          <p:style>
-            <a:lnRef idx="1">
-              <a:schemeClr val="accent4"/>
-            </a:lnRef>
-            <a:fillRef idx="0">
-              <a:schemeClr val="accent4"/>
-            </a:fillRef>
-            <a:effectRef idx="0">
-              <a:schemeClr val="accent4"/>
-            </a:effectRef>
-            <a:fontRef idx="minor">
-              <a:schemeClr val="tx1"/>
-            </a:fontRef>
-          </p:style>
-        </p:cxnSp>
-        <p:cxnSp>
-          <p:nvCxnSpPr>
-            <p:cNvPr id="6" name="Straight Connector 5">
-              <a:extLst>
-                <a:ext uri="{FF2B5EF4-FFF2-40B4-BE49-F238E27FC236}">
-                  <a16:creationId xmlns:a16="http://schemas.microsoft.com/office/drawing/2014/main" id="{D29093BC-3C0C-A942-3C41-B7D2438BF960}"/>
-                </a:ext>
-              </a:extLst>
-            </p:cNvPr>
-            <p:cNvCxnSpPr>
-              <a:cxnSpLocks/>
-            </p:cNvCxnSpPr>
-            <p:nvPr/>
-          </p:nvCxnSpPr>
-          <p:spPr>
-            <a:xfrm>
-              <a:off x="10834892" y="2887460"/>
-              <a:ext cx="936832" cy="0"/>
-            </a:xfrm>
-            <a:prstGeom prst="line">
-              <a:avLst/>
-            </a:prstGeom>
-          </p:spPr>
-          <p:style>
-            <a:lnRef idx="1">
-              <a:schemeClr val="accent4"/>
-            </a:lnRef>
-            <a:fillRef idx="0">
-              <a:schemeClr val="accent4"/>
-            </a:fillRef>
-            <a:effectRef idx="0">
-              <a:schemeClr val="accent4"/>
-            </a:effectRef>
-            <a:fontRef idx="minor">
-              <a:schemeClr val="tx1"/>
-            </a:fontRef>
-          </p:style>
-        </p:cxnSp>
-        <p:sp>
-          <p:nvSpPr>
-            <p:cNvPr id="7" name="TextBox 6">
-              <a:extLst>
-                <a:ext uri="{FF2B5EF4-FFF2-40B4-BE49-F238E27FC236}">
-                  <a16:creationId xmlns:a16="http://schemas.microsoft.com/office/drawing/2014/main" id="{2E82CECC-1299-9E11-D8C6-89192FB9269C}"/>
-                </a:ext>
-              </a:extLst>
-            </p:cNvPr>
-            <p:cNvSpPr txBox="1"/>
-            <p:nvPr/>
-          </p:nvSpPr>
-          <p:spPr>
-            <a:xfrm>
-              <a:off x="11958840" y="30827"/>
-              <a:ext cx="710293" cy="346831"/>
-            </a:xfrm>
-            <a:prstGeom prst="rect">
-              <a:avLst/>
-            </a:prstGeom>
-            <a:noFill/>
-          </p:spPr>
-          <p:txBody>
-            <a:bodyPr wrap="none" rtlCol="0">
-              <a:spAutoFit/>
-            </a:bodyPr>
-            <a:lstStyle/>
-            <a:p>
-              <a:r>
-                <a:rPr lang="en-AU" dirty="0">
-                  <a:solidFill>
-                    <a:srgbClr val="FF0000"/>
-                  </a:solidFill>
-                </a:rPr>
-                <a:t>ranger</a:t>
-              </a:r>
-            </a:p>
-          </p:txBody>
-        </p:sp>
-      </p:grpSp>
-      <p:pic>
-        <p:nvPicPr>
-          <p:cNvPr id="9" name="Picture 8">
-            <a:extLst>
-              <a:ext uri="{FF2B5EF4-FFF2-40B4-BE49-F238E27FC236}">
-                <a16:creationId xmlns:a16="http://schemas.microsoft.com/office/drawing/2014/main" id="{E051F2B0-6EA9-34A9-10D3-2365315BCECE}"/>
-              </a:ext>
-            </a:extLst>
-          </p:cNvPr>
-          <p:cNvPicPr>
-            <a:picLocks noChangeAspect="1"/>
-          </p:cNvPicPr>
-          <p:nvPr/>
-        </p:nvPicPr>
-        <p:blipFill>
-          <a:blip r:embed="rId3"/>
-          <a:stretch>
-            <a:fillRect/>
-          </a:stretch>
-        </p:blipFill>
-        <p:spPr>
-          <a:xfrm>
-            <a:off x="6473501" y="732093"/>
-            <a:ext cx="4324350" cy="5124450"/>
-          </a:xfrm>
-          <a:prstGeom prst="rect">
-            <a:avLst/>
-          </a:prstGeom>
-        </p:spPr>
-      </p:pic>
-      <p:sp>
-        <p:nvSpPr>
-          <p:cNvPr id="10" name="TextBox 9">
-            <a:extLst>
-              <a:ext uri="{FF2B5EF4-FFF2-40B4-BE49-F238E27FC236}">
-                <a16:creationId xmlns:a16="http://schemas.microsoft.com/office/drawing/2014/main" id="{A00DB39E-1CC7-FEBC-6F4A-165478CDCF34}"/>
-              </a:ext>
-            </a:extLst>
-          </p:cNvPr>
-          <p:cNvSpPr txBox="1"/>
-          <p:nvPr/>
-        </p:nvSpPr>
-        <p:spPr>
-          <a:xfrm>
-            <a:off x="9259883" y="816791"/>
-            <a:ext cx="1471108" cy="369332"/>
-          </a:xfrm>
-          <a:prstGeom prst="rect">
-            <a:avLst/>
-          </a:prstGeom>
-          <a:noFill/>
-        </p:spPr>
-        <p:txBody>
-          <a:bodyPr wrap="none" rtlCol="0">
-            <a:spAutoFit/>
-          </a:bodyPr>
-          <a:lstStyle/>
-          <a:p>
-            <a:r>
-              <a:rPr lang="en-AU" dirty="0">
-                <a:solidFill>
-                  <a:srgbClr val="FF0000"/>
-                </a:solidFill>
-              </a:rPr>
-              <a:t>Ordinal forest</a:t>
-            </a:r>
-          </a:p>
-        </p:txBody>
-      </p:sp>
-      <p:cxnSp>
-        <p:nvCxnSpPr>
-          <p:cNvPr id="11" name="Straight Connector 10">
-            <a:extLst>
-              <a:ext uri="{FF2B5EF4-FFF2-40B4-BE49-F238E27FC236}">
-                <a16:creationId xmlns:a16="http://schemas.microsoft.com/office/drawing/2014/main" id="{F9B73CB9-6897-1DBF-3FC3-CB5A7171C79D}"/>
-              </a:ext>
-            </a:extLst>
-          </p:cNvPr>
-          <p:cNvCxnSpPr>
-            <a:cxnSpLocks/>
-          </p:cNvCxnSpPr>
-          <p:nvPr/>
-        </p:nvCxnSpPr>
-        <p:spPr>
-          <a:xfrm>
-            <a:off x="7017139" y="4172377"/>
-            <a:ext cx="3491219" cy="0"/>
-          </a:xfrm>
-          <a:prstGeom prst="line">
-            <a:avLst/>
-          </a:prstGeom>
-        </p:spPr>
-        <p:style>
-          <a:lnRef idx="1">
-            <a:schemeClr val="accent4"/>
-          </a:lnRef>
-          <a:fillRef idx="0">
-            <a:schemeClr val="accent4"/>
-          </a:fillRef>
-          <a:effectRef idx="0">
-            <a:schemeClr val="accent4"/>
-          </a:effectRef>
-          <a:fontRef idx="minor">
-            <a:schemeClr val="tx1"/>
-          </a:fontRef>
-        </p:style>
-      </p:cxnSp>
-      <p:cxnSp>
-        <p:nvCxnSpPr>
-          <p:cNvPr id="12" name="Straight Connector 11">
-            <a:extLst>
-              <a:ext uri="{FF2B5EF4-FFF2-40B4-BE49-F238E27FC236}">
-                <a16:creationId xmlns:a16="http://schemas.microsoft.com/office/drawing/2014/main" id="{B9A927A1-0902-8680-AFD3-BC7662EA3251}"/>
-              </a:ext>
-            </a:extLst>
-          </p:cNvPr>
-          <p:cNvCxnSpPr>
-            <a:cxnSpLocks/>
-          </p:cNvCxnSpPr>
-          <p:nvPr/>
-        </p:nvCxnSpPr>
-        <p:spPr>
-          <a:xfrm>
-            <a:off x="8001589" y="2444515"/>
-            <a:ext cx="1048758" cy="0"/>
-          </a:xfrm>
-          <a:prstGeom prst="line">
-            <a:avLst/>
-          </a:prstGeom>
-        </p:spPr>
-        <p:style>
-          <a:lnRef idx="1">
-            <a:schemeClr val="accent4"/>
-          </a:lnRef>
-          <a:fillRef idx="0">
-            <a:schemeClr val="accent4"/>
-          </a:fillRef>
-          <a:effectRef idx="0">
-            <a:schemeClr val="accent4"/>
-          </a:effectRef>
-          <a:fontRef idx="minor">
-            <a:schemeClr val="tx1"/>
-          </a:fontRef>
-        </p:style>
-      </p:cxnSp>
-      <p:sp>
-        <p:nvSpPr>
-          <p:cNvPr id="13" name="Star: 5 Points 12">
-            <a:extLst>
-              <a:ext uri="{FF2B5EF4-FFF2-40B4-BE49-F238E27FC236}">
-                <a16:creationId xmlns:a16="http://schemas.microsoft.com/office/drawing/2014/main" id="{E7FCE261-2088-9C12-4A91-D96D2627732C}"/>
-              </a:ext>
-            </a:extLst>
-          </p:cNvPr>
-          <p:cNvSpPr/>
-          <p:nvPr/>
-        </p:nvSpPr>
-        <p:spPr>
-          <a:xfrm>
-            <a:off x="5603043" y="2444515"/>
-            <a:ext cx="492957" cy="393292"/>
-          </a:xfrm>
-          <a:prstGeom prst="star5">
-            <a:avLst/>
-          </a:prstGeom>
-          <a:solidFill>
-            <a:srgbClr val="FFFF00"/>
-          </a:solidFill>
-        </p:spPr>
-        <p:style>
-          <a:lnRef idx="2">
-            <a:schemeClr val="accent1">
-              <a:shade val="50000"/>
-            </a:schemeClr>
-          </a:lnRef>
-          <a:fillRef idx="1">
-            <a:schemeClr val="accent1"/>
-          </a:fillRef>
-          <a:effectRef idx="0">
-            <a:schemeClr val="accent1"/>
-          </a:effectRef>
-          <a:fontRef idx="minor">
-            <a:schemeClr val="lt1"/>
-          </a:fontRef>
-        </p:style>
-        <p:txBody>
-          <a:bodyPr rtlCol="0" anchor="ctr"/>
-          <a:lstStyle/>
-          <a:p>
-            <a:pPr algn="ctr"/>
-            <a:endParaRPr lang="en-AU"/>
-          </a:p>
-        </p:txBody>
-      </p:sp>
-    </p:spTree>
-    <p:extLst>
-      <p:ext uri="{BB962C8B-B14F-4D97-AF65-F5344CB8AC3E}">
-        <p14:creationId xmlns:p14="http://schemas.microsoft.com/office/powerpoint/2010/main" val="2898526614"/>
       </p:ext>
     </p:extLst>
   </p:cSld>

--- a/Random forest code and result slides/Random forest  presentation slides and results.pptx
+++ b/Random forest code and result slides/Random forest  presentation slides and results.pptx
@@ -140,7 +140,7 @@
   <pc:docChgLst>
     <pc:chgData name="Hui Li" userId="ec3be2d1-c9fc-4ef5-8c05-8d8ca9dfaab4" providerId="ADAL" clId="{B203C5AB-9EC4-41FA-9561-CCC90BC70909}"/>
     <pc:docChg chg="undo custSel addSld modSld sldOrd">
-      <pc:chgData name="Hui Li" userId="ec3be2d1-c9fc-4ef5-8c05-8d8ca9dfaab4" providerId="ADAL" clId="{B203C5AB-9EC4-41FA-9561-CCC90BC70909}" dt="2022-05-16T23:52:05.693" v="2582" actId="1076"/>
+      <pc:chgData name="Hui Li" userId="ec3be2d1-c9fc-4ef5-8c05-8d8ca9dfaab4" providerId="ADAL" clId="{B203C5AB-9EC4-41FA-9561-CCC90BC70909}" dt="2022-05-17T06:38:36.221" v="2620" actId="20577"/>
       <pc:docMkLst>
         <pc:docMk/>
       </pc:docMkLst>
@@ -579,13 +579,13 @@
         </pc:picChg>
       </pc:sldChg>
       <pc:sldChg chg="addSp modSp new mod modNotesTx">
-        <pc:chgData name="Hui Li" userId="ec3be2d1-c9fc-4ef5-8c05-8d8ca9dfaab4" providerId="ADAL" clId="{B203C5AB-9EC4-41FA-9561-CCC90BC70909}" dt="2022-05-16T23:52:05.693" v="2582" actId="1076"/>
+        <pc:chgData name="Hui Li" userId="ec3be2d1-c9fc-4ef5-8c05-8d8ca9dfaab4" providerId="ADAL" clId="{B203C5AB-9EC4-41FA-9561-CCC90BC70909}" dt="2022-05-17T06:38:36.221" v="2620" actId="20577"/>
         <pc:sldMkLst>
           <pc:docMk/>
           <pc:sldMk cId="4286772172" sldId="270"/>
         </pc:sldMkLst>
         <pc:spChg chg="add mod">
-          <ac:chgData name="Hui Li" userId="ec3be2d1-c9fc-4ef5-8c05-8d8ca9dfaab4" providerId="ADAL" clId="{B203C5AB-9EC4-41FA-9561-CCC90BC70909}" dt="2022-05-16T23:52:05.693" v="2582" actId="1076"/>
+          <ac:chgData name="Hui Li" userId="ec3be2d1-c9fc-4ef5-8c05-8d8ca9dfaab4" providerId="ADAL" clId="{B203C5AB-9EC4-41FA-9561-CCC90BC70909}" dt="2022-05-17T06:38:36.221" v="2620" actId="20577"/>
           <ac:spMkLst>
             <pc:docMk/>
             <pc:sldMk cId="4286772172" sldId="270"/>
@@ -11418,7 +11418,7 @@
               <a:rPr lang="en-US" dirty="0">
                 <a:latin typeface="Arial" panose="020B0604020202020204" pitchFamily="34" charset="0"/>
               </a:rPr>
-              <a:t>Support vector machine</a:t>
+              <a:t>Linear Discriminant Analysis</a:t>
             </a:r>
           </a:p>
           <a:p>
@@ -11463,7 +11463,7 @@
               <a:rPr lang="en-US" dirty="0">
                 <a:latin typeface="Arial" panose="020B0604020202020204" pitchFamily="34" charset="0"/>
               </a:rPr>
-              <a:t>Classification neural network</a:t>
+              <a:t>Classification Neural Network</a:t>
             </a:r>
           </a:p>
           <a:p>
